--- a/241_BTL_LTNC_TRUONGHOANGVU.pptx
+++ b/241_BTL_LTNC_TRUONGHOANGVU.pptx
@@ -6,13 +6,12 @@
   </p:sldMasterIdLst>
   <p:sldIdLst>
     <p:sldId id="256" r:id="rId2"/>
-    <p:sldId id="257" r:id="rId3"/>
-    <p:sldId id="258" r:id="rId4"/>
-    <p:sldId id="259" r:id="rId5"/>
-    <p:sldId id="260" r:id="rId6"/>
-    <p:sldId id="261" r:id="rId7"/>
-    <p:sldId id="262" r:id="rId8"/>
-    <p:sldId id="263" r:id="rId9"/>
+    <p:sldId id="259" r:id="rId3"/>
+    <p:sldId id="260" r:id="rId4"/>
+    <p:sldId id="257" r:id="rId5"/>
+    <p:sldId id="258" r:id="rId6"/>
+    <p:sldId id="262" r:id="rId7"/>
+    <p:sldId id="263" r:id="rId8"/>
   </p:sldIdLst>
   <p:sldSz cx="12192000" cy="6858000"/>
   <p:notesSz cx="6858000" cy="9144000"/>
@@ -111,6 +110,11 @@
       </a:defRPr>
     </a:lvl9pPr>
   </p:defaultTextStyle>
+  <p:extLst>
+    <p:ext uri="{EFAFB233-063F-42B5-8137-9DF3F51BA10A}">
+      <p15:sldGuideLst xmlns:p15="http://schemas.microsoft.com/office/powerpoint/2012/main"/>
+    </p:ext>
+  </p:extLst>
 </p:presentation>
 </file>
 
@@ -276,7 +280,7 @@
           <a:p>
             <a:fld id="{E6171E64-FE02-4DE5-B72F-53C3706641C3}" type="datetimeFigureOut">
               <a:rPr lang="en-US" smtClean="0"/>
-              <a:t>05/12/2024</a:t>
+              <a:t>12/12/2024</a:t>
             </a:fld>
             <a:endParaRPr lang="en-US"/>
           </a:p>
@@ -663,7 +667,7 @@
           <a:p>
             <a:fld id="{E6171E64-FE02-4DE5-B72F-53C3706641C3}" type="datetimeFigureOut">
               <a:rPr lang="en-US" smtClean="0"/>
-              <a:t>05/12/2024</a:t>
+              <a:t>12/12/2024</a:t>
             </a:fld>
             <a:endParaRPr lang="en-US"/>
           </a:p>
@@ -1056,7 +1060,7 @@
           <a:p>
             <a:fld id="{E6171E64-FE02-4DE5-B72F-53C3706641C3}" type="datetimeFigureOut">
               <a:rPr lang="en-US" smtClean="0"/>
-              <a:t>05/12/2024</a:t>
+              <a:t>12/12/2024</a:t>
             </a:fld>
             <a:endParaRPr lang="en-US"/>
           </a:p>
@@ -1471,7 +1475,7 @@
           <a:p>
             <a:fld id="{E6171E64-FE02-4DE5-B72F-53C3706641C3}" type="datetimeFigureOut">
               <a:rPr lang="en-US" smtClean="0"/>
-              <a:t>05/12/2024</a:t>
+              <a:t>12/12/2024</a:t>
             </a:fld>
             <a:endParaRPr lang="en-US"/>
           </a:p>
@@ -1813,7 +1817,7 @@
           <a:p>
             <a:fld id="{E6171E64-FE02-4DE5-B72F-53C3706641C3}" type="datetimeFigureOut">
               <a:rPr lang="en-US" smtClean="0"/>
-              <a:t>05/12/2024</a:t>
+              <a:t>12/12/2024</a:t>
             </a:fld>
             <a:endParaRPr lang="en-US"/>
           </a:p>
@@ -2137,7 +2141,7 @@
           <a:p>
             <a:fld id="{E6171E64-FE02-4DE5-B72F-53C3706641C3}" type="datetimeFigureOut">
               <a:rPr lang="en-US" smtClean="0"/>
-              <a:t>05/12/2024</a:t>
+              <a:t>12/12/2024</a:t>
             </a:fld>
             <a:endParaRPr lang="en-US"/>
           </a:p>
@@ -2618,7 +2622,7 @@
           <a:p>
             <a:fld id="{E6171E64-FE02-4DE5-B72F-53C3706641C3}" type="datetimeFigureOut">
               <a:rPr lang="en-US" smtClean="0"/>
-              <a:t>05/12/2024</a:t>
+              <a:t>12/12/2024</a:t>
             </a:fld>
             <a:endParaRPr lang="en-US"/>
           </a:p>
@@ -2780,7 +2784,7 @@
           <a:p>
             <a:fld id="{E6171E64-FE02-4DE5-B72F-53C3706641C3}" type="datetimeFigureOut">
               <a:rPr lang="en-US" smtClean="0"/>
-              <a:t>05/12/2024</a:t>
+              <a:t>12/12/2024</a:t>
             </a:fld>
             <a:endParaRPr lang="en-US"/>
           </a:p>
@@ -2893,7 +2897,7 @@
           <a:p>
             <a:fld id="{E6171E64-FE02-4DE5-B72F-53C3706641C3}" type="datetimeFigureOut">
               <a:rPr lang="en-US" smtClean="0"/>
-              <a:t>05/12/2024</a:t>
+              <a:t>12/12/2024</a:t>
             </a:fld>
             <a:endParaRPr lang="en-US"/>
           </a:p>
@@ -3215,7 +3219,7 @@
           <a:p>
             <a:fld id="{E6171E64-FE02-4DE5-B72F-53C3706641C3}" type="datetimeFigureOut">
               <a:rPr lang="en-US" smtClean="0"/>
-              <a:t>05/12/2024</a:t>
+              <a:t>12/12/2024</a:t>
             </a:fld>
             <a:endParaRPr lang="en-US"/>
           </a:p>
@@ -3517,7 +3521,7 @@
           <a:p>
             <a:fld id="{E6171E64-FE02-4DE5-B72F-53C3706641C3}" type="datetimeFigureOut">
               <a:rPr lang="en-US" smtClean="0"/>
-              <a:t>05/12/2024</a:t>
+              <a:t>12/12/2024</a:t>
             </a:fld>
             <a:endParaRPr lang="en-US"/>
           </a:p>
@@ -3758,7 +3762,7 @@
           <a:p>
             <a:fld id="{E6171E64-FE02-4DE5-B72F-53C3706641C3}" type="datetimeFigureOut">
               <a:rPr lang="en-US" smtClean="0"/>
-              <a:t>05/12/2024</a:t>
+              <a:t>12/12/2024</a:t>
             </a:fld>
             <a:endParaRPr lang="en-US"/>
           </a:p>
@@ -4559,7 +4563,7 @@
         </p:nvSpPr>
         <p:spPr>
           <a:xfrm>
-            <a:off x="7122367" y="1721072"/>
+            <a:off x="7302760" y="1346751"/>
             <a:ext cx="4093028" cy="2726838"/>
           </a:xfrm>
           <a:noFill/>
@@ -4697,8 +4701,8 @@
         </p:nvSpPr>
         <p:spPr>
           <a:xfrm>
-            <a:off x="6849168" y="4220209"/>
-            <a:ext cx="4639426" cy="1570992"/>
+            <a:off x="6849168" y="3589506"/>
+            <a:ext cx="4639426" cy="2201695"/>
           </a:xfrm>
         </p:spPr>
         <p:txBody>
@@ -4712,18 +4716,44 @@
                 <a:solidFill>
                   <a:srgbClr val="000000"/>
                 </a:solidFill>
-                <a:latin typeface="Times New Roman" panose="02020603050405020304" pitchFamily="18" charset="0"/>
-                <a:cs typeface="Times New Roman" panose="02020603050405020304" pitchFamily="18" charset="0"/>
-              </a:rPr>
-              <a:t>Trương</a:t>
+                <a:latin typeface="Tahoma" panose="020B0604030504040204" pitchFamily="34" charset="0"/>
+                <a:ea typeface="Tahoma" panose="020B0604030504040204" pitchFamily="34" charset="0"/>
+                <a:cs typeface="Tahoma" panose="020B0604030504040204" pitchFamily="34" charset="0"/>
+              </a:rPr>
+              <a:t>Nhóm</a:t>
             </a:r>
             <a:r>
               <a:rPr lang="en-US" sz="1100" b="0" dirty="0">
                 <a:solidFill>
                   <a:srgbClr val="000000"/>
                 </a:solidFill>
-                <a:latin typeface="Times New Roman" panose="02020603050405020304" pitchFamily="18" charset="0"/>
-                <a:cs typeface="Times New Roman" panose="02020603050405020304" pitchFamily="18" charset="0"/>
+                <a:latin typeface="Tahoma" panose="020B0604030504040204" pitchFamily="34" charset="0"/>
+                <a:ea typeface="Tahoma" panose="020B0604030504040204" pitchFamily="34" charset="0"/>
+                <a:cs typeface="Tahoma" panose="020B0604030504040204" pitchFamily="34" charset="0"/>
+              </a:rPr>
+              <a:t>: t496</a:t>
+            </a:r>
+          </a:p>
+          <a:p>
+            <a:r>
+              <a:rPr lang="en-US" sz="1100" b="0" dirty="0" err="1">
+                <a:solidFill>
+                  <a:srgbClr val="000000"/>
+                </a:solidFill>
+                <a:latin typeface="Tahoma" panose="020B0604030504040204" pitchFamily="34" charset="0"/>
+                <a:ea typeface="Tahoma" panose="020B0604030504040204" pitchFamily="34" charset="0"/>
+                <a:cs typeface="Tahoma" panose="020B0604030504040204" pitchFamily="34" charset="0"/>
+              </a:rPr>
+              <a:t>Trương</a:t>
+            </a:r>
+            <a:r>
+              <a:rPr lang="en-US" sz="1100" b="0" dirty="0">
+                <a:solidFill>
+                  <a:srgbClr val="000000"/>
+                </a:solidFill>
+                <a:latin typeface="Tahoma" panose="020B0604030504040204" pitchFamily="34" charset="0"/>
+                <a:ea typeface="Tahoma" panose="020B0604030504040204" pitchFamily="34" charset="0"/>
+                <a:cs typeface="Tahoma" panose="020B0604030504040204" pitchFamily="34" charset="0"/>
               </a:rPr>
               <a:t> Hoàng Vũ</a:t>
             </a:r>
@@ -4734,8 +4764,9 @@
                 <a:solidFill>
                   <a:srgbClr val="000000"/>
                 </a:solidFill>
-                <a:latin typeface="Times New Roman" panose="02020603050405020304" pitchFamily="18" charset="0"/>
-                <a:cs typeface="Times New Roman" panose="02020603050405020304" pitchFamily="18" charset="0"/>
+                <a:latin typeface="Tahoma" panose="020B0604030504040204" pitchFamily="34" charset="0"/>
+                <a:ea typeface="Tahoma" panose="020B0604030504040204" pitchFamily="34" charset="0"/>
+                <a:cs typeface="Tahoma" panose="020B0604030504040204" pitchFamily="34" charset="0"/>
               </a:rPr>
               <a:t>MSSV</a:t>
             </a:r>
@@ -4744,8 +4775,9 @@
                 <a:solidFill>
                   <a:srgbClr val="000000"/>
                 </a:solidFill>
-                <a:latin typeface="Times New Roman" panose="02020603050405020304" pitchFamily="18" charset="0"/>
-                <a:cs typeface="Times New Roman" panose="02020603050405020304" pitchFamily="18" charset="0"/>
+                <a:latin typeface="Tahoma" panose="020B0604030504040204" pitchFamily="34" charset="0"/>
+                <a:ea typeface="Tahoma" panose="020B0604030504040204" pitchFamily="34" charset="0"/>
+                <a:cs typeface="Tahoma" panose="020B0604030504040204" pitchFamily="34" charset="0"/>
               </a:rPr>
               <a:t>: 2233094</a:t>
             </a:r>
@@ -4756,8 +4788,9 @@
                 <a:solidFill>
                   <a:srgbClr val="000000"/>
                 </a:solidFill>
-                <a:latin typeface="Times New Roman" panose="02020603050405020304" pitchFamily="18" charset="0"/>
-                <a:cs typeface="Times New Roman" panose="02020603050405020304" pitchFamily="18" charset="0"/>
+                <a:latin typeface="Tahoma" panose="020B0604030504040204" pitchFamily="34" charset="0"/>
+                <a:ea typeface="Tahoma" panose="020B0604030504040204" pitchFamily="34" charset="0"/>
+                <a:cs typeface="Tahoma" panose="020B0604030504040204" pitchFamily="34" charset="0"/>
               </a:rPr>
               <a:t>MÔn</a:t>
             </a:r>
@@ -4766,8 +4799,9 @@
                 <a:solidFill>
                   <a:srgbClr val="000000"/>
                 </a:solidFill>
-                <a:latin typeface="Times New Roman" panose="02020603050405020304" pitchFamily="18" charset="0"/>
-                <a:cs typeface="Times New Roman" panose="02020603050405020304" pitchFamily="18" charset="0"/>
+                <a:latin typeface="Tahoma" panose="020B0604030504040204" pitchFamily="34" charset="0"/>
+                <a:ea typeface="Tahoma" panose="020B0604030504040204" pitchFamily="34" charset="0"/>
+                <a:cs typeface="Tahoma" panose="020B0604030504040204" pitchFamily="34" charset="0"/>
               </a:rPr>
               <a:t>: LẬP TRÌNH NÂNG CAO</a:t>
             </a:r>
@@ -4778,28 +4812,42 @@
                 <a:solidFill>
                   <a:srgbClr val="000000"/>
                 </a:solidFill>
-                <a:latin typeface="Times New Roman" panose="02020603050405020304" pitchFamily="18" charset="0"/>
-                <a:cs typeface="Times New Roman" panose="02020603050405020304" pitchFamily="18" charset="0"/>
+                <a:latin typeface="Tahoma" panose="020B0604030504040204" pitchFamily="34" charset="0"/>
+                <a:ea typeface="Tahoma" panose="020B0604030504040204" pitchFamily="34" charset="0"/>
+                <a:cs typeface="Tahoma" panose="020B0604030504040204" pitchFamily="34" charset="0"/>
               </a:rPr>
               <a:t>Gvhd</a:t>
+            </a:r>
+            <a:r>
+              <a:rPr lang="en-US" sz="1100" b="0" dirty="0" err="1">
+                <a:solidFill>
+                  <a:srgbClr val="000000"/>
+                </a:solidFill>
+                <a:latin typeface="Tahoma" panose="020B0604030504040204" pitchFamily="34" charset="0"/>
+                <a:ea typeface="Tahoma" panose="020B0604030504040204" pitchFamily="34" charset="0"/>
+                <a:cs typeface="Tahoma" panose="020B0604030504040204" pitchFamily="34" charset="0"/>
+              </a:rPr>
+              <a:t>:Thầy</a:t>
             </a:r>
             <a:r>
               <a:rPr lang="en-US" sz="1100" b="0" dirty="0">
                 <a:solidFill>
                   <a:srgbClr val="000000"/>
                 </a:solidFill>
-                <a:latin typeface="Times New Roman" panose="02020603050405020304" pitchFamily="18" charset="0"/>
-                <a:cs typeface="Times New Roman" panose="02020603050405020304" pitchFamily="18" charset="0"/>
-              </a:rPr>
-              <a:t>: Lê </a:t>
+                <a:latin typeface="Tahoma" panose="020B0604030504040204" pitchFamily="34" charset="0"/>
+                <a:ea typeface="Tahoma" panose="020B0604030504040204" pitchFamily="34" charset="0"/>
+                <a:cs typeface="Tahoma" panose="020B0604030504040204" pitchFamily="34" charset="0"/>
+              </a:rPr>
+              <a:t> Lê </a:t>
             </a:r>
             <a:r>
               <a:rPr lang="en-US" sz="1100" b="0" dirty="0" err="1">
                 <a:solidFill>
                   <a:srgbClr val="000000"/>
                 </a:solidFill>
-                <a:latin typeface="Times New Roman" panose="02020603050405020304" pitchFamily="18" charset="0"/>
-                <a:cs typeface="Times New Roman" panose="02020603050405020304" pitchFamily="18" charset="0"/>
+                <a:latin typeface="Tahoma" panose="020B0604030504040204" pitchFamily="34" charset="0"/>
+                <a:ea typeface="Tahoma" panose="020B0604030504040204" pitchFamily="34" charset="0"/>
+                <a:cs typeface="Tahoma" panose="020B0604030504040204" pitchFamily="34" charset="0"/>
               </a:rPr>
               <a:t>ĐÌnh</a:t>
             </a:r>
@@ -4808,8 +4856,9 @@
                 <a:solidFill>
                   <a:srgbClr val="000000"/>
                 </a:solidFill>
-                <a:latin typeface="Times New Roman" panose="02020603050405020304" pitchFamily="18" charset="0"/>
-                <a:cs typeface="Times New Roman" panose="02020603050405020304" pitchFamily="18" charset="0"/>
+                <a:latin typeface="Tahoma" panose="020B0604030504040204" pitchFamily="34" charset="0"/>
+                <a:ea typeface="Tahoma" panose="020B0604030504040204" pitchFamily="34" charset="0"/>
+                <a:cs typeface="Tahoma" panose="020B0604030504040204" pitchFamily="34" charset="0"/>
               </a:rPr>
               <a:t> </a:t>
             </a:r>
@@ -4818,8 +4867,9 @@
                 <a:solidFill>
                   <a:srgbClr val="000000"/>
                 </a:solidFill>
-                <a:latin typeface="Times New Roman" panose="02020603050405020304" pitchFamily="18" charset="0"/>
-                <a:cs typeface="Times New Roman" panose="02020603050405020304" pitchFamily="18" charset="0"/>
+                <a:latin typeface="Tahoma" panose="020B0604030504040204" pitchFamily="34" charset="0"/>
+                <a:ea typeface="Tahoma" panose="020B0604030504040204" pitchFamily="34" charset="0"/>
+                <a:cs typeface="Tahoma" panose="020B0604030504040204" pitchFamily="34" charset="0"/>
               </a:rPr>
               <a:t>thuận</a:t>
             </a:r>
@@ -4827,8 +4877,9 @@
               <a:solidFill>
                 <a:srgbClr val="000000"/>
               </a:solidFill>
-              <a:latin typeface="Times New Roman" panose="02020603050405020304" pitchFamily="18" charset="0"/>
-              <a:cs typeface="Times New Roman" panose="02020603050405020304" pitchFamily="18" charset="0"/>
+              <a:latin typeface="Tahoma" panose="020B0604030504040204" pitchFamily="34" charset="0"/>
+              <a:ea typeface="Tahoma" panose="020B0604030504040204" pitchFamily="34" charset="0"/>
+              <a:cs typeface="Tahoma" panose="020B0604030504040204" pitchFamily="34" charset="0"/>
             </a:endParaRPr>
           </a:p>
         </p:txBody>
@@ -4847,6 +4898,2118 @@
 </file>
 
 <file path=ppt/slides/slide2.xml><?xml version="1.0" encoding="utf-8"?>
+<p:sld xmlns:a="http://schemas.openxmlformats.org/drawingml/2006/main" xmlns:r="http://schemas.openxmlformats.org/officeDocument/2006/relationships" xmlns:p="http://schemas.openxmlformats.org/presentationml/2006/main">
+  <p:cSld>
+    <p:bg>
+      <p:bgPr>
+        <a:solidFill>
+          <a:schemeClr val="bg1"/>
+        </a:solidFill>
+        <a:effectLst/>
+      </p:bgPr>
+    </p:bg>
+    <p:spTree>
+      <p:nvGrpSpPr>
+        <p:cNvPr id="1" name=""/>
+        <p:cNvGrpSpPr/>
+        <p:nvPr/>
+      </p:nvGrpSpPr>
+      <p:grpSpPr>
+        <a:xfrm>
+          <a:off x="0" y="0"/>
+          <a:ext cx="0" cy="0"/>
+          <a:chOff x="0" y="0"/>
+          <a:chExt cx="0" cy="0"/>
+        </a:xfrm>
+      </p:grpSpPr>
+      <p:sp useBgFill="1">
+        <p:nvSpPr>
+          <p:cNvPr id="1057" name="Rectangle 1056">
+            <a:extLst>
+              <a:ext uri="{FF2B5EF4-FFF2-40B4-BE49-F238E27FC236}">
+                <a16:creationId xmlns:a16="http://schemas.microsoft.com/office/drawing/2014/main" id="{49D6D29B-CE0F-43B0-AD58-007C16D88361}"/>
+              </a:ext>
+              <a:ext uri="{C183D7F6-B498-43B3-948B-1728B52AA6E4}">
+                <adec:decorative xmlns:adec="http://schemas.microsoft.com/office/drawing/2017/decorative" val="1"/>
+              </a:ext>
+            </a:extLst>
+          </p:cNvPr>
+          <p:cNvSpPr>
+            <a:spLocks noGrp="1" noRot="1" noChangeAspect="1" noMove="1" noResize="1" noEditPoints="1" noAdjustHandles="1" noChangeArrowheads="1" noChangeShapeType="1" noTextEdit="1"/>
+          </p:cNvSpPr>
+          <p:nvPr>
+            <p:extLst>
+              <p:ext uri="{386F3935-93C4-4BCD-93E2-E3B085C9AB24}">
+                <p16:designElem xmlns:p16="http://schemas.microsoft.com/office/powerpoint/2015/main" val="1"/>
+              </p:ext>
+            </p:extLst>
+          </p:nvPr>
+        </p:nvSpPr>
+        <p:spPr>
+          <a:xfrm>
+            <a:off x="0" y="0"/>
+            <a:ext cx="12192000" cy="6858000"/>
+          </a:xfrm>
+          <a:prstGeom prst="rect">
+            <a:avLst/>
+          </a:prstGeom>
+          <a:ln w="12700" cap="flat" cmpd="sng" algn="ctr">
+            <a:noFill/>
+            <a:prstDash val="solid"/>
+            <a:miter lim="800000"/>
+          </a:ln>
+          <a:effectLst/>
+          <a:extLst>
+            <a:ext uri="{91240B29-F687-4F45-9708-019B960494DF}">
+              <a14:hiddenLine xmlns:a14="http://schemas.microsoft.com/office/drawing/2010/main" w="12700" cap="flat" cmpd="sng" algn="ctr">
+                <a:solidFill>
+                  <a:schemeClr val="accent1">
+                    <a:shade val="50000"/>
+                  </a:schemeClr>
+                </a:solidFill>
+                <a:prstDash val="solid"/>
+                <a:miter lim="800000"/>
+              </a14:hiddenLine>
+            </a:ext>
+          </a:extLst>
+        </p:spPr>
+        <p:style>
+          <a:lnRef idx="2">
+            <a:schemeClr val="accent1">
+              <a:shade val="50000"/>
+            </a:schemeClr>
+          </a:lnRef>
+          <a:fillRef idx="1">
+            <a:schemeClr val="accent1"/>
+          </a:fillRef>
+          <a:effectRef idx="0">
+            <a:schemeClr val="accent1"/>
+          </a:effectRef>
+          <a:fontRef idx="minor">
+            <a:schemeClr val="lt1"/>
+          </a:fontRef>
+        </p:style>
+        <p:txBody>
+          <a:bodyPr rtlCol="0" anchor="ctr"/>
+          <a:lstStyle/>
+          <a:p>
+            <a:pPr algn="ctr"/>
+            <a:endParaRPr lang="en-US"/>
+          </a:p>
+        </p:txBody>
+      </p:sp>
+      <p:sp>
+        <p:nvSpPr>
+          <p:cNvPr id="2" name="Title 1">
+            <a:extLst>
+              <a:ext uri="{FF2B5EF4-FFF2-40B4-BE49-F238E27FC236}">
+                <a16:creationId xmlns:a16="http://schemas.microsoft.com/office/drawing/2014/main" id="{49C35F7E-7CC4-5941-973D-65B65007F4C1}"/>
+              </a:ext>
+            </a:extLst>
+          </p:cNvPr>
+          <p:cNvSpPr>
+            <a:spLocks noGrp="1"/>
+          </p:cNvSpPr>
+          <p:nvPr>
+            <p:ph type="title"/>
+          </p:nvPr>
+        </p:nvSpPr>
+        <p:spPr>
+          <a:xfrm>
+            <a:off x="1351966" y="642898"/>
+            <a:ext cx="6425515" cy="1522750"/>
+          </a:xfrm>
+        </p:spPr>
+        <p:txBody>
+          <a:bodyPr vert="horz" lIns="91440" tIns="45720" rIns="91440" bIns="45720" rtlCol="0" anchor="b">
+            <a:normAutofit/>
+          </a:bodyPr>
+          <a:lstStyle/>
+          <a:p>
+            <a:r>
+              <a:rPr lang="en-US" dirty="0">
+                <a:latin typeface="Tahoma" panose="020B0604030504040204" pitchFamily="34" charset="0"/>
+                <a:ea typeface="Tahoma" panose="020B0604030504040204" pitchFamily="34" charset="0"/>
+                <a:cs typeface="Tahoma" panose="020B0604030504040204" pitchFamily="34" charset="0"/>
+              </a:rPr>
+              <a:t>Lý do </a:t>
+            </a:r>
+            <a:r>
+              <a:rPr lang="en-US" dirty="0" err="1">
+                <a:latin typeface="Tahoma" panose="020B0604030504040204" pitchFamily="34" charset="0"/>
+                <a:ea typeface="Tahoma" panose="020B0604030504040204" pitchFamily="34" charset="0"/>
+                <a:cs typeface="Tahoma" panose="020B0604030504040204" pitchFamily="34" charset="0"/>
+              </a:rPr>
+              <a:t>chọn</a:t>
+            </a:r>
+            <a:r>
+              <a:rPr lang="en-US" dirty="0">
+                <a:latin typeface="Tahoma" panose="020B0604030504040204" pitchFamily="34" charset="0"/>
+                <a:ea typeface="Tahoma" panose="020B0604030504040204" pitchFamily="34" charset="0"/>
+                <a:cs typeface="Tahoma" panose="020B0604030504040204" pitchFamily="34" charset="0"/>
+              </a:rPr>
+              <a:t> </a:t>
+            </a:r>
+            <a:r>
+              <a:rPr lang="en-US" dirty="0" err="1">
+                <a:latin typeface="Tahoma" panose="020B0604030504040204" pitchFamily="34" charset="0"/>
+                <a:ea typeface="Tahoma" panose="020B0604030504040204" pitchFamily="34" charset="0"/>
+                <a:cs typeface="Tahoma" panose="020B0604030504040204" pitchFamily="34" charset="0"/>
+              </a:rPr>
+              <a:t>đề</a:t>
+            </a:r>
+            <a:r>
+              <a:rPr lang="en-US" dirty="0">
+                <a:latin typeface="Tahoma" panose="020B0604030504040204" pitchFamily="34" charset="0"/>
+                <a:ea typeface="Tahoma" panose="020B0604030504040204" pitchFamily="34" charset="0"/>
+                <a:cs typeface="Tahoma" panose="020B0604030504040204" pitchFamily="34" charset="0"/>
+              </a:rPr>
+              <a:t> </a:t>
+            </a:r>
+            <a:r>
+              <a:rPr lang="en-US" dirty="0" err="1">
+                <a:latin typeface="Tahoma" panose="020B0604030504040204" pitchFamily="34" charset="0"/>
+                <a:ea typeface="Tahoma" panose="020B0604030504040204" pitchFamily="34" charset="0"/>
+                <a:cs typeface="Tahoma" panose="020B0604030504040204" pitchFamily="34" charset="0"/>
+              </a:rPr>
+              <a:t>tài</a:t>
+            </a:r>
+            <a:endParaRPr lang="en-US" dirty="0">
+              <a:latin typeface="Tahoma" panose="020B0604030504040204" pitchFamily="34" charset="0"/>
+              <a:ea typeface="Tahoma" panose="020B0604030504040204" pitchFamily="34" charset="0"/>
+              <a:cs typeface="Tahoma" panose="020B0604030504040204" pitchFamily="34" charset="0"/>
+            </a:endParaRPr>
+          </a:p>
+        </p:txBody>
+      </p:sp>
+      <p:sp>
+        <p:nvSpPr>
+          <p:cNvPr id="1058" name="Rectangle 1057">
+            <a:extLst>
+              <a:ext uri="{FF2B5EF4-FFF2-40B4-BE49-F238E27FC236}">
+                <a16:creationId xmlns:a16="http://schemas.microsoft.com/office/drawing/2014/main" id="{EEC1B57E-DEE2-4D22-B203-943325695495}"/>
+              </a:ext>
+              <a:ext uri="{C183D7F6-B498-43B3-948B-1728B52AA6E4}">
+                <adec:decorative xmlns:adec="http://schemas.microsoft.com/office/drawing/2017/decorative" val="1"/>
+              </a:ext>
+            </a:extLst>
+          </p:cNvPr>
+          <p:cNvSpPr>
+            <a:spLocks noGrp="1" noRot="1" noChangeAspect="1" noMove="1" noResize="1" noEditPoints="1" noAdjustHandles="1" noChangeArrowheads="1" noChangeShapeType="1" noTextEdit="1"/>
+          </p:cNvSpPr>
+          <p:nvPr>
+            <p:extLst>
+              <p:ext uri="{386F3935-93C4-4BCD-93E2-E3B085C9AB24}">
+                <p16:designElem xmlns:p16="http://schemas.microsoft.com/office/powerpoint/2015/main" val="1"/>
+              </p:ext>
+            </p:extLst>
+          </p:nvPr>
+        </p:nvSpPr>
+        <p:spPr>
+          <a:xfrm rot="10800000" flipV="1">
+            <a:off x="55253" y="642898"/>
+            <a:ext cx="526229" cy="2708009"/>
+          </a:xfrm>
+          <a:prstGeom prst="rect">
+            <a:avLst/>
+          </a:prstGeom>
+          <a:blipFill dpi="0" rotWithShape="1">
+            <a:blip r:embed="rId2">
+              <a:extLst>
+                <a:ext uri="{96DAC541-7B7A-43D3-8B79-37D633B846F1}">
+                  <asvg:svgBlip xmlns:asvg="http://schemas.microsoft.com/office/drawing/2016/SVG/main" r:embed="rId3"/>
+                </a:ext>
+              </a:extLst>
+            </a:blip>
+            <a:srcRect/>
+            <a:tile tx="0" ty="0" sx="6000" sy="6000" flip="none" algn="tl"/>
+          </a:blipFill>
+          <a:ln>
+            <a:noFill/>
+          </a:ln>
+        </p:spPr>
+        <p:style>
+          <a:lnRef idx="2">
+            <a:schemeClr val="accent1">
+              <a:shade val="50000"/>
+            </a:schemeClr>
+          </a:lnRef>
+          <a:fillRef idx="1">
+            <a:schemeClr val="accent1"/>
+          </a:fillRef>
+          <a:effectRef idx="0">
+            <a:schemeClr val="accent1"/>
+          </a:effectRef>
+          <a:fontRef idx="minor">
+            <a:schemeClr val="lt1"/>
+          </a:fontRef>
+        </p:style>
+        <p:txBody>
+          <a:bodyPr rtlCol="0" anchor="ctr"/>
+          <a:lstStyle/>
+          <a:p>
+            <a:pPr algn="ctr"/>
+            <a:endParaRPr lang="en-US"/>
+          </a:p>
+        </p:txBody>
+      </p:sp>
+      <p:sp>
+        <p:nvSpPr>
+          <p:cNvPr id="1059" name="Rectangle 1058">
+            <a:extLst>
+              <a:ext uri="{FF2B5EF4-FFF2-40B4-BE49-F238E27FC236}">
+                <a16:creationId xmlns:a16="http://schemas.microsoft.com/office/drawing/2014/main" id="{EE1445A8-E5ED-4750-8A1D-439871100A2E}"/>
+              </a:ext>
+              <a:ext uri="{C183D7F6-B498-43B3-948B-1728B52AA6E4}">
+                <adec:decorative xmlns:adec="http://schemas.microsoft.com/office/drawing/2017/decorative" val="1"/>
+              </a:ext>
+            </a:extLst>
+          </p:cNvPr>
+          <p:cNvSpPr>
+            <a:spLocks noGrp="1" noRot="1" noChangeAspect="1" noMove="1" noResize="1" noEditPoints="1" noAdjustHandles="1" noChangeArrowheads="1" noChangeShapeType="1" noTextEdit="1"/>
+          </p:cNvSpPr>
+          <p:nvPr>
+            <p:extLst>
+              <p:ext uri="{386F3935-93C4-4BCD-93E2-E3B085C9AB24}">
+                <p16:designElem xmlns:p16="http://schemas.microsoft.com/office/powerpoint/2015/main" val="1"/>
+              </p:ext>
+            </p:extLst>
+          </p:nvPr>
+        </p:nvSpPr>
+        <p:spPr>
+          <a:xfrm rot="10800000" flipV="1">
+            <a:off x="483" y="557"/>
+            <a:ext cx="206609" cy="2021305"/>
+          </a:xfrm>
+          <a:prstGeom prst="rect">
+            <a:avLst/>
+          </a:prstGeom>
+          <a:solidFill>
+            <a:schemeClr val="accent2"/>
+          </a:solidFill>
+          <a:ln>
+            <a:noFill/>
+          </a:ln>
+        </p:spPr>
+        <p:style>
+          <a:lnRef idx="2">
+            <a:schemeClr val="accent1">
+              <a:shade val="50000"/>
+            </a:schemeClr>
+          </a:lnRef>
+          <a:fillRef idx="1">
+            <a:schemeClr val="accent1"/>
+          </a:fillRef>
+          <a:effectRef idx="0">
+            <a:schemeClr val="accent1"/>
+          </a:effectRef>
+          <a:fontRef idx="minor">
+            <a:schemeClr val="lt1"/>
+          </a:fontRef>
+        </p:style>
+        <p:txBody>
+          <a:bodyPr rtlCol="0" anchor="ctr"/>
+          <a:lstStyle/>
+          <a:p>
+            <a:pPr algn="ctr"/>
+            <a:endParaRPr lang="en-US"/>
+          </a:p>
+        </p:txBody>
+      </p:sp>
+      <p:pic>
+        <p:nvPicPr>
+          <p:cNvPr id="1028" name="Picture 4" descr="Kỹ năng giải quyết vấn đề cần phải học hỏi? | TBSVN">
+            <a:extLst>
+              <a:ext uri="{FF2B5EF4-FFF2-40B4-BE49-F238E27FC236}">
+                <a16:creationId xmlns:a16="http://schemas.microsoft.com/office/drawing/2014/main" id="{B9981291-D69D-F252-FA98-08B029E705B1}"/>
+              </a:ext>
+            </a:extLst>
+          </p:cNvPr>
+          <p:cNvPicPr>
+            <a:picLocks noChangeAspect="1" noChangeArrowheads="1"/>
+          </p:cNvPicPr>
+          <p:nvPr/>
+        </p:nvPicPr>
+        <p:blipFill>
+          <a:blip r:embed="rId4">
+            <a:extLst>
+              <a:ext uri="{28A0092B-C50C-407E-A947-70E740481C1C}">
+                <a14:useLocalDpi xmlns:a14="http://schemas.microsoft.com/office/drawing/2010/main" val="0"/>
+              </a:ext>
+            </a:extLst>
+          </a:blip>
+          <a:srcRect/>
+          <a:stretch/>
+        </p:blipFill>
+        <p:spPr bwMode="auto">
+          <a:xfrm>
+            <a:off x="581483" y="3767452"/>
+            <a:ext cx="2332002" cy="2332002"/>
+          </a:xfrm>
+          <a:custGeom>
+            <a:avLst/>
+            <a:gdLst/>
+            <a:ahLst/>
+            <a:cxnLst/>
+            <a:rect l="l" t="t" r="r" b="b"/>
+            <a:pathLst>
+              <a:path w="2609732" h="2609732">
+                <a:moveTo>
+                  <a:pt x="1304866" y="0"/>
+                </a:moveTo>
+                <a:cubicBezTo>
+                  <a:pt x="2025524" y="0"/>
+                  <a:pt x="2609732" y="584208"/>
+                  <a:pt x="2609732" y="1304866"/>
+                </a:cubicBezTo>
+                <a:cubicBezTo>
+                  <a:pt x="2609732" y="2025524"/>
+                  <a:pt x="2025524" y="2609732"/>
+                  <a:pt x="1304866" y="2609732"/>
+                </a:cubicBezTo>
+                <a:cubicBezTo>
+                  <a:pt x="584208" y="2609732"/>
+                  <a:pt x="0" y="2025524"/>
+                  <a:pt x="0" y="1304866"/>
+                </a:cubicBezTo>
+                <a:cubicBezTo>
+                  <a:pt x="0" y="584208"/>
+                  <a:pt x="584208" y="0"/>
+                  <a:pt x="1304866" y="0"/>
+                </a:cubicBezTo>
+                <a:close/>
+              </a:path>
+            </a:pathLst>
+          </a:custGeom>
+          <a:noFill/>
+          <a:extLst>
+            <a:ext uri="{909E8E84-426E-40DD-AFC4-6F175D3DCCD1}">
+              <a14:hiddenFill xmlns:a14="http://schemas.microsoft.com/office/drawing/2010/main">
+                <a:solidFill>
+                  <a:srgbClr val="FFFFFF"/>
+                </a:solidFill>
+              </a14:hiddenFill>
+            </a:ext>
+          </a:extLst>
+        </p:spPr>
+      </p:pic>
+      <p:sp>
+        <p:nvSpPr>
+          <p:cNvPr id="6" name="TextBox 5">
+            <a:extLst>
+              <a:ext uri="{FF2B5EF4-FFF2-40B4-BE49-F238E27FC236}">
+                <a16:creationId xmlns:a16="http://schemas.microsoft.com/office/drawing/2014/main" id="{F01481D3-01CB-1B22-BE69-ABD4A810240C}"/>
+              </a:ext>
+            </a:extLst>
+          </p:cNvPr>
+          <p:cNvSpPr txBox="1"/>
+          <p:nvPr/>
+        </p:nvSpPr>
+        <p:spPr>
+          <a:xfrm>
+            <a:off x="3494968" y="2521395"/>
+            <a:ext cx="4403036" cy="3653346"/>
+          </a:xfrm>
+          <a:prstGeom prst="rect">
+            <a:avLst/>
+          </a:prstGeom>
+        </p:spPr>
+        <p:txBody>
+          <a:bodyPr vert="horz" lIns="91440" tIns="45720" rIns="91440" bIns="45720" rtlCol="0">
+            <a:normAutofit/>
+          </a:bodyPr>
+          <a:lstStyle/>
+          <a:p>
+            <a:pPr indent="-228600">
+              <a:lnSpc>
+                <a:spcPct val="130000"/>
+              </a:lnSpc>
+              <a:spcAft>
+                <a:spcPts val="600"/>
+              </a:spcAft>
+            </a:pPr>
+            <a:r>
+              <a:rPr lang="en-US" dirty="0" err="1">
+                <a:latin typeface="Tahoma" panose="020B0604030504040204" pitchFamily="34" charset="0"/>
+                <a:ea typeface="Tahoma" panose="020B0604030504040204" pitchFamily="34" charset="0"/>
+                <a:cs typeface="Tahoma" panose="020B0604030504040204" pitchFamily="34" charset="0"/>
+              </a:rPr>
+              <a:t>Những</a:t>
+            </a:r>
+            <a:r>
+              <a:rPr lang="en-US" dirty="0">
+                <a:latin typeface="Tahoma" panose="020B0604030504040204" pitchFamily="34" charset="0"/>
+                <a:ea typeface="Tahoma" panose="020B0604030504040204" pitchFamily="34" charset="0"/>
+                <a:cs typeface="Tahoma" panose="020B0604030504040204" pitchFamily="34" charset="0"/>
+              </a:rPr>
+              <a:t> </a:t>
+            </a:r>
+            <a:r>
+              <a:rPr lang="en-US" dirty="0" err="1">
+                <a:latin typeface="Tahoma" panose="020B0604030504040204" pitchFamily="34" charset="0"/>
+                <a:ea typeface="Tahoma" panose="020B0604030504040204" pitchFamily="34" charset="0"/>
+                <a:cs typeface="Tahoma" panose="020B0604030504040204" pitchFamily="34" charset="0"/>
+              </a:rPr>
+              <a:t>thiệt</a:t>
+            </a:r>
+            <a:r>
+              <a:rPr lang="en-US" dirty="0">
+                <a:latin typeface="Tahoma" panose="020B0604030504040204" pitchFamily="34" charset="0"/>
+                <a:ea typeface="Tahoma" panose="020B0604030504040204" pitchFamily="34" charset="0"/>
+                <a:cs typeface="Tahoma" panose="020B0604030504040204" pitchFamily="34" charset="0"/>
+              </a:rPr>
+              <a:t> </a:t>
+            </a:r>
+            <a:r>
+              <a:rPr lang="en-US" dirty="0" err="1">
+                <a:latin typeface="Tahoma" panose="020B0604030504040204" pitchFamily="34" charset="0"/>
+                <a:ea typeface="Tahoma" panose="020B0604030504040204" pitchFamily="34" charset="0"/>
+                <a:cs typeface="Tahoma" panose="020B0604030504040204" pitchFamily="34" charset="0"/>
+              </a:rPr>
+              <a:t>hại</a:t>
+            </a:r>
+            <a:r>
+              <a:rPr lang="en-US" dirty="0">
+                <a:latin typeface="Tahoma" panose="020B0604030504040204" pitchFamily="34" charset="0"/>
+                <a:ea typeface="Tahoma" panose="020B0604030504040204" pitchFamily="34" charset="0"/>
+                <a:cs typeface="Tahoma" panose="020B0604030504040204" pitchFamily="34" charset="0"/>
+              </a:rPr>
+              <a:t> </a:t>
+            </a:r>
+            <a:r>
+              <a:rPr lang="en-US" dirty="0" err="1">
+                <a:latin typeface="Tahoma" panose="020B0604030504040204" pitchFamily="34" charset="0"/>
+                <a:ea typeface="Tahoma" panose="020B0604030504040204" pitchFamily="34" charset="0"/>
+                <a:cs typeface="Tahoma" panose="020B0604030504040204" pitchFamily="34" charset="0"/>
+              </a:rPr>
+              <a:t>đã</a:t>
+            </a:r>
+            <a:r>
+              <a:rPr lang="en-US" dirty="0">
+                <a:latin typeface="Tahoma" panose="020B0604030504040204" pitchFamily="34" charset="0"/>
+                <a:ea typeface="Tahoma" panose="020B0604030504040204" pitchFamily="34" charset="0"/>
+                <a:cs typeface="Tahoma" panose="020B0604030504040204" pitchFamily="34" charset="0"/>
+              </a:rPr>
+              <a:t> </a:t>
+            </a:r>
+            <a:r>
+              <a:rPr lang="en-US" dirty="0" err="1">
+                <a:latin typeface="Tahoma" panose="020B0604030504040204" pitchFamily="34" charset="0"/>
+                <a:ea typeface="Tahoma" panose="020B0604030504040204" pitchFamily="34" charset="0"/>
+                <a:cs typeface="Tahoma" panose="020B0604030504040204" pitchFamily="34" charset="0"/>
+              </a:rPr>
+              <a:t>xảy</a:t>
+            </a:r>
+            <a:r>
+              <a:rPr lang="en-US" dirty="0">
+                <a:latin typeface="Tahoma" panose="020B0604030504040204" pitchFamily="34" charset="0"/>
+                <a:ea typeface="Tahoma" panose="020B0604030504040204" pitchFamily="34" charset="0"/>
+                <a:cs typeface="Tahoma" panose="020B0604030504040204" pitchFamily="34" charset="0"/>
+              </a:rPr>
+              <a:t> </a:t>
+            </a:r>
+            <a:r>
+              <a:rPr lang="en-US" dirty="0" err="1">
+                <a:latin typeface="Tahoma" panose="020B0604030504040204" pitchFamily="34" charset="0"/>
+                <a:ea typeface="Tahoma" panose="020B0604030504040204" pitchFamily="34" charset="0"/>
+                <a:cs typeface="Tahoma" panose="020B0604030504040204" pitchFamily="34" charset="0"/>
+              </a:rPr>
+              <a:t>ra</a:t>
+            </a:r>
+            <a:endParaRPr lang="en-US" dirty="0">
+              <a:latin typeface="Tahoma" panose="020B0604030504040204" pitchFamily="34" charset="0"/>
+              <a:ea typeface="Tahoma" panose="020B0604030504040204" pitchFamily="34" charset="0"/>
+              <a:cs typeface="Tahoma" panose="020B0604030504040204" pitchFamily="34" charset="0"/>
+            </a:endParaRPr>
+          </a:p>
+          <a:p>
+            <a:pPr indent="-228600">
+              <a:lnSpc>
+                <a:spcPct val="130000"/>
+              </a:lnSpc>
+              <a:spcAft>
+                <a:spcPts val="600"/>
+              </a:spcAft>
+            </a:pPr>
+            <a:r>
+              <a:rPr lang="en-US" dirty="0" err="1">
+                <a:latin typeface="Tahoma" panose="020B0604030504040204" pitchFamily="34" charset="0"/>
+                <a:ea typeface="Tahoma" panose="020B0604030504040204" pitchFamily="34" charset="0"/>
+                <a:cs typeface="Tahoma" panose="020B0604030504040204" pitchFamily="34" charset="0"/>
+              </a:rPr>
+              <a:t>Những</a:t>
+            </a:r>
+            <a:r>
+              <a:rPr lang="en-US" dirty="0">
+                <a:latin typeface="Tahoma" panose="020B0604030504040204" pitchFamily="34" charset="0"/>
+                <a:ea typeface="Tahoma" panose="020B0604030504040204" pitchFamily="34" charset="0"/>
+                <a:cs typeface="Tahoma" panose="020B0604030504040204" pitchFamily="34" charset="0"/>
+              </a:rPr>
+              <a:t> </a:t>
+            </a:r>
+            <a:r>
+              <a:rPr lang="en-US" dirty="0" err="1">
+                <a:latin typeface="Tahoma" panose="020B0604030504040204" pitchFamily="34" charset="0"/>
+                <a:ea typeface="Tahoma" panose="020B0604030504040204" pitchFamily="34" charset="0"/>
+                <a:cs typeface="Tahoma" panose="020B0604030504040204" pitchFamily="34" charset="0"/>
+              </a:rPr>
+              <a:t>thông</a:t>
+            </a:r>
+            <a:r>
+              <a:rPr lang="en-US" dirty="0">
+                <a:latin typeface="Tahoma" panose="020B0604030504040204" pitchFamily="34" charset="0"/>
+                <a:ea typeface="Tahoma" panose="020B0604030504040204" pitchFamily="34" charset="0"/>
+                <a:cs typeface="Tahoma" panose="020B0604030504040204" pitchFamily="34" charset="0"/>
+              </a:rPr>
+              <a:t> tin </a:t>
+            </a:r>
+            <a:r>
+              <a:rPr lang="en-US" dirty="0" err="1">
+                <a:latin typeface="Tahoma" panose="020B0604030504040204" pitchFamily="34" charset="0"/>
+                <a:ea typeface="Tahoma" panose="020B0604030504040204" pitchFamily="34" charset="0"/>
+                <a:cs typeface="Tahoma" panose="020B0604030504040204" pitchFamily="34" charset="0"/>
+              </a:rPr>
+              <a:t>về</a:t>
+            </a:r>
+            <a:r>
+              <a:rPr lang="en-US" dirty="0">
+                <a:latin typeface="Tahoma" panose="020B0604030504040204" pitchFamily="34" charset="0"/>
+                <a:ea typeface="Tahoma" panose="020B0604030504040204" pitchFamily="34" charset="0"/>
+                <a:cs typeface="Tahoma" panose="020B0604030504040204" pitchFamily="34" charset="0"/>
+              </a:rPr>
+              <a:t> </a:t>
+            </a:r>
+            <a:r>
+              <a:rPr lang="en-US" dirty="0" err="1">
+                <a:latin typeface="Tahoma" panose="020B0604030504040204" pitchFamily="34" charset="0"/>
+                <a:ea typeface="Tahoma" panose="020B0604030504040204" pitchFamily="34" charset="0"/>
+                <a:cs typeface="Tahoma" panose="020B0604030504040204" pitchFamily="34" charset="0"/>
+              </a:rPr>
+              <a:t>quyên</a:t>
+            </a:r>
+            <a:r>
+              <a:rPr lang="en-US" dirty="0">
+                <a:latin typeface="Tahoma" panose="020B0604030504040204" pitchFamily="34" charset="0"/>
+                <a:ea typeface="Tahoma" panose="020B0604030504040204" pitchFamily="34" charset="0"/>
+                <a:cs typeface="Tahoma" panose="020B0604030504040204" pitchFamily="34" charset="0"/>
+              </a:rPr>
+              <a:t> </a:t>
+            </a:r>
+            <a:r>
+              <a:rPr lang="en-US" dirty="0" err="1">
+                <a:latin typeface="Tahoma" panose="020B0604030504040204" pitchFamily="34" charset="0"/>
+                <a:ea typeface="Tahoma" panose="020B0604030504040204" pitchFamily="34" charset="0"/>
+                <a:cs typeface="Tahoma" panose="020B0604030504040204" pitchFamily="34" charset="0"/>
+              </a:rPr>
+              <a:t>góp</a:t>
+            </a:r>
+            <a:r>
+              <a:rPr lang="en-US" dirty="0">
+                <a:latin typeface="Tahoma" panose="020B0604030504040204" pitchFamily="34" charset="0"/>
+                <a:ea typeface="Tahoma" panose="020B0604030504040204" pitchFamily="34" charset="0"/>
+                <a:cs typeface="Tahoma" panose="020B0604030504040204" pitchFamily="34" charset="0"/>
+              </a:rPr>
+              <a:t> </a:t>
+            </a:r>
+            <a:r>
+              <a:rPr lang="en-US" dirty="0" err="1">
+                <a:latin typeface="Tahoma" panose="020B0604030504040204" pitchFamily="34" charset="0"/>
+                <a:ea typeface="Tahoma" panose="020B0604030504040204" pitchFamily="34" charset="0"/>
+                <a:cs typeface="Tahoma" panose="020B0604030504040204" pitchFamily="34" charset="0"/>
+              </a:rPr>
+              <a:t>ủng</a:t>
+            </a:r>
+            <a:r>
+              <a:rPr lang="en-US" dirty="0">
+                <a:latin typeface="Tahoma" panose="020B0604030504040204" pitchFamily="34" charset="0"/>
+                <a:ea typeface="Tahoma" panose="020B0604030504040204" pitchFamily="34" charset="0"/>
+                <a:cs typeface="Tahoma" panose="020B0604030504040204" pitchFamily="34" charset="0"/>
+              </a:rPr>
+              <a:t> </a:t>
+            </a:r>
+            <a:r>
+              <a:rPr lang="en-US" dirty="0" err="1">
+                <a:latin typeface="Tahoma" panose="020B0604030504040204" pitchFamily="34" charset="0"/>
+                <a:ea typeface="Tahoma" panose="020B0604030504040204" pitchFamily="34" charset="0"/>
+                <a:cs typeface="Tahoma" panose="020B0604030504040204" pitchFamily="34" charset="0"/>
+              </a:rPr>
+              <a:t>hộ</a:t>
+            </a:r>
+            <a:endParaRPr lang="en-US" dirty="0">
+              <a:latin typeface="Tahoma" panose="020B0604030504040204" pitchFamily="34" charset="0"/>
+              <a:ea typeface="Tahoma" panose="020B0604030504040204" pitchFamily="34" charset="0"/>
+              <a:cs typeface="Tahoma" panose="020B0604030504040204" pitchFamily="34" charset="0"/>
+            </a:endParaRPr>
+          </a:p>
+        </p:txBody>
+      </p:sp>
+      <p:sp>
+        <p:nvSpPr>
+          <p:cNvPr id="1060" name="Rectangle 1059">
+            <a:extLst>
+              <a:ext uri="{FF2B5EF4-FFF2-40B4-BE49-F238E27FC236}">
+                <a16:creationId xmlns:a16="http://schemas.microsoft.com/office/drawing/2014/main" id="{05902590-2E6D-4760-B650-190AC2595EC9}"/>
+              </a:ext>
+              <a:ext uri="{C183D7F6-B498-43B3-948B-1728B52AA6E4}">
+                <adec:decorative xmlns:adec="http://schemas.microsoft.com/office/drawing/2017/decorative" val="1"/>
+              </a:ext>
+            </a:extLst>
+          </p:cNvPr>
+          <p:cNvSpPr>
+            <a:spLocks noGrp="1" noRot="1" noChangeAspect="1" noMove="1" noResize="1" noEditPoints="1" noAdjustHandles="1" noChangeArrowheads="1" noChangeShapeType="1" noTextEdit="1"/>
+          </p:cNvSpPr>
+          <p:nvPr>
+            <p:extLst>
+              <p:ext uri="{386F3935-93C4-4BCD-93E2-E3B085C9AB24}">
+                <p16:designElem xmlns:p16="http://schemas.microsoft.com/office/powerpoint/2015/main" val="1"/>
+              </p:ext>
+            </p:extLst>
+          </p:nvPr>
+        </p:nvSpPr>
+        <p:spPr>
+          <a:xfrm flipV="1">
+            <a:off x="11254154" y="3008920"/>
+            <a:ext cx="937845" cy="3849067"/>
+          </a:xfrm>
+          <a:prstGeom prst="rect">
+            <a:avLst/>
+          </a:prstGeom>
+          <a:solidFill>
+            <a:schemeClr val="accent1">
+              <a:lumMod val="20000"/>
+              <a:lumOff val="80000"/>
+            </a:schemeClr>
+          </a:solidFill>
+          <a:ln>
+            <a:noFill/>
+          </a:ln>
+        </p:spPr>
+        <p:style>
+          <a:lnRef idx="2">
+            <a:schemeClr val="accent1">
+              <a:shade val="50000"/>
+            </a:schemeClr>
+          </a:lnRef>
+          <a:fillRef idx="1">
+            <a:schemeClr val="accent1"/>
+          </a:fillRef>
+          <a:effectRef idx="0">
+            <a:schemeClr val="accent1"/>
+          </a:effectRef>
+          <a:fontRef idx="minor">
+            <a:schemeClr val="lt1"/>
+          </a:fontRef>
+        </p:style>
+        <p:txBody>
+          <a:bodyPr rtlCol="0" anchor="ctr"/>
+          <a:lstStyle/>
+          <a:p>
+            <a:pPr algn="ctr"/>
+            <a:endParaRPr lang="en-US"/>
+          </a:p>
+        </p:txBody>
+      </p:sp>
+      <p:sp>
+        <p:nvSpPr>
+          <p:cNvPr id="1056" name="Freeform: Shape 1055">
+            <a:extLst>
+              <a:ext uri="{FF2B5EF4-FFF2-40B4-BE49-F238E27FC236}">
+                <a16:creationId xmlns:a16="http://schemas.microsoft.com/office/drawing/2014/main" id="{B15056EC-6B41-407A-A5D8-3000D013DC16}"/>
+              </a:ext>
+              <a:ext uri="{C183D7F6-B498-43B3-948B-1728B52AA6E4}">
+                <adec:decorative xmlns:adec="http://schemas.microsoft.com/office/drawing/2017/decorative" val="1"/>
+              </a:ext>
+            </a:extLst>
+          </p:cNvPr>
+          <p:cNvSpPr>
+            <a:spLocks noGrp="1" noRot="1" noChangeAspect="1" noMove="1" noResize="1" noEditPoints="1" noAdjustHandles="1" noChangeArrowheads="1" noChangeShapeType="1" noTextEdit="1"/>
+          </p:cNvSpPr>
+          <p:nvPr>
+            <p:extLst>
+              <p:ext uri="{386F3935-93C4-4BCD-93E2-E3B085C9AB24}">
+                <p16:designElem xmlns:p16="http://schemas.microsoft.com/office/powerpoint/2015/main" val="1"/>
+              </p:ext>
+            </p:extLst>
+          </p:nvPr>
+        </p:nvSpPr>
+        <p:spPr>
+          <a:xfrm rot="5400000" flipV="1">
+            <a:off x="8963626" y="2797186"/>
+            <a:ext cx="4246482" cy="2196125"/>
+          </a:xfrm>
+          <a:custGeom>
+            <a:avLst/>
+            <a:gdLst>
+              <a:gd name="connsiteX0" fmla="*/ 757287 w 757287"/>
+              <a:gd name="connsiteY0" fmla="*/ 3694096 h 3694096"/>
+              <a:gd name="connsiteX1" fmla="*/ 757287 w 757287"/>
+              <a:gd name="connsiteY1" fmla="*/ 0 h 3694096"/>
+              <a:gd name="connsiteX2" fmla="*/ 0 w 757287"/>
+              <a:gd name="connsiteY2" fmla="*/ 0 h 3694096"/>
+              <a:gd name="connsiteX3" fmla="*/ 0 w 757287"/>
+              <a:gd name="connsiteY3" fmla="*/ 3686094 h 3694096"/>
+            </a:gdLst>
+            <a:ahLst/>
+            <a:cxnLst>
+              <a:cxn ang="0">
+                <a:pos x="connsiteX0" y="connsiteY0"/>
+              </a:cxn>
+              <a:cxn ang="0">
+                <a:pos x="connsiteX1" y="connsiteY1"/>
+              </a:cxn>
+              <a:cxn ang="0">
+                <a:pos x="connsiteX2" y="connsiteY2"/>
+              </a:cxn>
+              <a:cxn ang="0">
+                <a:pos x="connsiteX3" y="connsiteY3"/>
+              </a:cxn>
+            </a:cxnLst>
+            <a:rect l="l" t="t" r="r" b="b"/>
+            <a:pathLst>
+              <a:path w="757287" h="3694096">
+                <a:moveTo>
+                  <a:pt x="757287" y="3694096"/>
+                </a:moveTo>
+                <a:lnTo>
+                  <a:pt x="757287" y="0"/>
+                </a:lnTo>
+                <a:lnTo>
+                  <a:pt x="0" y="0"/>
+                </a:lnTo>
+                <a:lnTo>
+                  <a:pt x="0" y="3686094"/>
+                </a:lnTo>
+                <a:close/>
+              </a:path>
+            </a:pathLst>
+          </a:custGeom>
+          <a:blipFill dpi="0" rotWithShape="1">
+            <a:blip r:embed="rId2">
+              <a:extLst>
+                <a:ext uri="{96DAC541-7B7A-43D3-8B79-37D633B846F1}">
+                  <asvg:svgBlip xmlns:asvg="http://schemas.microsoft.com/office/drawing/2016/SVG/main" r:embed="rId3"/>
+                </a:ext>
+              </a:extLst>
+            </a:blip>
+            <a:srcRect/>
+            <a:tile tx="0" ty="0" sx="6000" sy="6000" flip="none" algn="tl"/>
+          </a:blipFill>
+          <a:ln>
+            <a:noFill/>
+          </a:ln>
+        </p:spPr>
+        <p:style>
+          <a:lnRef idx="2">
+            <a:schemeClr val="accent1">
+              <a:shade val="50000"/>
+            </a:schemeClr>
+          </a:lnRef>
+          <a:fillRef idx="1">
+            <a:schemeClr val="accent1"/>
+          </a:fillRef>
+          <a:effectRef idx="0">
+            <a:schemeClr val="accent1"/>
+          </a:effectRef>
+          <a:fontRef idx="minor">
+            <a:schemeClr val="lt1"/>
+          </a:fontRef>
+        </p:style>
+        <p:txBody>
+          <a:bodyPr wrap="square" rtlCol="0" anchor="ctr">
+            <a:noAutofit/>
+          </a:bodyPr>
+          <a:lstStyle/>
+          <a:p>
+            <a:pPr algn="ctr"/>
+            <a:endParaRPr lang="en-US"/>
+          </a:p>
+        </p:txBody>
+      </p:sp>
+      <p:pic>
+        <p:nvPicPr>
+          <p:cNvPr id="1026" name="Picture 2" descr="Việt Nam: Bão Yagi gây thiệt hại 1,6 tỷ đô la, làm giảm tăng trưởng 0,15%">
+            <a:extLst>
+              <a:ext uri="{FF2B5EF4-FFF2-40B4-BE49-F238E27FC236}">
+                <a16:creationId xmlns:a16="http://schemas.microsoft.com/office/drawing/2014/main" id="{7BB42038-A68D-12ED-5566-F732098C461E}"/>
+              </a:ext>
+            </a:extLst>
+          </p:cNvPr>
+          <p:cNvPicPr>
+            <a:picLocks noGrp="1" noChangeAspect="1" noChangeArrowheads="1"/>
+          </p:cNvPicPr>
+          <p:nvPr>
+            <p:ph idx="1"/>
+          </p:nvPr>
+        </p:nvPicPr>
+        <p:blipFill>
+          <a:blip r:embed="rId5">
+            <a:extLst>
+              <a:ext uri="{28A0092B-C50C-407E-A947-70E740481C1C}">
+                <a14:useLocalDpi xmlns:a14="http://schemas.microsoft.com/office/drawing/2010/main" val="0"/>
+              </a:ext>
+            </a:extLst>
+          </a:blip>
+          <a:srcRect l="15727" r="28024" b="1"/>
+          <a:stretch/>
+        </p:blipFill>
+        <p:spPr bwMode="auto">
+          <a:xfrm>
+            <a:off x="8112760" y="732710"/>
+            <a:ext cx="3648337" cy="3648337"/>
+          </a:xfrm>
+          <a:custGeom>
+            <a:avLst/>
+            <a:gdLst/>
+            <a:ahLst/>
+            <a:cxnLst/>
+            <a:rect l="l" t="t" r="r" b="b"/>
+            <a:pathLst>
+              <a:path w="2609732" h="2609732">
+                <a:moveTo>
+                  <a:pt x="1304866" y="0"/>
+                </a:moveTo>
+                <a:cubicBezTo>
+                  <a:pt x="2025524" y="0"/>
+                  <a:pt x="2609732" y="584208"/>
+                  <a:pt x="2609732" y="1304866"/>
+                </a:cubicBezTo>
+                <a:cubicBezTo>
+                  <a:pt x="2609732" y="2025524"/>
+                  <a:pt x="2025524" y="2609732"/>
+                  <a:pt x="1304866" y="2609732"/>
+                </a:cubicBezTo>
+                <a:cubicBezTo>
+                  <a:pt x="584208" y="2609732"/>
+                  <a:pt x="0" y="2025524"/>
+                  <a:pt x="0" y="1304866"/>
+                </a:cubicBezTo>
+                <a:cubicBezTo>
+                  <a:pt x="0" y="584208"/>
+                  <a:pt x="584208" y="0"/>
+                  <a:pt x="1304866" y="0"/>
+                </a:cubicBezTo>
+                <a:close/>
+              </a:path>
+            </a:pathLst>
+          </a:custGeom>
+          <a:noFill/>
+          <a:extLst>
+            <a:ext uri="{909E8E84-426E-40DD-AFC4-6F175D3DCCD1}">
+              <a14:hiddenFill xmlns:a14="http://schemas.microsoft.com/office/drawing/2010/main">
+                <a:solidFill>
+                  <a:srgbClr val="FFFFFF"/>
+                </a:solidFill>
+              </a14:hiddenFill>
+            </a:ext>
+          </a:extLst>
+        </p:spPr>
+      </p:pic>
+    </p:spTree>
+    <p:extLst>
+      <p:ext uri="{BB962C8B-B14F-4D97-AF65-F5344CB8AC3E}">
+        <p14:creationId xmlns:p14="http://schemas.microsoft.com/office/powerpoint/2010/main" val="3641550585"/>
+      </p:ext>
+    </p:extLst>
+  </p:cSld>
+  <p:clrMapOvr>
+    <a:masterClrMapping/>
+  </p:clrMapOvr>
+</p:sld>
+</file>
+
+<file path=ppt/slides/slide3.xml><?xml version="1.0" encoding="utf-8"?>
+<p:sld xmlns:a="http://schemas.openxmlformats.org/drawingml/2006/main" xmlns:r="http://schemas.openxmlformats.org/officeDocument/2006/relationships" xmlns:p="http://schemas.openxmlformats.org/presentationml/2006/main">
+  <p:cSld>
+    <p:bg>
+      <p:bgPr>
+        <a:solidFill>
+          <a:schemeClr val="bg1"/>
+        </a:solidFill>
+        <a:effectLst/>
+      </p:bgPr>
+    </p:bg>
+    <p:spTree>
+      <p:nvGrpSpPr>
+        <p:cNvPr id="1" name=""/>
+        <p:cNvGrpSpPr/>
+        <p:nvPr/>
+      </p:nvGrpSpPr>
+      <p:grpSpPr>
+        <a:xfrm>
+          <a:off x="0" y="0"/>
+          <a:ext cx="0" cy="0"/>
+          <a:chOff x="0" y="0"/>
+          <a:chExt cx="0" cy="0"/>
+        </a:xfrm>
+      </p:grpSpPr>
+      <p:grpSp>
+        <p:nvGrpSpPr>
+          <p:cNvPr id="2059" name="Group 2058">
+            <a:extLst>
+              <a:ext uri="{FF2B5EF4-FFF2-40B4-BE49-F238E27FC236}">
+                <a16:creationId xmlns:a16="http://schemas.microsoft.com/office/drawing/2014/main" id="{F0C817C9-850F-4FB6-B93B-CF3076C4A5C1}"/>
+              </a:ext>
+              <a:ext uri="{C183D7F6-B498-43B3-948B-1728B52AA6E4}">
+                <adec:decorative xmlns:adec="http://schemas.microsoft.com/office/drawing/2017/decorative" val="1"/>
+              </a:ext>
+            </a:extLst>
+          </p:cNvPr>
+          <p:cNvGrpSpPr>
+            <a:grpSpLocks noGrp="1" noUngrp="1" noRot="1" noChangeAspect="1" noMove="1" noResize="1"/>
+          </p:cNvGrpSpPr>
+          <p:nvPr>
+            <p:extLst>
+              <p:ext uri="{386F3935-93C4-4BCD-93E2-E3B085C9AB24}">
+                <p16:designElem xmlns:p16="http://schemas.microsoft.com/office/powerpoint/2015/main" val="1"/>
+              </p:ext>
+            </p:extLst>
+          </p:nvPr>
+        </p:nvGrpSpPr>
+        <p:grpSpPr>
+          <a:xfrm flipH="1">
+            <a:off x="0" y="0"/>
+            <a:ext cx="567782" cy="3306479"/>
+            <a:chOff x="11619770" y="-2005"/>
+            <a:chExt cx="567782" cy="3306479"/>
+          </a:xfrm>
+        </p:grpSpPr>
+        <p:sp>
+          <p:nvSpPr>
+            <p:cNvPr id="2060" name="Freeform: Shape 2059">
+              <a:extLst>
+                <a:ext uri="{FF2B5EF4-FFF2-40B4-BE49-F238E27FC236}">
+                  <a16:creationId xmlns:a16="http://schemas.microsoft.com/office/drawing/2014/main" id="{159433A8-B67D-4675-AFDE-131069A709FC}"/>
+                </a:ext>
+                <a:ext uri="{C183D7F6-B498-43B3-948B-1728B52AA6E4}">
+                  <adec:decorative xmlns:adec="http://schemas.microsoft.com/office/drawing/2017/decorative" val="1"/>
+                </a:ext>
+              </a:extLst>
+            </p:cNvPr>
+            <p:cNvSpPr/>
+            <p:nvPr>
+              <p:extLst>
+                <p:ext uri="{386F3935-93C4-4BCD-93E2-E3B085C9AB24}">
+                  <p16:designElem xmlns:p16="http://schemas.microsoft.com/office/powerpoint/2015/main" val="1"/>
+                </p:ext>
+              </p:extLst>
+            </p:nvPr>
+          </p:nvSpPr>
+          <p:spPr>
+            <a:xfrm flipV="1">
+              <a:off x="11619770" y="373807"/>
+              <a:ext cx="526228" cy="2930667"/>
+            </a:xfrm>
+            <a:custGeom>
+              <a:avLst/>
+              <a:gdLst>
+                <a:gd name="connsiteX0" fmla="*/ 757287 w 757287"/>
+                <a:gd name="connsiteY0" fmla="*/ 3694096 h 3694096"/>
+                <a:gd name="connsiteX1" fmla="*/ 757287 w 757287"/>
+                <a:gd name="connsiteY1" fmla="*/ 0 h 3694096"/>
+                <a:gd name="connsiteX2" fmla="*/ 0 w 757287"/>
+                <a:gd name="connsiteY2" fmla="*/ 0 h 3694096"/>
+                <a:gd name="connsiteX3" fmla="*/ 0 w 757287"/>
+                <a:gd name="connsiteY3" fmla="*/ 3686094 h 3694096"/>
+              </a:gdLst>
+              <a:ahLst/>
+              <a:cxnLst>
+                <a:cxn ang="0">
+                  <a:pos x="connsiteX0" y="connsiteY0"/>
+                </a:cxn>
+                <a:cxn ang="0">
+                  <a:pos x="connsiteX1" y="connsiteY1"/>
+                </a:cxn>
+                <a:cxn ang="0">
+                  <a:pos x="connsiteX2" y="connsiteY2"/>
+                </a:cxn>
+                <a:cxn ang="0">
+                  <a:pos x="connsiteX3" y="connsiteY3"/>
+                </a:cxn>
+              </a:cxnLst>
+              <a:rect l="l" t="t" r="r" b="b"/>
+              <a:pathLst>
+                <a:path w="757287" h="3694096">
+                  <a:moveTo>
+                    <a:pt x="757287" y="3694096"/>
+                  </a:moveTo>
+                  <a:lnTo>
+                    <a:pt x="757287" y="0"/>
+                  </a:lnTo>
+                  <a:lnTo>
+                    <a:pt x="0" y="0"/>
+                  </a:lnTo>
+                  <a:lnTo>
+                    <a:pt x="0" y="3686094"/>
+                  </a:lnTo>
+                  <a:close/>
+                </a:path>
+              </a:pathLst>
+            </a:custGeom>
+            <a:blipFill dpi="0" rotWithShape="1">
+              <a:blip r:embed="rId2">
+                <a:extLst>
+                  <a:ext uri="{96DAC541-7B7A-43D3-8B79-37D633B846F1}">
+                    <asvg:svgBlip xmlns:asvg="http://schemas.microsoft.com/office/drawing/2016/SVG/main" r:embed="rId3"/>
+                  </a:ext>
+                </a:extLst>
+              </a:blip>
+              <a:srcRect/>
+              <a:tile tx="0" ty="0" sx="6000" sy="6000" flip="none" algn="tl"/>
+            </a:blipFill>
+            <a:ln>
+              <a:noFill/>
+            </a:ln>
+          </p:spPr>
+          <p:style>
+            <a:lnRef idx="2">
+              <a:schemeClr val="accent1">
+                <a:shade val="50000"/>
+              </a:schemeClr>
+            </a:lnRef>
+            <a:fillRef idx="1">
+              <a:schemeClr val="accent1"/>
+            </a:fillRef>
+            <a:effectRef idx="0">
+              <a:schemeClr val="accent1"/>
+            </a:effectRef>
+            <a:fontRef idx="minor">
+              <a:schemeClr val="lt1"/>
+            </a:fontRef>
+          </p:style>
+          <p:txBody>
+            <a:bodyPr wrap="square" rtlCol="0" anchor="ctr">
+              <a:noAutofit/>
+            </a:bodyPr>
+            <a:lstStyle/>
+            <a:p>
+              <a:pPr algn="ctr"/>
+              <a:endParaRPr lang="en-US"/>
+            </a:p>
+          </p:txBody>
+        </p:sp>
+        <p:sp>
+          <p:nvSpPr>
+            <p:cNvPr id="2061" name="Rectangle 2060">
+              <a:extLst>
+                <a:ext uri="{FF2B5EF4-FFF2-40B4-BE49-F238E27FC236}">
+                  <a16:creationId xmlns:a16="http://schemas.microsoft.com/office/drawing/2014/main" id="{E1CD1C45-6A4D-4237-B39C-2D58F401A8C5}"/>
+                </a:ext>
+                <a:ext uri="{C183D7F6-B498-43B3-948B-1728B52AA6E4}">
+                  <adec:decorative xmlns:adec="http://schemas.microsoft.com/office/drawing/2017/decorative" val="1"/>
+                </a:ext>
+              </a:extLst>
+            </p:cNvPr>
+            <p:cNvSpPr/>
+            <p:nvPr>
+              <p:extLst>
+                <p:ext uri="{386F3935-93C4-4BCD-93E2-E3B085C9AB24}">
+                  <p16:designElem xmlns:p16="http://schemas.microsoft.com/office/powerpoint/2015/main" val="1"/>
+                </p:ext>
+              </p:extLst>
+            </p:nvPr>
+          </p:nvSpPr>
+          <p:spPr>
+            <a:xfrm flipH="1" flipV="1">
+              <a:off x="11980943" y="-2005"/>
+              <a:ext cx="206609" cy="2021305"/>
+            </a:xfrm>
+            <a:prstGeom prst="rect">
+              <a:avLst/>
+            </a:prstGeom>
+            <a:solidFill>
+              <a:schemeClr val="accent2"/>
+            </a:solidFill>
+            <a:ln>
+              <a:noFill/>
+            </a:ln>
+          </p:spPr>
+          <p:style>
+            <a:lnRef idx="2">
+              <a:schemeClr val="accent1">
+                <a:shade val="50000"/>
+              </a:schemeClr>
+            </a:lnRef>
+            <a:fillRef idx="1">
+              <a:schemeClr val="accent1"/>
+            </a:fillRef>
+            <a:effectRef idx="0">
+              <a:schemeClr val="accent1"/>
+            </a:effectRef>
+            <a:fontRef idx="minor">
+              <a:schemeClr val="lt1"/>
+            </a:fontRef>
+          </p:style>
+          <p:txBody>
+            <a:bodyPr rtlCol="0" anchor="ctr"/>
+            <a:lstStyle/>
+            <a:p>
+              <a:pPr algn="ctr"/>
+              <a:endParaRPr lang="en-US"/>
+            </a:p>
+          </p:txBody>
+        </p:sp>
+      </p:grpSp>
+      <p:sp useBgFill="1">
+        <p:nvSpPr>
+          <p:cNvPr id="2063" name="Rectangle 2062">
+            <a:extLst>
+              <a:ext uri="{FF2B5EF4-FFF2-40B4-BE49-F238E27FC236}">
+                <a16:creationId xmlns:a16="http://schemas.microsoft.com/office/drawing/2014/main" id="{ECC11440-8FCC-46C6-A3E0-D0649600F55F}"/>
+              </a:ext>
+              <a:ext uri="{C183D7F6-B498-43B3-948B-1728B52AA6E4}">
+                <adec:decorative xmlns:adec="http://schemas.microsoft.com/office/drawing/2017/decorative" val="1"/>
+              </a:ext>
+            </a:extLst>
+          </p:cNvPr>
+          <p:cNvSpPr>
+            <a:spLocks noGrp="1" noRot="1" noChangeAspect="1" noMove="1" noResize="1" noEditPoints="1" noAdjustHandles="1" noChangeArrowheads="1" noChangeShapeType="1" noTextEdit="1"/>
+          </p:cNvSpPr>
+          <p:nvPr>
+            <p:extLst>
+              <p:ext uri="{386F3935-93C4-4BCD-93E2-E3B085C9AB24}">
+                <p16:designElem xmlns:p16="http://schemas.microsoft.com/office/powerpoint/2015/main" val="1"/>
+              </p:ext>
+            </p:extLst>
+          </p:nvPr>
+        </p:nvSpPr>
+        <p:spPr>
+          <a:xfrm>
+            <a:off x="0" y="0"/>
+            <a:ext cx="12192000" cy="6858000"/>
+          </a:xfrm>
+          <a:prstGeom prst="rect">
+            <a:avLst/>
+          </a:prstGeom>
+          <a:ln w="12700" cap="flat" cmpd="sng" algn="ctr">
+            <a:noFill/>
+            <a:prstDash val="solid"/>
+            <a:miter lim="800000"/>
+          </a:ln>
+          <a:effectLst/>
+          <a:extLst>
+            <a:ext uri="{91240B29-F687-4F45-9708-019B960494DF}">
+              <a14:hiddenLine xmlns:a14="http://schemas.microsoft.com/office/drawing/2010/main" w="12700" cap="flat" cmpd="sng" algn="ctr">
+                <a:solidFill>
+                  <a:schemeClr val="accent1">
+                    <a:shade val="50000"/>
+                  </a:schemeClr>
+                </a:solidFill>
+                <a:prstDash val="solid"/>
+                <a:miter lim="800000"/>
+              </a14:hiddenLine>
+            </a:ext>
+          </a:extLst>
+        </p:spPr>
+        <p:style>
+          <a:lnRef idx="2">
+            <a:schemeClr val="accent1">
+              <a:shade val="50000"/>
+            </a:schemeClr>
+          </a:lnRef>
+          <a:fillRef idx="1">
+            <a:schemeClr val="accent1"/>
+          </a:fillRef>
+          <a:effectRef idx="0">
+            <a:schemeClr val="accent1"/>
+          </a:effectRef>
+          <a:fontRef idx="minor">
+            <a:schemeClr val="lt1"/>
+          </a:fontRef>
+        </p:style>
+        <p:txBody>
+          <a:bodyPr rtlCol="0" anchor="ctr"/>
+          <a:lstStyle/>
+          <a:p>
+            <a:pPr algn="ctr"/>
+            <a:endParaRPr lang="en-US"/>
+          </a:p>
+        </p:txBody>
+      </p:sp>
+      <p:sp>
+        <p:nvSpPr>
+          <p:cNvPr id="2" name="Title 1">
+            <a:extLst>
+              <a:ext uri="{FF2B5EF4-FFF2-40B4-BE49-F238E27FC236}">
+                <a16:creationId xmlns:a16="http://schemas.microsoft.com/office/drawing/2014/main" id="{DE9CA648-117B-2E92-68C5-EDB0B17E10B9}"/>
+              </a:ext>
+            </a:extLst>
+          </p:cNvPr>
+          <p:cNvSpPr>
+            <a:spLocks noGrp="1"/>
+          </p:cNvSpPr>
+          <p:nvPr>
+            <p:ph type="title"/>
+          </p:nvPr>
+        </p:nvSpPr>
+        <p:spPr>
+          <a:xfrm>
+            <a:off x="4658175" y="-295884"/>
+            <a:ext cx="7225012" cy="1654939"/>
+          </a:xfrm>
+        </p:spPr>
+        <p:txBody>
+          <a:bodyPr vert="horz" lIns="91440" tIns="45720" rIns="91440" bIns="45720" rtlCol="0" anchor="b">
+            <a:normAutofit/>
+          </a:bodyPr>
+          <a:lstStyle/>
+          <a:p>
+            <a:pPr algn="r">
+              <a:lnSpc>
+                <a:spcPct val="130000"/>
+              </a:lnSpc>
+            </a:pPr>
+            <a:r>
+              <a:rPr lang="en-US" spc="1300" dirty="0" err="1">
+                <a:latin typeface="Tahoma" panose="020B0604030504040204" pitchFamily="34" charset="0"/>
+                <a:ea typeface="Tahoma" panose="020B0604030504040204" pitchFamily="34" charset="0"/>
+                <a:cs typeface="Tahoma" panose="020B0604030504040204" pitchFamily="34" charset="0"/>
+              </a:rPr>
+              <a:t>Mục</a:t>
+            </a:r>
+            <a:r>
+              <a:rPr lang="en-US" spc="1300" dirty="0">
+                <a:latin typeface="Tahoma" panose="020B0604030504040204" pitchFamily="34" charset="0"/>
+                <a:ea typeface="Tahoma" panose="020B0604030504040204" pitchFamily="34" charset="0"/>
+                <a:cs typeface="Tahoma" panose="020B0604030504040204" pitchFamily="34" charset="0"/>
+              </a:rPr>
+              <a:t> </a:t>
+            </a:r>
+            <a:r>
+              <a:rPr lang="en-US" spc="1300" dirty="0" err="1">
+                <a:latin typeface="Tahoma" panose="020B0604030504040204" pitchFamily="34" charset="0"/>
+                <a:ea typeface="Tahoma" panose="020B0604030504040204" pitchFamily="34" charset="0"/>
+                <a:cs typeface="Tahoma" panose="020B0604030504040204" pitchFamily="34" charset="0"/>
+              </a:rPr>
+              <a:t>tiêu</a:t>
+            </a:r>
+            <a:r>
+              <a:rPr lang="en-US" spc="1300" dirty="0">
+                <a:latin typeface="Tahoma" panose="020B0604030504040204" pitchFamily="34" charset="0"/>
+                <a:ea typeface="Tahoma" panose="020B0604030504040204" pitchFamily="34" charset="0"/>
+                <a:cs typeface="Tahoma" panose="020B0604030504040204" pitchFamily="34" charset="0"/>
+              </a:rPr>
+              <a:t> </a:t>
+            </a:r>
+            <a:r>
+              <a:rPr lang="en-US" spc="1300" dirty="0" err="1">
+                <a:latin typeface="Tahoma" panose="020B0604030504040204" pitchFamily="34" charset="0"/>
+                <a:ea typeface="Tahoma" panose="020B0604030504040204" pitchFamily="34" charset="0"/>
+                <a:cs typeface="Tahoma" panose="020B0604030504040204" pitchFamily="34" charset="0"/>
+              </a:rPr>
+              <a:t>của</a:t>
+            </a:r>
+            <a:r>
+              <a:rPr lang="en-US" spc="1300" dirty="0">
+                <a:latin typeface="Tahoma" panose="020B0604030504040204" pitchFamily="34" charset="0"/>
+                <a:ea typeface="Tahoma" panose="020B0604030504040204" pitchFamily="34" charset="0"/>
+                <a:cs typeface="Tahoma" panose="020B0604030504040204" pitchFamily="34" charset="0"/>
+              </a:rPr>
+              <a:t> </a:t>
+            </a:r>
+            <a:r>
+              <a:rPr lang="en-US" spc="1300" dirty="0" err="1">
+                <a:latin typeface="Tahoma" panose="020B0604030504040204" pitchFamily="34" charset="0"/>
+                <a:ea typeface="Tahoma" panose="020B0604030504040204" pitchFamily="34" charset="0"/>
+                <a:cs typeface="Tahoma" panose="020B0604030504040204" pitchFamily="34" charset="0"/>
+              </a:rPr>
+              <a:t>nhóm</a:t>
+            </a:r>
+            <a:endParaRPr lang="en-US" spc="1300" dirty="0">
+              <a:latin typeface="Tahoma" panose="020B0604030504040204" pitchFamily="34" charset="0"/>
+              <a:ea typeface="Tahoma" panose="020B0604030504040204" pitchFamily="34" charset="0"/>
+              <a:cs typeface="Tahoma" panose="020B0604030504040204" pitchFamily="34" charset="0"/>
+            </a:endParaRPr>
+          </a:p>
+        </p:txBody>
+      </p:sp>
+      <p:sp>
+        <p:nvSpPr>
+          <p:cNvPr id="2065" name="Rectangle 2064">
+            <a:extLst>
+              <a:ext uri="{FF2B5EF4-FFF2-40B4-BE49-F238E27FC236}">
+                <a16:creationId xmlns:a16="http://schemas.microsoft.com/office/drawing/2014/main" id="{9D18ECFB-73A1-4516-8DEC-9B39996B90B9}"/>
+              </a:ext>
+              <a:ext uri="{C183D7F6-B498-43B3-948B-1728B52AA6E4}">
+                <adec:decorative xmlns:adec="http://schemas.microsoft.com/office/drawing/2017/decorative" val="1"/>
+              </a:ext>
+            </a:extLst>
+          </p:cNvPr>
+          <p:cNvSpPr>
+            <a:spLocks noGrp="1" noRot="1" noChangeAspect="1" noMove="1" noResize="1" noEditPoints="1" noAdjustHandles="1" noChangeArrowheads="1" noChangeShapeType="1" noTextEdit="1"/>
+          </p:cNvSpPr>
+          <p:nvPr>
+            <p:extLst>
+              <p:ext uri="{386F3935-93C4-4BCD-93E2-E3B085C9AB24}">
+                <p16:designElem xmlns:p16="http://schemas.microsoft.com/office/powerpoint/2015/main" val="1"/>
+              </p:ext>
+            </p:extLst>
+          </p:nvPr>
+        </p:nvSpPr>
+        <p:spPr>
+          <a:xfrm>
+            <a:off x="0" y="1712476"/>
+            <a:ext cx="2627290" cy="5145524"/>
+          </a:xfrm>
+          <a:prstGeom prst="rect">
+            <a:avLst/>
+          </a:prstGeom>
+          <a:solidFill>
+            <a:schemeClr val="accent1">
+              <a:lumMod val="20000"/>
+              <a:lumOff val="80000"/>
+            </a:schemeClr>
+          </a:solidFill>
+          <a:ln>
+            <a:noFill/>
+          </a:ln>
+        </p:spPr>
+        <p:style>
+          <a:lnRef idx="2">
+            <a:schemeClr val="accent1">
+              <a:shade val="50000"/>
+            </a:schemeClr>
+          </a:lnRef>
+          <a:fillRef idx="1">
+            <a:schemeClr val="accent1"/>
+          </a:fillRef>
+          <a:effectRef idx="0">
+            <a:schemeClr val="accent1"/>
+          </a:effectRef>
+          <a:fontRef idx="minor">
+            <a:schemeClr val="lt1"/>
+          </a:fontRef>
+        </p:style>
+        <p:txBody>
+          <a:bodyPr rtlCol="0" anchor="ctr"/>
+          <a:lstStyle/>
+          <a:p>
+            <a:pPr algn="ctr"/>
+            <a:endParaRPr lang="en-US"/>
+          </a:p>
+        </p:txBody>
+      </p:sp>
+      <p:sp>
+        <p:nvSpPr>
+          <p:cNvPr id="2067" name="Rectangle 2066">
+            <a:extLst>
+              <a:ext uri="{FF2B5EF4-FFF2-40B4-BE49-F238E27FC236}">
+                <a16:creationId xmlns:a16="http://schemas.microsoft.com/office/drawing/2014/main" id="{4158FB13-464F-495D-8CCD-8CF6966AA49C}"/>
+              </a:ext>
+              <a:ext uri="{C183D7F6-B498-43B3-948B-1728B52AA6E4}">
+                <adec:decorative xmlns:adec="http://schemas.microsoft.com/office/drawing/2017/decorative" val="1"/>
+              </a:ext>
+            </a:extLst>
+          </p:cNvPr>
+          <p:cNvSpPr>
+            <a:spLocks noGrp="1" noRot="1" noChangeAspect="1" noMove="1" noResize="1" noEditPoints="1" noAdjustHandles="1" noChangeArrowheads="1" noChangeShapeType="1" noTextEdit="1"/>
+          </p:cNvSpPr>
+          <p:nvPr>
+            <p:extLst>
+              <p:ext uri="{386F3935-93C4-4BCD-93E2-E3B085C9AB24}">
+                <p16:designElem xmlns:p16="http://schemas.microsoft.com/office/powerpoint/2015/main" val="1"/>
+              </p:ext>
+            </p:extLst>
+          </p:nvPr>
+        </p:nvSpPr>
+        <p:spPr>
+          <a:xfrm>
+            <a:off x="16938" y="350"/>
+            <a:ext cx="2174511" cy="5066594"/>
+          </a:xfrm>
+          <a:prstGeom prst="rect">
+            <a:avLst/>
+          </a:prstGeom>
+          <a:blipFill dpi="0" rotWithShape="1">
+            <a:blip r:embed="rId2">
+              <a:extLst>
+                <a:ext uri="{96DAC541-7B7A-43D3-8B79-37D633B846F1}">
+                  <asvg:svgBlip xmlns:asvg="http://schemas.microsoft.com/office/drawing/2016/SVG/main" r:embed="rId3"/>
+                </a:ext>
+              </a:extLst>
+            </a:blip>
+            <a:srcRect/>
+            <a:tile tx="0" ty="0" sx="6000" sy="6000" flip="none" algn="tl"/>
+          </a:blipFill>
+          <a:ln>
+            <a:noFill/>
+          </a:ln>
+        </p:spPr>
+        <p:style>
+          <a:lnRef idx="2">
+            <a:schemeClr val="accent1">
+              <a:shade val="50000"/>
+            </a:schemeClr>
+          </a:lnRef>
+          <a:fillRef idx="1">
+            <a:schemeClr val="accent1"/>
+          </a:fillRef>
+          <a:effectRef idx="0">
+            <a:schemeClr val="accent1"/>
+          </a:effectRef>
+          <a:fontRef idx="minor">
+            <a:schemeClr val="lt1"/>
+          </a:fontRef>
+        </p:style>
+        <p:txBody>
+          <a:bodyPr rtlCol="0" anchor="ctr"/>
+          <a:lstStyle/>
+          <a:p>
+            <a:pPr algn="ctr"/>
+            <a:endParaRPr lang="en-US"/>
+          </a:p>
+        </p:txBody>
+      </p:sp>
+      <p:pic>
+        <p:nvPicPr>
+          <p:cNvPr id="2054" name="Picture 6" descr="Xây dựng Chấn Hưng | Xây dựng Bến Tre, xây dựng công trình, xây dựng công  trình đường bộ, xây dựng công trình công ích, xây dựng dân dụng, xây dựng  chuyên">
+            <a:extLst>
+              <a:ext uri="{FF2B5EF4-FFF2-40B4-BE49-F238E27FC236}">
+                <a16:creationId xmlns:a16="http://schemas.microsoft.com/office/drawing/2014/main" id="{2BD56BD0-2058-5037-3C0B-E57043514B5A}"/>
+              </a:ext>
+            </a:extLst>
+          </p:cNvPr>
+          <p:cNvPicPr>
+            <a:picLocks noChangeAspect="1" noChangeArrowheads="1"/>
+          </p:cNvPicPr>
+          <p:nvPr/>
+        </p:nvPicPr>
+        <p:blipFill>
+          <a:blip r:embed="rId4">
+            <a:extLst>
+              <a:ext uri="{28A0092B-C50C-407E-A947-70E740481C1C}">
+                <a14:useLocalDpi xmlns:a14="http://schemas.microsoft.com/office/drawing/2010/main" val="0"/>
+              </a:ext>
+            </a:extLst>
+          </a:blip>
+          <a:srcRect l="8390" r="5610"/>
+          <a:stretch/>
+        </p:blipFill>
+        <p:spPr bwMode="auto">
+          <a:xfrm>
+            <a:off x="3375513" y="3280998"/>
+            <a:ext cx="3263185" cy="3263185"/>
+          </a:xfrm>
+          <a:custGeom>
+            <a:avLst/>
+            <a:gdLst/>
+            <a:ahLst/>
+            <a:cxnLst/>
+            <a:rect l="l" t="t" r="r" b="b"/>
+            <a:pathLst>
+              <a:path w="5044440" h="5044440">
+                <a:moveTo>
+                  <a:pt x="2522220" y="0"/>
+                </a:moveTo>
+                <a:cubicBezTo>
+                  <a:pt x="3915204" y="0"/>
+                  <a:pt x="5044440" y="1129236"/>
+                  <a:pt x="5044440" y="2522220"/>
+                </a:cubicBezTo>
+                <a:cubicBezTo>
+                  <a:pt x="5044440" y="3915204"/>
+                  <a:pt x="3915204" y="5044440"/>
+                  <a:pt x="2522220" y="5044440"/>
+                </a:cubicBezTo>
+                <a:cubicBezTo>
+                  <a:pt x="1129236" y="5044440"/>
+                  <a:pt x="0" y="3915204"/>
+                  <a:pt x="0" y="2522220"/>
+                </a:cubicBezTo>
+                <a:cubicBezTo>
+                  <a:pt x="0" y="1129236"/>
+                  <a:pt x="1129236" y="0"/>
+                  <a:pt x="2522220" y="0"/>
+                </a:cubicBezTo>
+                <a:close/>
+              </a:path>
+            </a:pathLst>
+          </a:custGeom>
+          <a:noFill/>
+          <a:effectLst>
+            <a:outerShdw dist="165100" dir="12420000" algn="bl" rotWithShape="0">
+              <a:schemeClr val="tx1"/>
+            </a:outerShdw>
+          </a:effectLst>
+          <a:extLst>
+            <a:ext uri="{909E8E84-426E-40DD-AFC4-6F175D3DCCD1}">
+              <a14:hiddenFill xmlns:a14="http://schemas.microsoft.com/office/drawing/2010/main">
+                <a:solidFill>
+                  <a:srgbClr val="FFFFFF"/>
+                </a:solidFill>
+              </a14:hiddenFill>
+            </a:ext>
+          </a:extLst>
+        </p:spPr>
+      </p:pic>
+      <p:pic>
+        <p:nvPicPr>
+          <p:cNvPr id="2050" name="Picture 2" descr="Nhóm Người Dùng-biểu Tượng-miễn Phí Biểu Tượng Miễn Phí Tải Về">
+            <a:extLst>
+              <a:ext uri="{FF2B5EF4-FFF2-40B4-BE49-F238E27FC236}">
+                <a16:creationId xmlns:a16="http://schemas.microsoft.com/office/drawing/2014/main" id="{28B5D2DA-C22D-2811-92C1-070E65D38637}"/>
+              </a:ext>
+            </a:extLst>
+          </p:cNvPr>
+          <p:cNvPicPr>
+            <a:picLocks noGrp="1" noChangeAspect="1" noChangeArrowheads="1"/>
+          </p:cNvPicPr>
+          <p:nvPr>
+            <p:ph idx="1"/>
+          </p:nvPr>
+        </p:nvPicPr>
+        <p:blipFill>
+          <a:blip r:embed="rId5">
+            <a:extLst>
+              <a:ext uri="{28A0092B-C50C-407E-A947-70E740481C1C}">
+                <a14:useLocalDpi xmlns:a14="http://schemas.microsoft.com/office/drawing/2010/main" val="0"/>
+              </a:ext>
+            </a:extLst>
+          </a:blip>
+          <a:srcRect r="1" b="1"/>
+          <a:stretch/>
+        </p:blipFill>
+        <p:spPr bwMode="auto">
+          <a:xfrm>
+            <a:off x="735742" y="531586"/>
+            <a:ext cx="3263186" cy="3263186"/>
+          </a:xfrm>
+          <a:custGeom>
+            <a:avLst/>
+            <a:gdLst/>
+            <a:ahLst/>
+            <a:cxnLst/>
+            <a:rect l="l" t="t" r="r" b="b"/>
+            <a:pathLst>
+              <a:path w="4010116" h="4010116">
+                <a:moveTo>
+                  <a:pt x="2005058" y="0"/>
+                </a:moveTo>
+                <a:cubicBezTo>
+                  <a:pt x="3112421" y="0"/>
+                  <a:pt x="4010116" y="897695"/>
+                  <a:pt x="4010116" y="2005058"/>
+                </a:cubicBezTo>
+                <a:cubicBezTo>
+                  <a:pt x="4010116" y="3112421"/>
+                  <a:pt x="3112421" y="4010116"/>
+                  <a:pt x="2005058" y="4010116"/>
+                </a:cubicBezTo>
+                <a:cubicBezTo>
+                  <a:pt x="897695" y="4010116"/>
+                  <a:pt x="0" y="3112421"/>
+                  <a:pt x="0" y="2005058"/>
+                </a:cubicBezTo>
+                <a:cubicBezTo>
+                  <a:pt x="0" y="897695"/>
+                  <a:pt x="897695" y="0"/>
+                  <a:pt x="2005058" y="0"/>
+                </a:cubicBezTo>
+                <a:close/>
+              </a:path>
+            </a:pathLst>
+          </a:custGeom>
+          <a:noFill/>
+          <a:effectLst>
+            <a:outerShdw dist="165100" dir="12420000" algn="bl" rotWithShape="0">
+              <a:schemeClr val="tx1"/>
+            </a:outerShdw>
+          </a:effectLst>
+          <a:extLst>
+            <a:ext uri="{909E8E84-426E-40DD-AFC4-6F175D3DCCD1}">
+              <a14:hiddenFill xmlns:a14="http://schemas.microsoft.com/office/drawing/2010/main">
+                <a:solidFill>
+                  <a:srgbClr val="FFFFFF"/>
+                </a:solidFill>
+              </a14:hiddenFill>
+            </a:ext>
+          </a:extLst>
+        </p:spPr>
+      </p:pic>
+      <p:sp>
+        <p:nvSpPr>
+          <p:cNvPr id="2069" name="Rectangle 2068">
+            <a:extLst>
+              <a:ext uri="{FF2B5EF4-FFF2-40B4-BE49-F238E27FC236}">
+                <a16:creationId xmlns:a16="http://schemas.microsoft.com/office/drawing/2014/main" id="{A6BA9EB1-4F8B-4C17-BB9D-C510CC41AD4F}"/>
+              </a:ext>
+              <a:ext uri="{C183D7F6-B498-43B3-948B-1728B52AA6E4}">
+                <adec:decorative xmlns:adec="http://schemas.microsoft.com/office/drawing/2017/decorative" val="1"/>
+              </a:ext>
+            </a:extLst>
+          </p:cNvPr>
+          <p:cNvSpPr>
+            <a:spLocks noGrp="1" noRot="1" noChangeAspect="1" noMove="1" noResize="1" noEditPoints="1" noAdjustHandles="1" noChangeArrowheads="1" noChangeShapeType="1" noTextEdit="1"/>
+          </p:cNvSpPr>
+          <p:nvPr>
+            <p:extLst>
+              <p:ext uri="{386F3935-93C4-4BCD-93E2-E3B085C9AB24}">
+                <p16:designElem xmlns:p16="http://schemas.microsoft.com/office/powerpoint/2015/main" val="1"/>
+              </p:ext>
+            </p:extLst>
+          </p:nvPr>
+        </p:nvSpPr>
+        <p:spPr>
+          <a:xfrm rot="10800000" flipH="1">
+            <a:off x="11984894" y="0"/>
+            <a:ext cx="207106" cy="2399323"/>
+          </a:xfrm>
+          <a:prstGeom prst="rect">
+            <a:avLst/>
+          </a:prstGeom>
+          <a:solidFill>
+            <a:schemeClr val="accent2"/>
+          </a:solidFill>
+          <a:ln>
+            <a:noFill/>
+          </a:ln>
+        </p:spPr>
+        <p:style>
+          <a:lnRef idx="2">
+            <a:schemeClr val="accent1">
+              <a:shade val="50000"/>
+            </a:schemeClr>
+          </a:lnRef>
+          <a:fillRef idx="1">
+            <a:schemeClr val="accent1"/>
+          </a:fillRef>
+          <a:effectRef idx="0">
+            <a:schemeClr val="accent1"/>
+          </a:effectRef>
+          <a:fontRef idx="minor">
+            <a:schemeClr val="lt1"/>
+          </a:fontRef>
+        </p:style>
+        <p:txBody>
+          <a:bodyPr rtlCol="0" anchor="ctr"/>
+          <a:lstStyle/>
+          <a:p>
+            <a:pPr algn="ctr"/>
+            <a:endParaRPr lang="en-US"/>
+          </a:p>
+        </p:txBody>
+      </p:sp>
+      <p:sp>
+        <p:nvSpPr>
+          <p:cNvPr id="6" name="TextBox 5">
+            <a:extLst>
+              <a:ext uri="{FF2B5EF4-FFF2-40B4-BE49-F238E27FC236}">
+                <a16:creationId xmlns:a16="http://schemas.microsoft.com/office/drawing/2014/main" id="{AB351674-EA14-EEF5-E8A0-A902063CB008}"/>
+              </a:ext>
+            </a:extLst>
+          </p:cNvPr>
+          <p:cNvSpPr txBox="1"/>
+          <p:nvPr/>
+        </p:nvSpPr>
+        <p:spPr>
+          <a:xfrm>
+            <a:off x="5739973" y="1858552"/>
+            <a:ext cx="5870113" cy="1159998"/>
+          </a:xfrm>
+          <a:prstGeom prst="rect">
+            <a:avLst/>
+          </a:prstGeom>
+          <a:noFill/>
+        </p:spPr>
+        <p:txBody>
+          <a:bodyPr wrap="square" rtlCol="0">
+            <a:spAutoFit/>
+          </a:bodyPr>
+          <a:lstStyle/>
+          <a:p>
+            <a:pPr marL="285750" indent="-285750">
+              <a:lnSpc>
+                <a:spcPct val="107000"/>
+              </a:lnSpc>
+              <a:spcAft>
+                <a:spcPts val="800"/>
+              </a:spcAft>
+              <a:buFont typeface="Wingdings" panose="05000000000000000000" pitchFamily="2" charset="2"/>
+              <a:buChar char="ü"/>
+            </a:pPr>
+            <a:r>
+              <a:rPr lang="en-US" dirty="0" err="1">
+                <a:latin typeface="Tahoma" panose="020B0604030504040204" pitchFamily="34" charset="0"/>
+                <a:ea typeface="Tahoma" panose="020B0604030504040204" pitchFamily="34" charset="0"/>
+                <a:cs typeface="Tahoma" panose="020B0604030504040204" pitchFamily="34" charset="0"/>
+              </a:rPr>
+              <a:t>Nghiên</a:t>
+            </a:r>
+            <a:r>
+              <a:rPr lang="en-US" dirty="0">
+                <a:latin typeface="Tahoma" panose="020B0604030504040204" pitchFamily="34" charset="0"/>
+                <a:ea typeface="Tahoma" panose="020B0604030504040204" pitchFamily="34" charset="0"/>
+                <a:cs typeface="Tahoma" panose="020B0604030504040204" pitchFamily="34" charset="0"/>
+              </a:rPr>
+              <a:t> </a:t>
+            </a:r>
+            <a:r>
+              <a:rPr lang="en-US" dirty="0" err="1">
+                <a:latin typeface="Tahoma" panose="020B0604030504040204" pitchFamily="34" charset="0"/>
+                <a:ea typeface="Tahoma" panose="020B0604030504040204" pitchFamily="34" charset="0"/>
+                <a:cs typeface="Tahoma" panose="020B0604030504040204" pitchFamily="34" charset="0"/>
+              </a:rPr>
+              <a:t>cứu</a:t>
+            </a:r>
+            <a:r>
+              <a:rPr lang="en-US" dirty="0">
+                <a:latin typeface="Tahoma" panose="020B0604030504040204" pitchFamily="34" charset="0"/>
+                <a:ea typeface="Tahoma" panose="020B0604030504040204" pitchFamily="34" charset="0"/>
+                <a:cs typeface="Tahoma" panose="020B0604030504040204" pitchFamily="34" charset="0"/>
+              </a:rPr>
+              <a:t> </a:t>
+            </a:r>
+            <a:r>
+              <a:rPr lang="en-US" dirty="0" err="1">
+                <a:latin typeface="Tahoma" panose="020B0604030504040204" pitchFamily="34" charset="0"/>
+                <a:ea typeface="Tahoma" panose="020B0604030504040204" pitchFamily="34" charset="0"/>
+                <a:cs typeface="Tahoma" panose="020B0604030504040204" pitchFamily="34" charset="0"/>
+              </a:rPr>
+              <a:t>và</a:t>
+            </a:r>
+            <a:r>
+              <a:rPr lang="en-US" dirty="0">
+                <a:latin typeface="Tahoma" panose="020B0604030504040204" pitchFamily="34" charset="0"/>
+                <a:ea typeface="Tahoma" panose="020B0604030504040204" pitchFamily="34" charset="0"/>
+                <a:cs typeface="Tahoma" panose="020B0604030504040204" pitchFamily="34" charset="0"/>
+              </a:rPr>
+              <a:t> </a:t>
+            </a:r>
+            <a:r>
+              <a:rPr lang="en-US" dirty="0" err="1">
+                <a:latin typeface="Tahoma" panose="020B0604030504040204" pitchFamily="34" charset="0"/>
+                <a:ea typeface="Tahoma" panose="020B0604030504040204" pitchFamily="34" charset="0"/>
+                <a:cs typeface="Tahoma" panose="020B0604030504040204" pitchFamily="34" charset="0"/>
+              </a:rPr>
+              <a:t>xây</a:t>
+            </a:r>
+            <a:r>
+              <a:rPr lang="en-US" dirty="0">
+                <a:latin typeface="Tahoma" panose="020B0604030504040204" pitchFamily="34" charset="0"/>
+                <a:ea typeface="Tahoma" panose="020B0604030504040204" pitchFamily="34" charset="0"/>
+                <a:cs typeface="Tahoma" panose="020B0604030504040204" pitchFamily="34" charset="0"/>
+              </a:rPr>
+              <a:t> </a:t>
+            </a:r>
+            <a:r>
+              <a:rPr lang="en-US" dirty="0" err="1">
+                <a:latin typeface="Tahoma" panose="020B0604030504040204" pitchFamily="34" charset="0"/>
+                <a:ea typeface="Tahoma" panose="020B0604030504040204" pitchFamily="34" charset="0"/>
+                <a:cs typeface="Tahoma" panose="020B0604030504040204" pitchFamily="34" charset="0"/>
+              </a:rPr>
+              <a:t>dựng</a:t>
+            </a:r>
+            <a:r>
+              <a:rPr lang="en-US" dirty="0">
+                <a:latin typeface="Tahoma" panose="020B0604030504040204" pitchFamily="34" charset="0"/>
+                <a:ea typeface="Tahoma" panose="020B0604030504040204" pitchFamily="34" charset="0"/>
+                <a:cs typeface="Tahoma" panose="020B0604030504040204" pitchFamily="34" charset="0"/>
+              </a:rPr>
+              <a:t> </a:t>
+            </a:r>
+            <a:r>
+              <a:rPr lang="en-US" dirty="0" err="1">
+                <a:latin typeface="Tahoma" panose="020B0604030504040204" pitchFamily="34" charset="0"/>
+                <a:ea typeface="Tahoma" panose="020B0604030504040204" pitchFamily="34" charset="0"/>
+                <a:cs typeface="Tahoma" panose="020B0604030504040204" pitchFamily="34" charset="0"/>
+              </a:rPr>
+              <a:t>trang</a:t>
+            </a:r>
+            <a:r>
+              <a:rPr lang="en-US" dirty="0">
+                <a:latin typeface="Tahoma" panose="020B0604030504040204" pitchFamily="34" charset="0"/>
+                <a:ea typeface="Tahoma" panose="020B0604030504040204" pitchFamily="34" charset="0"/>
+                <a:cs typeface="Tahoma" panose="020B0604030504040204" pitchFamily="34" charset="0"/>
+              </a:rPr>
+              <a:t> web </a:t>
+            </a:r>
+            <a:r>
+              <a:rPr lang="en-US" dirty="0" err="1">
+                <a:latin typeface="Tahoma" panose="020B0604030504040204" pitchFamily="34" charset="0"/>
+                <a:ea typeface="Tahoma" panose="020B0604030504040204" pitchFamily="34" charset="0"/>
+                <a:cs typeface="Tahoma" panose="020B0604030504040204" pitchFamily="34" charset="0"/>
+              </a:rPr>
+              <a:t>ứng</a:t>
+            </a:r>
+            <a:r>
+              <a:rPr lang="en-US" dirty="0">
+                <a:latin typeface="Tahoma" panose="020B0604030504040204" pitchFamily="34" charset="0"/>
+                <a:ea typeface="Tahoma" panose="020B0604030504040204" pitchFamily="34" charset="0"/>
+                <a:cs typeface="Tahoma" panose="020B0604030504040204" pitchFamily="34" charset="0"/>
+              </a:rPr>
+              <a:t> </a:t>
+            </a:r>
+            <a:r>
+              <a:rPr lang="en-US" dirty="0" err="1">
+                <a:latin typeface="Tahoma" panose="020B0604030504040204" pitchFamily="34" charset="0"/>
+                <a:ea typeface="Tahoma" panose="020B0604030504040204" pitchFamily="34" charset="0"/>
+                <a:cs typeface="Tahoma" panose="020B0604030504040204" pitchFamily="34" charset="0"/>
+              </a:rPr>
+              <a:t>dụng</a:t>
+            </a:r>
+            <a:r>
+              <a:rPr lang="en-US" dirty="0">
+                <a:latin typeface="Tahoma" panose="020B0604030504040204" pitchFamily="34" charset="0"/>
+                <a:ea typeface="Tahoma" panose="020B0604030504040204" pitchFamily="34" charset="0"/>
+                <a:cs typeface="Tahoma" panose="020B0604030504040204" pitchFamily="34" charset="0"/>
+              </a:rPr>
+              <a:t> </a:t>
+            </a:r>
+            <a:r>
+              <a:rPr lang="en-US" dirty="0" err="1">
+                <a:latin typeface="Tahoma" panose="020B0604030504040204" pitchFamily="34" charset="0"/>
+                <a:ea typeface="Tahoma" panose="020B0604030504040204" pitchFamily="34" charset="0"/>
+                <a:cs typeface="Tahoma" panose="020B0604030504040204" pitchFamily="34" charset="0"/>
+              </a:rPr>
+              <a:t>sao</a:t>
+            </a:r>
+            <a:r>
+              <a:rPr lang="en-US" dirty="0">
+                <a:latin typeface="Tahoma" panose="020B0604030504040204" pitchFamily="34" charset="0"/>
+                <a:ea typeface="Tahoma" panose="020B0604030504040204" pitchFamily="34" charset="0"/>
+                <a:cs typeface="Tahoma" panose="020B0604030504040204" pitchFamily="34" charset="0"/>
+              </a:rPr>
+              <a:t> </a:t>
+            </a:r>
+            <a:r>
+              <a:rPr lang="en-US" dirty="0" err="1">
+                <a:latin typeface="Tahoma" panose="020B0604030504040204" pitchFamily="34" charset="0"/>
+                <a:ea typeface="Tahoma" panose="020B0604030504040204" pitchFamily="34" charset="0"/>
+                <a:cs typeface="Tahoma" panose="020B0604030504040204" pitchFamily="34" charset="0"/>
+              </a:rPr>
+              <a:t>kê</a:t>
+            </a:r>
+            <a:endParaRPr lang="en-US" dirty="0">
+              <a:latin typeface="Tahoma" panose="020B0604030504040204" pitchFamily="34" charset="0"/>
+              <a:ea typeface="Tahoma" panose="020B0604030504040204" pitchFamily="34" charset="0"/>
+              <a:cs typeface="Tahoma" panose="020B0604030504040204" pitchFamily="34" charset="0"/>
+            </a:endParaRPr>
+          </a:p>
+          <a:p>
+            <a:pPr marL="285750" indent="-285750">
+              <a:lnSpc>
+                <a:spcPct val="107000"/>
+              </a:lnSpc>
+              <a:spcAft>
+                <a:spcPts val="800"/>
+              </a:spcAft>
+              <a:buFont typeface="Wingdings" panose="05000000000000000000" pitchFamily="2" charset="2"/>
+              <a:buChar char="ü"/>
+            </a:pPr>
+            <a:r>
+              <a:rPr lang="en-US" dirty="0" err="1">
+                <a:latin typeface="Tahoma" panose="020B0604030504040204" pitchFamily="34" charset="0"/>
+                <a:ea typeface="Tahoma" panose="020B0604030504040204" pitchFamily="34" charset="0"/>
+                <a:cs typeface="Tahoma" panose="020B0604030504040204" pitchFamily="34" charset="0"/>
+              </a:rPr>
+              <a:t>Thêm</a:t>
+            </a:r>
+            <a:r>
+              <a:rPr lang="en-US" dirty="0">
+                <a:latin typeface="Tahoma" panose="020B0604030504040204" pitchFamily="34" charset="0"/>
+                <a:ea typeface="Tahoma" panose="020B0604030504040204" pitchFamily="34" charset="0"/>
+                <a:cs typeface="Tahoma" panose="020B0604030504040204" pitchFamily="34" charset="0"/>
+              </a:rPr>
+              <a:t> </a:t>
+            </a:r>
+            <a:r>
+              <a:rPr lang="en-US" dirty="0" err="1">
+                <a:latin typeface="Tahoma" panose="020B0604030504040204" pitchFamily="34" charset="0"/>
+                <a:ea typeface="Tahoma" panose="020B0604030504040204" pitchFamily="34" charset="0"/>
+                <a:cs typeface="Tahoma" panose="020B0604030504040204" pitchFamily="34" charset="0"/>
+              </a:rPr>
+              <a:t>giao</a:t>
+            </a:r>
+            <a:r>
+              <a:rPr lang="en-US" dirty="0">
+                <a:latin typeface="Tahoma" panose="020B0604030504040204" pitchFamily="34" charset="0"/>
+                <a:ea typeface="Tahoma" panose="020B0604030504040204" pitchFamily="34" charset="0"/>
+                <a:cs typeface="Tahoma" panose="020B0604030504040204" pitchFamily="34" charset="0"/>
+              </a:rPr>
+              <a:t> </a:t>
+            </a:r>
+            <a:r>
+              <a:rPr lang="en-US" dirty="0" err="1">
+                <a:latin typeface="Tahoma" panose="020B0604030504040204" pitchFamily="34" charset="0"/>
+                <a:ea typeface="Tahoma" panose="020B0604030504040204" pitchFamily="34" charset="0"/>
+                <a:cs typeface="Tahoma" panose="020B0604030504040204" pitchFamily="34" charset="0"/>
+              </a:rPr>
+              <a:t>diện</a:t>
+            </a:r>
+            <a:r>
+              <a:rPr lang="en-US" dirty="0">
+                <a:latin typeface="Tahoma" panose="020B0604030504040204" pitchFamily="34" charset="0"/>
+                <a:ea typeface="Tahoma" panose="020B0604030504040204" pitchFamily="34" charset="0"/>
+                <a:cs typeface="Tahoma" panose="020B0604030504040204" pitchFamily="34" charset="0"/>
+              </a:rPr>
+              <a:t> </a:t>
+            </a:r>
+            <a:r>
+              <a:rPr lang="en-US" dirty="0" err="1">
+                <a:latin typeface="Tahoma" panose="020B0604030504040204" pitchFamily="34" charset="0"/>
+                <a:ea typeface="Tahoma" panose="020B0604030504040204" pitchFamily="34" charset="0"/>
+                <a:cs typeface="Tahoma" panose="020B0604030504040204" pitchFamily="34" charset="0"/>
+              </a:rPr>
+              <a:t>và</a:t>
+            </a:r>
+            <a:r>
+              <a:rPr lang="en-US" dirty="0">
+                <a:latin typeface="Tahoma" panose="020B0604030504040204" pitchFamily="34" charset="0"/>
+                <a:ea typeface="Tahoma" panose="020B0604030504040204" pitchFamily="34" charset="0"/>
+                <a:cs typeface="Tahoma" panose="020B0604030504040204" pitchFamily="34" charset="0"/>
+              </a:rPr>
+              <a:t> </a:t>
+            </a:r>
+            <a:r>
+              <a:rPr lang="en-US" dirty="0" err="1">
+                <a:latin typeface="Tahoma" panose="020B0604030504040204" pitchFamily="34" charset="0"/>
+                <a:ea typeface="Tahoma" panose="020B0604030504040204" pitchFamily="34" charset="0"/>
+                <a:cs typeface="Tahoma" panose="020B0604030504040204" pitchFamily="34" charset="0"/>
+              </a:rPr>
+              <a:t>tính</a:t>
+            </a:r>
+            <a:r>
+              <a:rPr lang="en-US" dirty="0">
+                <a:latin typeface="Tahoma" panose="020B0604030504040204" pitchFamily="34" charset="0"/>
+                <a:ea typeface="Tahoma" panose="020B0604030504040204" pitchFamily="34" charset="0"/>
+                <a:cs typeface="Tahoma" panose="020B0604030504040204" pitchFamily="34" charset="0"/>
+              </a:rPr>
+              <a:t> </a:t>
+            </a:r>
+            <a:r>
+              <a:rPr lang="en-US" dirty="0" err="1">
+                <a:latin typeface="Tahoma" panose="020B0604030504040204" pitchFamily="34" charset="0"/>
+                <a:ea typeface="Tahoma" panose="020B0604030504040204" pitchFamily="34" charset="0"/>
+                <a:cs typeface="Tahoma" panose="020B0604030504040204" pitchFamily="34" charset="0"/>
+              </a:rPr>
+              <a:t>năng</a:t>
+            </a:r>
+            <a:endParaRPr lang="en-US" dirty="0">
+              <a:latin typeface="Tahoma" panose="020B0604030504040204" pitchFamily="34" charset="0"/>
+              <a:ea typeface="Tahoma" panose="020B0604030504040204" pitchFamily="34" charset="0"/>
+              <a:cs typeface="Tahoma" panose="020B0604030504040204" pitchFamily="34" charset="0"/>
+            </a:endParaRPr>
+          </a:p>
+          <a:p>
+            <a:pPr marL="285750" indent="-285750">
+              <a:lnSpc>
+                <a:spcPct val="107000"/>
+              </a:lnSpc>
+              <a:spcAft>
+                <a:spcPts val="800"/>
+              </a:spcAft>
+              <a:buFont typeface="Wingdings" panose="05000000000000000000" pitchFamily="2" charset="2"/>
+              <a:buChar char="ü"/>
+            </a:pPr>
+            <a:r>
+              <a:rPr lang="en-US" dirty="0" err="1">
+                <a:latin typeface="Tahoma" panose="020B0604030504040204" pitchFamily="34" charset="0"/>
+                <a:ea typeface="Tahoma" panose="020B0604030504040204" pitchFamily="34" charset="0"/>
+                <a:cs typeface="Tahoma" panose="020B0604030504040204" pitchFamily="34" charset="0"/>
+              </a:rPr>
+              <a:t>Dựa</a:t>
+            </a:r>
+            <a:r>
+              <a:rPr lang="en-US" dirty="0">
+                <a:latin typeface="Tahoma" panose="020B0604030504040204" pitchFamily="34" charset="0"/>
+                <a:ea typeface="Tahoma" panose="020B0604030504040204" pitchFamily="34" charset="0"/>
+                <a:cs typeface="Tahoma" panose="020B0604030504040204" pitchFamily="34" charset="0"/>
+              </a:rPr>
+              <a:t> </a:t>
+            </a:r>
+            <a:r>
+              <a:rPr lang="en-US" dirty="0" err="1">
+                <a:latin typeface="Tahoma" panose="020B0604030504040204" pitchFamily="34" charset="0"/>
+                <a:ea typeface="Tahoma" panose="020B0604030504040204" pitchFamily="34" charset="0"/>
+                <a:cs typeface="Tahoma" panose="020B0604030504040204" pitchFamily="34" charset="0"/>
+              </a:rPr>
+              <a:t>theo</a:t>
+            </a:r>
+            <a:r>
+              <a:rPr lang="en-US" dirty="0">
+                <a:latin typeface="Tahoma" panose="020B0604030504040204" pitchFamily="34" charset="0"/>
+                <a:ea typeface="Tahoma" panose="020B0604030504040204" pitchFamily="34" charset="0"/>
+                <a:cs typeface="Tahoma" panose="020B0604030504040204" pitchFamily="34" charset="0"/>
+              </a:rPr>
+              <a:t> </a:t>
+            </a:r>
+            <a:r>
+              <a:rPr lang="en-US" dirty="0" err="1">
+                <a:latin typeface="Tahoma" panose="020B0604030504040204" pitchFamily="34" charset="0"/>
+                <a:ea typeface="Tahoma" panose="020B0604030504040204" pitchFamily="34" charset="0"/>
+                <a:cs typeface="Tahoma" panose="020B0604030504040204" pitchFamily="34" charset="0"/>
+              </a:rPr>
+              <a:t>mục</a:t>
+            </a:r>
+            <a:r>
+              <a:rPr lang="en-US" dirty="0">
+                <a:latin typeface="Tahoma" panose="020B0604030504040204" pitchFamily="34" charset="0"/>
+                <a:ea typeface="Tahoma" panose="020B0604030504040204" pitchFamily="34" charset="0"/>
+                <a:cs typeface="Tahoma" panose="020B0604030504040204" pitchFamily="34" charset="0"/>
+              </a:rPr>
+              <a:t> </a:t>
+            </a:r>
+            <a:r>
+              <a:rPr lang="en-US" dirty="0" err="1">
+                <a:latin typeface="Tahoma" panose="020B0604030504040204" pitchFamily="34" charset="0"/>
+                <a:ea typeface="Tahoma" panose="020B0604030504040204" pitchFamily="34" charset="0"/>
+                <a:cs typeface="Tahoma" panose="020B0604030504040204" pitchFamily="34" charset="0"/>
+              </a:rPr>
+              <a:t>tiêu</a:t>
+            </a:r>
+            <a:r>
+              <a:rPr lang="en-US" dirty="0">
+                <a:latin typeface="Tahoma" panose="020B0604030504040204" pitchFamily="34" charset="0"/>
+                <a:ea typeface="Tahoma" panose="020B0604030504040204" pitchFamily="34" charset="0"/>
+                <a:cs typeface="Tahoma" panose="020B0604030504040204" pitchFamily="34" charset="0"/>
+              </a:rPr>
+              <a:t> </a:t>
+            </a:r>
+            <a:r>
+              <a:rPr lang="en-US" dirty="0" err="1">
+                <a:latin typeface="Tahoma" panose="020B0604030504040204" pitchFamily="34" charset="0"/>
+                <a:ea typeface="Tahoma" panose="020B0604030504040204" pitchFamily="34" charset="0"/>
+                <a:cs typeface="Tahoma" panose="020B0604030504040204" pitchFamily="34" charset="0"/>
+              </a:rPr>
+              <a:t>người</a:t>
+            </a:r>
+            <a:r>
+              <a:rPr lang="en-US" dirty="0">
+                <a:latin typeface="Tahoma" panose="020B0604030504040204" pitchFamily="34" charset="0"/>
+                <a:ea typeface="Tahoma" panose="020B0604030504040204" pitchFamily="34" charset="0"/>
+                <a:cs typeface="Tahoma" panose="020B0604030504040204" pitchFamily="34" charset="0"/>
+              </a:rPr>
+              <a:t> </a:t>
+            </a:r>
+            <a:r>
+              <a:rPr lang="en-US" dirty="0" err="1">
+                <a:latin typeface="Tahoma" panose="020B0604030504040204" pitchFamily="34" charset="0"/>
+                <a:ea typeface="Tahoma" panose="020B0604030504040204" pitchFamily="34" charset="0"/>
+                <a:cs typeface="Tahoma" panose="020B0604030504040204" pitchFamily="34" charset="0"/>
+              </a:rPr>
+              <a:t>dùng</a:t>
+            </a:r>
+            <a:endParaRPr lang="en-US" dirty="0">
+              <a:latin typeface="Tahoma" panose="020B0604030504040204" pitchFamily="34" charset="0"/>
+              <a:ea typeface="Tahoma" panose="020B0604030504040204" pitchFamily="34" charset="0"/>
+              <a:cs typeface="Tahoma" panose="020B0604030504040204" pitchFamily="34" charset="0"/>
+            </a:endParaRPr>
+          </a:p>
+        </p:txBody>
+      </p:sp>
+    </p:spTree>
+    <p:extLst>
+      <p:ext uri="{BB962C8B-B14F-4D97-AF65-F5344CB8AC3E}">
+        <p14:creationId xmlns:p14="http://schemas.microsoft.com/office/powerpoint/2010/main" val="564053491"/>
+      </p:ext>
+    </p:extLst>
+  </p:cSld>
+  <p:clrMapOvr>
+    <a:masterClrMapping/>
+  </p:clrMapOvr>
+</p:sld>
+</file>
+
+<file path=ppt/slides/slide4.xml><?xml version="1.0" encoding="utf-8"?>
 <p:sld xmlns:a="http://schemas.openxmlformats.org/drawingml/2006/main" xmlns:r="http://schemas.openxmlformats.org/officeDocument/2006/relationships" xmlns:p="http://schemas.openxmlformats.org/presentationml/2006/main">
   <p:cSld>
     <p:spTree>
@@ -4879,13 +7042,24 @@
             <p:ph type="title"/>
           </p:nvPr>
         </p:nvSpPr>
-        <p:spPr/>
+        <p:spPr>
+          <a:xfrm>
+            <a:off x="575197" y="155643"/>
+            <a:ext cx="5439739" cy="791898"/>
+          </a:xfrm>
+        </p:spPr>
         <p:txBody>
-          <a:bodyPr/>
+          <a:bodyPr>
+            <a:normAutofit/>
+          </a:bodyPr>
           <a:lstStyle/>
           <a:p>
             <a:r>
-              <a:rPr lang="en-US" dirty="0"/>
+              <a:rPr lang="en-US" dirty="0">
+                <a:latin typeface="Tahoma" panose="020B0604030504040204" pitchFamily="34" charset="0"/>
+                <a:ea typeface="Tahoma" panose="020B0604030504040204" pitchFamily="34" charset="0"/>
+                <a:cs typeface="Tahoma" panose="020B0604030504040204" pitchFamily="34" charset="0"/>
+              </a:rPr>
               <a:t>CÔNG CỤ SỬ DỤNG </a:t>
             </a:r>
           </a:p>
@@ -4907,13 +7081,22 @@
             <p:ph idx="1"/>
           </p:nvPr>
         </p:nvSpPr>
-        <p:spPr/>
+        <p:spPr>
+          <a:xfrm>
+            <a:off x="764767" y="1147689"/>
+            <a:ext cx="10357666" cy="4114801"/>
+          </a:xfrm>
+        </p:spPr>
         <p:txBody>
           <a:bodyPr/>
           <a:lstStyle/>
           <a:p>
             <a:r>
-              <a:rPr lang="en-US" dirty="0"/>
+              <a:rPr lang="en-US" dirty="0">
+                <a:latin typeface="Tahoma" panose="020B0604030504040204" pitchFamily="34" charset="0"/>
+                <a:ea typeface="Tahoma" panose="020B0604030504040204" pitchFamily="34" charset="0"/>
+                <a:cs typeface="Tahoma" panose="020B0604030504040204" pitchFamily="34" charset="0"/>
+              </a:rPr>
               <a:t>SPRING BOOT (BACK-END)                                               THYMLEAF (FRONT-END)</a:t>
             </a:r>
           </a:p>
@@ -5002,8 +7185,8 @@
         </p:blipFill>
         <p:spPr bwMode="auto">
           <a:xfrm>
-            <a:off x="491322" y="3043143"/>
-            <a:ext cx="4412273" cy="2647364"/>
+            <a:off x="1069178" y="1881407"/>
+            <a:ext cx="2987816" cy="1792690"/>
           </a:xfrm>
           <a:prstGeom prst="rect">
             <a:avLst/>
@@ -5049,8 +7232,8 @@
         </p:blipFill>
         <p:spPr bwMode="auto">
           <a:xfrm>
-            <a:off x="7525796" y="3023507"/>
-            <a:ext cx="2667000" cy="2667000"/>
+            <a:off x="8372102" y="1881407"/>
+            <a:ext cx="2328323" cy="1792690"/>
           </a:xfrm>
           <a:prstGeom prst="rect">
             <a:avLst/>
@@ -5067,6 +7250,600 @@
           </a:extLst>
         </p:spPr>
       </p:pic>
+      <p:sp>
+        <p:nvSpPr>
+          <p:cNvPr id="6" name="TextBox 5">
+            <a:extLst>
+              <a:ext uri="{FF2B5EF4-FFF2-40B4-BE49-F238E27FC236}">
+                <a16:creationId xmlns:a16="http://schemas.microsoft.com/office/drawing/2014/main" id="{FD04DBC0-C44D-E5A9-34C5-5DA5E40F8E2E}"/>
+              </a:ext>
+            </a:extLst>
+          </p:cNvPr>
+          <p:cNvSpPr txBox="1"/>
+          <p:nvPr/>
+        </p:nvSpPr>
+        <p:spPr>
+          <a:xfrm>
+            <a:off x="575197" y="4080263"/>
+            <a:ext cx="6099242" cy="1511889"/>
+          </a:xfrm>
+          <a:prstGeom prst="rect">
+            <a:avLst/>
+          </a:prstGeom>
+          <a:noFill/>
+        </p:spPr>
+        <p:txBody>
+          <a:bodyPr wrap="square">
+            <a:spAutoFit/>
+          </a:bodyPr>
+          <a:lstStyle/>
+          <a:p>
+            <a:pPr marL="285750" indent="-285750">
+              <a:lnSpc>
+                <a:spcPct val="107000"/>
+              </a:lnSpc>
+              <a:spcAft>
+                <a:spcPts val="800"/>
+              </a:spcAft>
+              <a:buFont typeface="Wingdings" panose="05000000000000000000" pitchFamily="2" charset="2"/>
+              <a:buChar char="ü"/>
+            </a:pPr>
+            <a:r>
+              <a:rPr lang="en-US" sz="1800" b="1" kern="100" dirty="0" err="1">
+                <a:effectLst/>
+                <a:latin typeface="Tahoma" panose="020B0604030504040204" pitchFamily="34" charset="0"/>
+                <a:ea typeface="Tahoma" panose="020B0604030504040204" pitchFamily="34" charset="0"/>
+                <a:cs typeface="Tahoma" panose="020B0604030504040204" pitchFamily="34" charset="0"/>
+              </a:rPr>
+              <a:t>Cấu</a:t>
+            </a:r>
+            <a:r>
+              <a:rPr lang="en-US" sz="1800" b="1" kern="100" dirty="0">
+                <a:effectLst/>
+                <a:latin typeface="Tahoma" panose="020B0604030504040204" pitchFamily="34" charset="0"/>
+                <a:ea typeface="Tahoma" panose="020B0604030504040204" pitchFamily="34" charset="0"/>
+                <a:cs typeface="Tahoma" panose="020B0604030504040204" pitchFamily="34" charset="0"/>
+              </a:rPr>
+              <a:t> </a:t>
+            </a:r>
+            <a:r>
+              <a:rPr lang="en-US" sz="1800" b="1" kern="100" dirty="0" err="1">
+                <a:effectLst/>
+                <a:latin typeface="Tahoma" panose="020B0604030504040204" pitchFamily="34" charset="0"/>
+                <a:ea typeface="Tahoma" panose="020B0604030504040204" pitchFamily="34" charset="0"/>
+                <a:cs typeface="Tahoma" panose="020B0604030504040204" pitchFamily="34" charset="0"/>
+              </a:rPr>
+              <a:t>hình</a:t>
+            </a:r>
+            <a:r>
+              <a:rPr lang="en-US" sz="1800" b="1" kern="100" dirty="0">
+                <a:effectLst/>
+                <a:latin typeface="Tahoma" panose="020B0604030504040204" pitchFamily="34" charset="0"/>
+                <a:ea typeface="Tahoma" panose="020B0604030504040204" pitchFamily="34" charset="0"/>
+                <a:cs typeface="Tahoma" panose="020B0604030504040204" pitchFamily="34" charset="0"/>
+              </a:rPr>
+              <a:t> </a:t>
+            </a:r>
+            <a:r>
+              <a:rPr lang="en-US" sz="1800" b="1" kern="100" dirty="0" err="1">
+                <a:effectLst/>
+                <a:latin typeface="Tahoma" panose="020B0604030504040204" pitchFamily="34" charset="0"/>
+                <a:ea typeface="Tahoma" panose="020B0604030504040204" pitchFamily="34" charset="0"/>
+                <a:cs typeface="Tahoma" panose="020B0604030504040204" pitchFamily="34" charset="0"/>
+              </a:rPr>
+              <a:t>tự</a:t>
+            </a:r>
+            <a:r>
+              <a:rPr lang="en-US" sz="1800" b="1" kern="100" dirty="0">
+                <a:effectLst/>
+                <a:latin typeface="Tahoma" panose="020B0604030504040204" pitchFamily="34" charset="0"/>
+                <a:ea typeface="Tahoma" panose="020B0604030504040204" pitchFamily="34" charset="0"/>
+                <a:cs typeface="Tahoma" panose="020B0604030504040204" pitchFamily="34" charset="0"/>
+              </a:rPr>
+              <a:t> </a:t>
+            </a:r>
+            <a:r>
+              <a:rPr lang="en-US" sz="1800" b="1" kern="100" dirty="0" err="1">
+                <a:effectLst/>
+                <a:latin typeface="Tahoma" panose="020B0604030504040204" pitchFamily="34" charset="0"/>
+                <a:ea typeface="Tahoma" panose="020B0604030504040204" pitchFamily="34" charset="0"/>
+                <a:cs typeface="Tahoma" panose="020B0604030504040204" pitchFamily="34" charset="0"/>
+              </a:rPr>
+              <a:t>động</a:t>
+            </a:r>
+            <a:r>
+              <a:rPr lang="en-US" sz="1800" b="1" kern="100" dirty="0">
+                <a:effectLst/>
+                <a:latin typeface="Tahoma" panose="020B0604030504040204" pitchFamily="34" charset="0"/>
+                <a:ea typeface="Tahoma" panose="020B0604030504040204" pitchFamily="34" charset="0"/>
+                <a:cs typeface="Tahoma" panose="020B0604030504040204" pitchFamily="34" charset="0"/>
+              </a:rPr>
+              <a:t> (Auto Configuration)</a:t>
+            </a:r>
+            <a:endParaRPr lang="en-US" sz="1800" kern="100" dirty="0">
+              <a:effectLst/>
+              <a:latin typeface="Tahoma" panose="020B0604030504040204" pitchFamily="34" charset="0"/>
+              <a:ea typeface="Tahoma" panose="020B0604030504040204" pitchFamily="34" charset="0"/>
+              <a:cs typeface="Tahoma" panose="020B0604030504040204" pitchFamily="34" charset="0"/>
+            </a:endParaRPr>
+          </a:p>
+          <a:p>
+            <a:pPr marL="285750" indent="-285750">
+              <a:lnSpc>
+                <a:spcPct val="107000"/>
+              </a:lnSpc>
+              <a:spcAft>
+                <a:spcPts val="800"/>
+              </a:spcAft>
+              <a:buFont typeface="Wingdings" panose="05000000000000000000" pitchFamily="2" charset="2"/>
+              <a:buChar char="ü"/>
+            </a:pPr>
+            <a:r>
+              <a:rPr lang="en-US" sz="1800" b="1" kern="100" dirty="0" err="1">
+                <a:effectLst/>
+                <a:latin typeface="Tahoma" panose="020B0604030504040204" pitchFamily="34" charset="0"/>
+                <a:ea typeface="Tahoma" panose="020B0604030504040204" pitchFamily="34" charset="0"/>
+                <a:cs typeface="Tahoma" panose="020B0604030504040204" pitchFamily="34" charset="0"/>
+              </a:rPr>
+              <a:t>Công</a:t>
+            </a:r>
+            <a:r>
+              <a:rPr lang="en-US" sz="1800" b="1" kern="100" dirty="0">
+                <a:effectLst/>
+                <a:latin typeface="Tahoma" panose="020B0604030504040204" pitchFamily="34" charset="0"/>
+                <a:ea typeface="Tahoma" panose="020B0604030504040204" pitchFamily="34" charset="0"/>
+                <a:cs typeface="Tahoma" panose="020B0604030504040204" pitchFamily="34" charset="0"/>
+              </a:rPr>
+              <a:t> </a:t>
+            </a:r>
+            <a:r>
+              <a:rPr lang="en-US" sz="1800" b="1" kern="100" dirty="0" err="1">
+                <a:effectLst/>
+                <a:latin typeface="Tahoma" panose="020B0604030504040204" pitchFamily="34" charset="0"/>
+                <a:ea typeface="Tahoma" panose="020B0604030504040204" pitchFamily="34" charset="0"/>
+                <a:cs typeface="Tahoma" panose="020B0604030504040204" pitchFamily="34" charset="0"/>
+              </a:rPr>
+              <a:t>cụ</a:t>
+            </a:r>
+            <a:r>
+              <a:rPr lang="en-US" sz="1800" b="1" kern="100" dirty="0">
+                <a:effectLst/>
+                <a:latin typeface="Tahoma" panose="020B0604030504040204" pitchFamily="34" charset="0"/>
+                <a:ea typeface="Tahoma" panose="020B0604030504040204" pitchFamily="34" charset="0"/>
+                <a:cs typeface="Tahoma" panose="020B0604030504040204" pitchFamily="34" charset="0"/>
+              </a:rPr>
+              <a:t> </a:t>
+            </a:r>
+            <a:r>
+              <a:rPr lang="en-US" sz="1800" b="1" kern="100" dirty="0" err="1">
+                <a:effectLst/>
+                <a:latin typeface="Tahoma" panose="020B0604030504040204" pitchFamily="34" charset="0"/>
+                <a:ea typeface="Tahoma" panose="020B0604030504040204" pitchFamily="34" charset="0"/>
+                <a:cs typeface="Tahoma" panose="020B0604030504040204" pitchFamily="34" charset="0"/>
+              </a:rPr>
+              <a:t>chạy</a:t>
+            </a:r>
+            <a:r>
+              <a:rPr lang="en-US" sz="1800" b="1" kern="100" dirty="0">
+                <a:effectLst/>
+                <a:latin typeface="Tahoma" panose="020B0604030504040204" pitchFamily="34" charset="0"/>
+                <a:ea typeface="Tahoma" panose="020B0604030504040204" pitchFamily="34" charset="0"/>
+                <a:cs typeface="Tahoma" panose="020B0604030504040204" pitchFamily="34" charset="0"/>
+              </a:rPr>
+              <a:t> </a:t>
+            </a:r>
+            <a:r>
+              <a:rPr lang="en-US" sz="1800" b="1" kern="100" dirty="0" err="1">
+                <a:effectLst/>
+                <a:latin typeface="Tahoma" panose="020B0604030504040204" pitchFamily="34" charset="0"/>
+                <a:ea typeface="Tahoma" panose="020B0604030504040204" pitchFamily="34" charset="0"/>
+                <a:cs typeface="Tahoma" panose="020B0604030504040204" pitchFamily="34" charset="0"/>
+              </a:rPr>
+              <a:t>ứng</a:t>
+            </a:r>
+            <a:r>
+              <a:rPr lang="en-US" sz="1800" b="1" kern="100" dirty="0">
+                <a:effectLst/>
+                <a:latin typeface="Tahoma" panose="020B0604030504040204" pitchFamily="34" charset="0"/>
+                <a:ea typeface="Tahoma" panose="020B0604030504040204" pitchFamily="34" charset="0"/>
+                <a:cs typeface="Tahoma" panose="020B0604030504040204" pitchFamily="34" charset="0"/>
+              </a:rPr>
+              <a:t> </a:t>
+            </a:r>
+            <a:r>
+              <a:rPr lang="en-US" sz="1800" b="1" kern="100" dirty="0" err="1">
+                <a:effectLst/>
+                <a:latin typeface="Tahoma" panose="020B0604030504040204" pitchFamily="34" charset="0"/>
+                <a:ea typeface="Tahoma" panose="020B0604030504040204" pitchFamily="34" charset="0"/>
+                <a:cs typeface="Tahoma" panose="020B0604030504040204" pitchFamily="34" charset="0"/>
+              </a:rPr>
+              <a:t>dụng</a:t>
+            </a:r>
+            <a:r>
+              <a:rPr lang="en-US" sz="1800" b="1" kern="100" dirty="0">
+                <a:effectLst/>
+                <a:latin typeface="Tahoma" panose="020B0604030504040204" pitchFamily="34" charset="0"/>
+                <a:ea typeface="Tahoma" panose="020B0604030504040204" pitchFamily="34" charset="0"/>
+                <a:cs typeface="Tahoma" panose="020B0604030504040204" pitchFamily="34" charset="0"/>
+              </a:rPr>
+              <a:t> (Embedded Server)</a:t>
+            </a:r>
+            <a:endParaRPr lang="en-US" sz="1800" kern="100" dirty="0">
+              <a:effectLst/>
+              <a:latin typeface="Tahoma" panose="020B0604030504040204" pitchFamily="34" charset="0"/>
+              <a:ea typeface="Tahoma" panose="020B0604030504040204" pitchFamily="34" charset="0"/>
+              <a:cs typeface="Tahoma" panose="020B0604030504040204" pitchFamily="34" charset="0"/>
+            </a:endParaRPr>
+          </a:p>
+          <a:p>
+            <a:pPr marL="285750" indent="-285750">
+              <a:lnSpc>
+                <a:spcPct val="107000"/>
+              </a:lnSpc>
+              <a:spcAft>
+                <a:spcPts val="800"/>
+              </a:spcAft>
+              <a:buFont typeface="Wingdings" panose="05000000000000000000" pitchFamily="2" charset="2"/>
+              <a:buChar char="ü"/>
+            </a:pPr>
+            <a:r>
+              <a:rPr lang="en-US" sz="1800" b="1" dirty="0" err="1">
+                <a:effectLst/>
+                <a:latin typeface="Tahoma" panose="020B0604030504040204" pitchFamily="34" charset="0"/>
+                <a:ea typeface="Tahoma" panose="020B0604030504040204" pitchFamily="34" charset="0"/>
+                <a:cs typeface="Tahoma" panose="020B0604030504040204" pitchFamily="34" charset="0"/>
+              </a:rPr>
+              <a:t>Quản</a:t>
+            </a:r>
+            <a:r>
+              <a:rPr lang="en-US" sz="1800" b="1" dirty="0">
+                <a:effectLst/>
+                <a:latin typeface="Tahoma" panose="020B0604030504040204" pitchFamily="34" charset="0"/>
+                <a:ea typeface="Tahoma" panose="020B0604030504040204" pitchFamily="34" charset="0"/>
+                <a:cs typeface="Tahoma" panose="020B0604030504040204" pitchFamily="34" charset="0"/>
+              </a:rPr>
+              <a:t> </a:t>
+            </a:r>
+            <a:r>
+              <a:rPr lang="en-US" sz="1800" b="1" dirty="0" err="1">
+                <a:effectLst/>
+                <a:latin typeface="Tahoma" panose="020B0604030504040204" pitchFamily="34" charset="0"/>
+                <a:ea typeface="Tahoma" panose="020B0604030504040204" pitchFamily="34" charset="0"/>
+                <a:cs typeface="Tahoma" panose="020B0604030504040204" pitchFamily="34" charset="0"/>
+              </a:rPr>
+              <a:t>lý</a:t>
+            </a:r>
+            <a:r>
+              <a:rPr lang="en-US" sz="1800" b="1" dirty="0">
+                <a:effectLst/>
+                <a:latin typeface="Tahoma" panose="020B0604030504040204" pitchFamily="34" charset="0"/>
+                <a:ea typeface="Tahoma" panose="020B0604030504040204" pitchFamily="34" charset="0"/>
+                <a:cs typeface="Tahoma" panose="020B0604030504040204" pitchFamily="34" charset="0"/>
+              </a:rPr>
+              <a:t> </a:t>
+            </a:r>
+            <a:r>
+              <a:rPr lang="en-US" sz="1800" b="1" dirty="0" err="1">
+                <a:effectLst/>
+                <a:latin typeface="Tahoma" panose="020B0604030504040204" pitchFamily="34" charset="0"/>
+                <a:ea typeface="Tahoma" panose="020B0604030504040204" pitchFamily="34" charset="0"/>
+                <a:cs typeface="Tahoma" panose="020B0604030504040204" pitchFamily="34" charset="0"/>
+              </a:rPr>
+              <a:t>phụ</a:t>
+            </a:r>
+            <a:r>
+              <a:rPr lang="en-US" sz="1800" b="1" dirty="0">
+                <a:effectLst/>
+                <a:latin typeface="Tahoma" panose="020B0604030504040204" pitchFamily="34" charset="0"/>
+                <a:ea typeface="Tahoma" panose="020B0604030504040204" pitchFamily="34" charset="0"/>
+                <a:cs typeface="Tahoma" panose="020B0604030504040204" pitchFamily="34" charset="0"/>
+              </a:rPr>
+              <a:t> </a:t>
+            </a:r>
+            <a:r>
+              <a:rPr lang="en-US" sz="1800" b="1" dirty="0" err="1">
+                <a:effectLst/>
+                <a:latin typeface="Tahoma" panose="020B0604030504040204" pitchFamily="34" charset="0"/>
+                <a:ea typeface="Tahoma" panose="020B0604030504040204" pitchFamily="34" charset="0"/>
+                <a:cs typeface="Tahoma" panose="020B0604030504040204" pitchFamily="34" charset="0"/>
+              </a:rPr>
+              <a:t>thuộc</a:t>
+            </a:r>
+            <a:r>
+              <a:rPr lang="en-US" sz="1800" b="1" dirty="0">
+                <a:effectLst/>
+                <a:latin typeface="Tahoma" panose="020B0604030504040204" pitchFamily="34" charset="0"/>
+                <a:ea typeface="Tahoma" panose="020B0604030504040204" pitchFamily="34" charset="0"/>
+                <a:cs typeface="Tahoma" panose="020B0604030504040204" pitchFamily="34" charset="0"/>
+              </a:rPr>
+              <a:t> (Dependency Management)</a:t>
+            </a:r>
+            <a:endParaRPr lang="en-US" sz="1800" kern="100" dirty="0">
+              <a:effectLst/>
+              <a:latin typeface="Tahoma" panose="020B0604030504040204" pitchFamily="34" charset="0"/>
+              <a:ea typeface="Tahoma" panose="020B0604030504040204" pitchFamily="34" charset="0"/>
+              <a:cs typeface="Tahoma" panose="020B0604030504040204" pitchFamily="34" charset="0"/>
+            </a:endParaRPr>
+          </a:p>
+          <a:p>
+            <a:pPr marL="285750" indent="-285750">
+              <a:lnSpc>
+                <a:spcPct val="107000"/>
+              </a:lnSpc>
+              <a:spcAft>
+                <a:spcPts val="800"/>
+              </a:spcAft>
+              <a:buFont typeface="Wingdings" panose="05000000000000000000" pitchFamily="2" charset="2"/>
+              <a:buChar char="ü"/>
+            </a:pPr>
+            <a:endParaRPr lang="en-US" sz="1400" kern="100" dirty="0">
+              <a:effectLst/>
+              <a:latin typeface="Tahoma" panose="020B0604030504040204" pitchFamily="34" charset="0"/>
+              <a:ea typeface="Tahoma" panose="020B0604030504040204" pitchFamily="34" charset="0"/>
+              <a:cs typeface="Tahoma" panose="020B0604030504040204" pitchFamily="34" charset="0"/>
+            </a:endParaRPr>
+          </a:p>
+        </p:txBody>
+      </p:sp>
+      <p:sp>
+        <p:nvSpPr>
+          <p:cNvPr id="8" name="TextBox 7">
+            <a:extLst>
+              <a:ext uri="{FF2B5EF4-FFF2-40B4-BE49-F238E27FC236}">
+                <a16:creationId xmlns:a16="http://schemas.microsoft.com/office/drawing/2014/main" id="{765E07D4-E962-07C5-3003-999CAAC01CFF}"/>
+              </a:ext>
+            </a:extLst>
+          </p:cNvPr>
+          <p:cNvSpPr txBox="1"/>
+          <p:nvPr/>
+        </p:nvSpPr>
+        <p:spPr>
+          <a:xfrm>
+            <a:off x="7652425" y="4117281"/>
+            <a:ext cx="6096000" cy="1169038"/>
+          </a:xfrm>
+          <a:prstGeom prst="rect">
+            <a:avLst/>
+          </a:prstGeom>
+          <a:noFill/>
+        </p:spPr>
+        <p:txBody>
+          <a:bodyPr wrap="square">
+            <a:spAutoFit/>
+          </a:bodyPr>
+          <a:lstStyle/>
+          <a:p>
+            <a:pPr marL="285750" indent="-285750">
+              <a:lnSpc>
+                <a:spcPct val="107000"/>
+              </a:lnSpc>
+              <a:spcAft>
+                <a:spcPts val="800"/>
+              </a:spcAft>
+              <a:buFont typeface="Wingdings" panose="05000000000000000000" pitchFamily="2" charset="2"/>
+              <a:buChar char="ü"/>
+            </a:pPr>
+            <a:r>
+              <a:rPr lang="en-US" sz="1800" b="1" dirty="0" err="1">
+                <a:effectLst/>
+                <a:latin typeface="Tahoma" panose="020B0604030504040204" pitchFamily="34" charset="0"/>
+                <a:ea typeface="Tahoma" panose="020B0604030504040204" pitchFamily="34" charset="0"/>
+                <a:cs typeface="Tahoma" panose="020B0604030504040204" pitchFamily="34" charset="0"/>
+              </a:rPr>
+              <a:t>Đơn</a:t>
+            </a:r>
+            <a:r>
+              <a:rPr lang="en-US" sz="1800" b="1" dirty="0">
+                <a:effectLst/>
+                <a:latin typeface="Tahoma" panose="020B0604030504040204" pitchFamily="34" charset="0"/>
+                <a:ea typeface="Tahoma" panose="020B0604030504040204" pitchFamily="34" charset="0"/>
+                <a:cs typeface="Tahoma" panose="020B0604030504040204" pitchFamily="34" charset="0"/>
+              </a:rPr>
+              <a:t> </a:t>
+            </a:r>
+            <a:r>
+              <a:rPr lang="en-US" sz="1800" b="1" dirty="0" err="1">
+                <a:effectLst/>
+                <a:latin typeface="Tahoma" panose="020B0604030504040204" pitchFamily="34" charset="0"/>
+                <a:ea typeface="Tahoma" panose="020B0604030504040204" pitchFamily="34" charset="0"/>
+                <a:cs typeface="Tahoma" panose="020B0604030504040204" pitchFamily="34" charset="0"/>
+              </a:rPr>
+              <a:t>giản</a:t>
+            </a:r>
+            <a:endParaRPr lang="en-US" sz="1800" b="1" dirty="0">
+              <a:effectLst/>
+              <a:latin typeface="Tahoma" panose="020B0604030504040204" pitchFamily="34" charset="0"/>
+              <a:ea typeface="Tahoma" panose="020B0604030504040204" pitchFamily="34" charset="0"/>
+              <a:cs typeface="Tahoma" panose="020B0604030504040204" pitchFamily="34" charset="0"/>
+            </a:endParaRPr>
+          </a:p>
+          <a:p>
+            <a:pPr marL="285750" indent="-285750">
+              <a:lnSpc>
+                <a:spcPct val="107000"/>
+              </a:lnSpc>
+              <a:spcAft>
+                <a:spcPts val="800"/>
+              </a:spcAft>
+              <a:buFont typeface="Wingdings" panose="05000000000000000000" pitchFamily="2" charset="2"/>
+              <a:buChar char="ü"/>
+            </a:pPr>
+            <a:r>
+              <a:rPr lang="en-US" sz="1800" b="1" dirty="0" err="1">
+                <a:solidFill>
+                  <a:srgbClr val="000000"/>
+                </a:solidFill>
+                <a:effectLst/>
+                <a:latin typeface="Tahoma" panose="020B0604030504040204" pitchFamily="34" charset="0"/>
+                <a:ea typeface="Tahoma" panose="020B0604030504040204" pitchFamily="34" charset="0"/>
+                <a:cs typeface="Tahoma" panose="020B0604030504040204" pitchFamily="34" charset="0"/>
+              </a:rPr>
+              <a:t>Tích</a:t>
+            </a:r>
+            <a:r>
+              <a:rPr lang="en-US" sz="1800" b="1" dirty="0">
+                <a:solidFill>
+                  <a:srgbClr val="000000"/>
+                </a:solidFill>
+                <a:effectLst/>
+                <a:latin typeface="Tahoma" panose="020B0604030504040204" pitchFamily="34" charset="0"/>
+                <a:ea typeface="Tahoma" panose="020B0604030504040204" pitchFamily="34" charset="0"/>
+                <a:cs typeface="Tahoma" panose="020B0604030504040204" pitchFamily="34" charset="0"/>
+              </a:rPr>
+              <a:t> </a:t>
+            </a:r>
+            <a:r>
+              <a:rPr lang="en-US" sz="1800" b="1" dirty="0" err="1">
+                <a:solidFill>
+                  <a:srgbClr val="000000"/>
+                </a:solidFill>
+                <a:effectLst/>
+                <a:latin typeface="Tahoma" panose="020B0604030504040204" pitchFamily="34" charset="0"/>
+                <a:ea typeface="Tahoma" panose="020B0604030504040204" pitchFamily="34" charset="0"/>
+                <a:cs typeface="Tahoma" panose="020B0604030504040204" pitchFamily="34" charset="0"/>
+              </a:rPr>
+              <a:t>hợp</a:t>
+            </a:r>
+            <a:r>
+              <a:rPr lang="en-US" sz="1800" b="1" dirty="0">
+                <a:solidFill>
+                  <a:srgbClr val="000000"/>
+                </a:solidFill>
+                <a:effectLst/>
+                <a:latin typeface="Tahoma" panose="020B0604030504040204" pitchFamily="34" charset="0"/>
+                <a:ea typeface="Tahoma" panose="020B0604030504040204" pitchFamily="34" charset="0"/>
+                <a:cs typeface="Tahoma" panose="020B0604030504040204" pitchFamily="34" charset="0"/>
+              </a:rPr>
+              <a:t> </a:t>
+            </a:r>
+            <a:r>
+              <a:rPr lang="en-US" sz="1800" b="1" dirty="0" err="1">
+                <a:solidFill>
+                  <a:srgbClr val="000000"/>
+                </a:solidFill>
+                <a:effectLst/>
+                <a:latin typeface="Tahoma" panose="020B0604030504040204" pitchFamily="34" charset="0"/>
+                <a:ea typeface="Tahoma" panose="020B0604030504040204" pitchFamily="34" charset="0"/>
+                <a:cs typeface="Tahoma" panose="020B0604030504040204" pitchFamily="34" charset="0"/>
+              </a:rPr>
+              <a:t>tốt</a:t>
+            </a:r>
+            <a:r>
+              <a:rPr lang="en-US" sz="1800" b="1" dirty="0">
+                <a:solidFill>
+                  <a:srgbClr val="000000"/>
+                </a:solidFill>
+                <a:effectLst/>
+                <a:latin typeface="Tahoma" panose="020B0604030504040204" pitchFamily="34" charset="0"/>
+                <a:ea typeface="Tahoma" panose="020B0604030504040204" pitchFamily="34" charset="0"/>
+                <a:cs typeface="Tahoma" panose="020B0604030504040204" pitchFamily="34" charset="0"/>
+              </a:rPr>
+              <a:t> </a:t>
+            </a:r>
+            <a:r>
+              <a:rPr lang="en-US" sz="1800" b="1" dirty="0" err="1">
+                <a:solidFill>
+                  <a:srgbClr val="000000"/>
+                </a:solidFill>
+                <a:effectLst/>
+                <a:latin typeface="Tahoma" panose="020B0604030504040204" pitchFamily="34" charset="0"/>
+                <a:ea typeface="Tahoma" panose="020B0604030504040204" pitchFamily="34" charset="0"/>
+                <a:cs typeface="Tahoma" panose="020B0604030504040204" pitchFamily="34" charset="0"/>
+              </a:rPr>
+              <a:t>với</a:t>
+            </a:r>
+            <a:r>
+              <a:rPr lang="en-US" sz="1800" b="1" dirty="0">
+                <a:solidFill>
+                  <a:srgbClr val="000000"/>
+                </a:solidFill>
+                <a:effectLst/>
+                <a:latin typeface="Tahoma" panose="020B0604030504040204" pitchFamily="34" charset="0"/>
+                <a:ea typeface="Tahoma" panose="020B0604030504040204" pitchFamily="34" charset="0"/>
+                <a:cs typeface="Tahoma" panose="020B0604030504040204" pitchFamily="34" charset="0"/>
+              </a:rPr>
+              <a:t> Spring Framework</a:t>
+            </a:r>
+          </a:p>
+          <a:p>
+            <a:pPr marL="285750" indent="-285750">
+              <a:lnSpc>
+                <a:spcPct val="107000"/>
+              </a:lnSpc>
+              <a:spcAft>
+                <a:spcPts val="800"/>
+              </a:spcAft>
+              <a:buFont typeface="Wingdings" panose="05000000000000000000" pitchFamily="2" charset="2"/>
+              <a:buChar char="ü"/>
+            </a:pPr>
+            <a:r>
+              <a:rPr lang="en-US" sz="1800" b="1" dirty="0" err="1">
+                <a:solidFill>
+                  <a:srgbClr val="000000"/>
+                </a:solidFill>
+                <a:effectLst/>
+                <a:latin typeface="Tahoma" panose="020B0604030504040204" pitchFamily="34" charset="0"/>
+                <a:ea typeface="Tahoma" panose="020B0604030504040204" pitchFamily="34" charset="0"/>
+                <a:cs typeface="Tahoma" panose="020B0604030504040204" pitchFamily="34" charset="0"/>
+              </a:rPr>
+              <a:t>Hiệu</a:t>
+            </a:r>
+            <a:r>
+              <a:rPr lang="en-US" sz="1800" b="1" dirty="0">
+                <a:solidFill>
+                  <a:srgbClr val="000000"/>
+                </a:solidFill>
+                <a:effectLst/>
+                <a:latin typeface="Tahoma" panose="020B0604030504040204" pitchFamily="34" charset="0"/>
+                <a:ea typeface="Tahoma" panose="020B0604030504040204" pitchFamily="34" charset="0"/>
+                <a:cs typeface="Tahoma" panose="020B0604030504040204" pitchFamily="34" charset="0"/>
+              </a:rPr>
+              <a:t> </a:t>
+            </a:r>
+            <a:r>
+              <a:rPr lang="en-US" sz="1800" b="1" dirty="0" err="1">
+                <a:solidFill>
+                  <a:srgbClr val="000000"/>
+                </a:solidFill>
+                <a:effectLst/>
+                <a:latin typeface="Tahoma" panose="020B0604030504040204" pitchFamily="34" charset="0"/>
+                <a:ea typeface="Tahoma" panose="020B0604030504040204" pitchFamily="34" charset="0"/>
+                <a:cs typeface="Tahoma" panose="020B0604030504040204" pitchFamily="34" charset="0"/>
+              </a:rPr>
+              <a:t>suất</a:t>
+            </a:r>
+            <a:r>
+              <a:rPr lang="en-US" sz="1800" b="1" dirty="0">
+                <a:solidFill>
+                  <a:srgbClr val="000000"/>
+                </a:solidFill>
+                <a:effectLst/>
+                <a:latin typeface="Tahoma" panose="020B0604030504040204" pitchFamily="34" charset="0"/>
+                <a:ea typeface="Tahoma" panose="020B0604030504040204" pitchFamily="34" charset="0"/>
+                <a:cs typeface="Tahoma" panose="020B0604030504040204" pitchFamily="34" charset="0"/>
+              </a:rPr>
+              <a:t> </a:t>
+            </a:r>
+            <a:r>
+              <a:rPr lang="en-US" sz="1800" b="1" dirty="0" err="1">
+                <a:solidFill>
+                  <a:srgbClr val="000000"/>
+                </a:solidFill>
+                <a:effectLst/>
+                <a:latin typeface="Tahoma" panose="020B0604030504040204" pitchFamily="34" charset="0"/>
+                <a:ea typeface="Tahoma" panose="020B0604030504040204" pitchFamily="34" charset="0"/>
+                <a:cs typeface="Tahoma" panose="020B0604030504040204" pitchFamily="34" charset="0"/>
+              </a:rPr>
+              <a:t>tốt</a:t>
+            </a:r>
+            <a:endParaRPr lang="en-US" dirty="0">
+              <a:latin typeface="Tahoma" panose="020B0604030504040204" pitchFamily="34" charset="0"/>
+              <a:ea typeface="Tahoma" panose="020B0604030504040204" pitchFamily="34" charset="0"/>
+              <a:cs typeface="Tahoma" panose="020B0604030504040204" pitchFamily="34" charset="0"/>
+            </a:endParaRPr>
+          </a:p>
+        </p:txBody>
+      </p:sp>
     </p:spTree>
     <p:extLst>
       <p:ext uri="{BB962C8B-B14F-4D97-AF65-F5344CB8AC3E}">
@@ -5080,7 +7857,7 @@
 </p:sld>
 </file>
 
-<file path=ppt/slides/slide3.xml><?xml version="1.0" encoding="utf-8"?>
+<file path=ppt/slides/slide5.xml><?xml version="1.0" encoding="utf-8"?>
 <p:sld xmlns:a="http://schemas.openxmlformats.org/drawingml/2006/main" xmlns:r="http://schemas.openxmlformats.org/officeDocument/2006/relationships" xmlns:p="http://schemas.openxmlformats.org/presentationml/2006/main">
   <p:cSld>
     <p:bg>
@@ -5477,7 +8254,7 @@
         </p:nvSpPr>
         <p:spPr>
           <a:xfrm>
-            <a:off x="1110793" y="1975872"/>
+            <a:off x="1110793" y="2118814"/>
             <a:ext cx="4192348" cy="2006601"/>
           </a:xfrm>
         </p:spPr>
@@ -5493,12 +8270,92 @@
               </a:lnSpc>
             </a:pPr>
             <a:r>
-              <a:rPr lang="en-US" spc="1300">
+              <a:rPr lang="en-US" spc="1300" dirty="0" err="1">
                 <a:solidFill>
                   <a:srgbClr val="000000"/>
                 </a:solidFill>
-              </a:rPr>
-              <a:t>Mô hình sử dụng MVC</a:t>
+                <a:latin typeface="Tahoma" panose="020B0604030504040204" pitchFamily="34" charset="0"/>
+                <a:ea typeface="Tahoma" panose="020B0604030504040204" pitchFamily="34" charset="0"/>
+                <a:cs typeface="Tahoma" panose="020B0604030504040204" pitchFamily="34" charset="0"/>
+              </a:rPr>
+              <a:t>Mô</a:t>
+            </a:r>
+            <a:r>
+              <a:rPr lang="en-US" spc="1300" dirty="0">
+                <a:solidFill>
+                  <a:srgbClr val="000000"/>
+                </a:solidFill>
+                <a:latin typeface="Tahoma" panose="020B0604030504040204" pitchFamily="34" charset="0"/>
+                <a:ea typeface="Tahoma" panose="020B0604030504040204" pitchFamily="34" charset="0"/>
+                <a:cs typeface="Tahoma" panose="020B0604030504040204" pitchFamily="34" charset="0"/>
+              </a:rPr>
+              <a:t> </a:t>
+            </a:r>
+            <a:r>
+              <a:rPr lang="en-US" spc="1300" dirty="0" err="1">
+                <a:solidFill>
+                  <a:srgbClr val="000000"/>
+                </a:solidFill>
+                <a:latin typeface="Tahoma" panose="020B0604030504040204" pitchFamily="34" charset="0"/>
+                <a:ea typeface="Tahoma" panose="020B0604030504040204" pitchFamily="34" charset="0"/>
+                <a:cs typeface="Tahoma" panose="020B0604030504040204" pitchFamily="34" charset="0"/>
+              </a:rPr>
+              <a:t>hình</a:t>
+            </a:r>
+            <a:r>
+              <a:rPr lang="en-US" spc="1300" dirty="0">
+                <a:solidFill>
+                  <a:srgbClr val="000000"/>
+                </a:solidFill>
+                <a:latin typeface="Tahoma" panose="020B0604030504040204" pitchFamily="34" charset="0"/>
+                <a:ea typeface="Tahoma" panose="020B0604030504040204" pitchFamily="34" charset="0"/>
+                <a:cs typeface="Tahoma" panose="020B0604030504040204" pitchFamily="34" charset="0"/>
+              </a:rPr>
+              <a:t> </a:t>
+            </a:r>
+            <a:r>
+              <a:rPr lang="en-US" spc="1300" dirty="0" err="1">
+                <a:solidFill>
+                  <a:srgbClr val="000000"/>
+                </a:solidFill>
+                <a:latin typeface="Tahoma" panose="020B0604030504040204" pitchFamily="34" charset="0"/>
+                <a:ea typeface="Tahoma" panose="020B0604030504040204" pitchFamily="34" charset="0"/>
+                <a:cs typeface="Tahoma" panose="020B0604030504040204" pitchFamily="34" charset="0"/>
+              </a:rPr>
+              <a:t>sử</a:t>
+            </a:r>
+            <a:r>
+              <a:rPr lang="en-US" spc="1300" dirty="0">
+                <a:solidFill>
+                  <a:srgbClr val="000000"/>
+                </a:solidFill>
+                <a:latin typeface="Tahoma" panose="020B0604030504040204" pitchFamily="34" charset="0"/>
+                <a:ea typeface="Tahoma" panose="020B0604030504040204" pitchFamily="34" charset="0"/>
+                <a:cs typeface="Tahoma" panose="020B0604030504040204" pitchFamily="34" charset="0"/>
+              </a:rPr>
+              <a:t> </a:t>
+            </a:r>
+            <a:r>
+              <a:rPr lang="en-US" spc="1300" dirty="0" err="1">
+                <a:solidFill>
+                  <a:srgbClr val="000000"/>
+                </a:solidFill>
+                <a:latin typeface="Tahoma" panose="020B0604030504040204" pitchFamily="34" charset="0"/>
+                <a:ea typeface="Tahoma" panose="020B0604030504040204" pitchFamily="34" charset="0"/>
+                <a:cs typeface="Tahoma" panose="020B0604030504040204" pitchFamily="34" charset="0"/>
+              </a:rPr>
+              <a:t>dụng</a:t>
+            </a:r>
+            <a:r>
+              <a:rPr lang="en-US" spc="1300" dirty="0">
+                <a:solidFill>
+                  <a:srgbClr val="000000"/>
+                </a:solidFill>
+                <a:latin typeface="Tahoma" panose="020B0604030504040204" pitchFamily="34" charset="0"/>
+                <a:ea typeface="Tahoma" panose="020B0604030504040204" pitchFamily="34" charset="0"/>
+                <a:cs typeface="Tahoma" panose="020B0604030504040204" pitchFamily="34" charset="0"/>
+              </a:rPr>
+              <a:t> MVC</a:t>
             </a:r>
           </a:p>
         </p:txBody>
@@ -5533,8 +8390,8 @@
         </p:blipFill>
         <p:spPr bwMode="auto">
           <a:xfrm>
-            <a:off x="6531430" y="1559726"/>
-            <a:ext cx="4717410" cy="3738547"/>
+            <a:off x="6721228" y="243927"/>
+            <a:ext cx="4019021" cy="3185074"/>
           </a:xfrm>
           <a:prstGeom prst="rect">
             <a:avLst/>
@@ -5551,6 +8408,1289 @@
           </a:extLst>
         </p:spPr>
       </p:pic>
+      <p:sp>
+        <p:nvSpPr>
+          <p:cNvPr id="4" name="TextBox 3">
+            <a:extLst>
+              <a:ext uri="{FF2B5EF4-FFF2-40B4-BE49-F238E27FC236}">
+                <a16:creationId xmlns:a16="http://schemas.microsoft.com/office/drawing/2014/main" id="{758CBE66-5E60-CC49-9063-3B6FE4E1AA37}"/>
+              </a:ext>
+            </a:extLst>
+          </p:cNvPr>
+          <p:cNvSpPr txBox="1"/>
+          <p:nvPr/>
+        </p:nvSpPr>
+        <p:spPr>
+          <a:xfrm>
+            <a:off x="5379396" y="3378298"/>
+            <a:ext cx="6651971" cy="3528082"/>
+          </a:xfrm>
+          <a:prstGeom prst="rect">
+            <a:avLst/>
+          </a:prstGeom>
+          <a:noFill/>
+        </p:spPr>
+        <p:txBody>
+          <a:bodyPr wrap="square">
+            <a:spAutoFit/>
+          </a:bodyPr>
+          <a:lstStyle/>
+          <a:p>
+            <a:pPr marL="342900" lvl="0" indent="-342900" algn="just">
+              <a:lnSpc>
+                <a:spcPct val="150000"/>
+              </a:lnSpc>
+              <a:spcAft>
+                <a:spcPts val="600"/>
+              </a:spcAft>
+              <a:buSzPts val="1000"/>
+              <a:buFont typeface="Symbol" panose="05050102010706020507" pitchFamily="18" charset="2"/>
+              <a:buChar char=""/>
+              <a:tabLst>
+                <a:tab pos="457200" algn="l"/>
+              </a:tabLst>
+            </a:pPr>
+            <a:r>
+              <a:rPr lang="en-US" sz="1800" b="1" kern="100" dirty="0">
+                <a:effectLst/>
+                <a:latin typeface="Tahoma" panose="020B0604030504040204" pitchFamily="34" charset="0"/>
+                <a:ea typeface="Tahoma" panose="020B0604030504040204" pitchFamily="34" charset="0"/>
+                <a:cs typeface="Tahoma" panose="020B0604030504040204" pitchFamily="34" charset="0"/>
+              </a:rPr>
+              <a:t>Model (</a:t>
+            </a:r>
+            <a:r>
+              <a:rPr lang="en-US" sz="1800" b="1" kern="100" dirty="0" err="1">
+                <a:effectLst/>
+                <a:latin typeface="Tahoma" panose="020B0604030504040204" pitchFamily="34" charset="0"/>
+                <a:ea typeface="Tahoma" panose="020B0604030504040204" pitchFamily="34" charset="0"/>
+                <a:cs typeface="Tahoma" panose="020B0604030504040204" pitchFamily="34" charset="0"/>
+              </a:rPr>
+              <a:t>Mô</a:t>
+            </a:r>
+            <a:r>
+              <a:rPr lang="en-US" sz="1800" b="1" kern="100" dirty="0">
+                <a:effectLst/>
+                <a:latin typeface="Tahoma" panose="020B0604030504040204" pitchFamily="34" charset="0"/>
+                <a:ea typeface="Tahoma" panose="020B0604030504040204" pitchFamily="34" charset="0"/>
+                <a:cs typeface="Tahoma" panose="020B0604030504040204" pitchFamily="34" charset="0"/>
+              </a:rPr>
+              <a:t> </a:t>
+            </a:r>
+            <a:r>
+              <a:rPr lang="en-US" sz="1800" b="1" kern="100" dirty="0" err="1">
+                <a:effectLst/>
+                <a:latin typeface="Tahoma" panose="020B0604030504040204" pitchFamily="34" charset="0"/>
+                <a:ea typeface="Tahoma" panose="020B0604030504040204" pitchFamily="34" charset="0"/>
+                <a:cs typeface="Tahoma" panose="020B0604030504040204" pitchFamily="34" charset="0"/>
+              </a:rPr>
+              <a:t>hình</a:t>
+            </a:r>
+            <a:r>
+              <a:rPr lang="en-US" sz="1800" b="1" kern="100" dirty="0">
+                <a:effectLst/>
+                <a:latin typeface="Tahoma" panose="020B0604030504040204" pitchFamily="34" charset="0"/>
+                <a:ea typeface="Tahoma" panose="020B0604030504040204" pitchFamily="34" charset="0"/>
+                <a:cs typeface="Tahoma" panose="020B0604030504040204" pitchFamily="34" charset="0"/>
+              </a:rPr>
+              <a:t>):</a:t>
+            </a:r>
+            <a:r>
+              <a:rPr lang="en-US" sz="1800" kern="100" dirty="0">
+                <a:effectLst/>
+                <a:latin typeface="Tahoma" panose="020B0604030504040204" pitchFamily="34" charset="0"/>
+                <a:ea typeface="Tahoma" panose="020B0604030504040204" pitchFamily="34" charset="0"/>
+                <a:cs typeface="Tahoma" panose="020B0604030504040204" pitchFamily="34" charset="0"/>
+              </a:rPr>
+              <a:t>, Model </a:t>
+            </a:r>
+            <a:r>
+              <a:rPr lang="en-US" sz="1800" kern="100" dirty="0" err="1">
+                <a:effectLst/>
+                <a:latin typeface="Tahoma" panose="020B0604030504040204" pitchFamily="34" charset="0"/>
+                <a:ea typeface="Tahoma" panose="020B0604030504040204" pitchFamily="34" charset="0"/>
+                <a:cs typeface="Tahoma" panose="020B0604030504040204" pitchFamily="34" charset="0"/>
+              </a:rPr>
+              <a:t>sẽ</a:t>
+            </a:r>
+            <a:r>
+              <a:rPr lang="en-US" sz="1800" kern="100" dirty="0">
+                <a:effectLst/>
+                <a:latin typeface="Tahoma" panose="020B0604030504040204" pitchFamily="34" charset="0"/>
+                <a:ea typeface="Tahoma" panose="020B0604030504040204" pitchFamily="34" charset="0"/>
+                <a:cs typeface="Tahoma" panose="020B0604030504040204" pitchFamily="34" charset="0"/>
+              </a:rPr>
+              <a:t> </a:t>
+            </a:r>
+            <a:r>
+              <a:rPr lang="en-US" sz="1800" kern="100" dirty="0" err="1">
+                <a:effectLst/>
+                <a:latin typeface="Tahoma" panose="020B0604030504040204" pitchFamily="34" charset="0"/>
+                <a:ea typeface="Tahoma" panose="020B0604030504040204" pitchFamily="34" charset="0"/>
+                <a:cs typeface="Tahoma" panose="020B0604030504040204" pitchFamily="34" charset="0"/>
+              </a:rPr>
+              <a:t>chứa</a:t>
+            </a:r>
+            <a:r>
+              <a:rPr lang="en-US" sz="1800" kern="100" dirty="0">
+                <a:effectLst/>
+                <a:latin typeface="Tahoma" panose="020B0604030504040204" pitchFamily="34" charset="0"/>
+                <a:ea typeface="Tahoma" panose="020B0604030504040204" pitchFamily="34" charset="0"/>
+                <a:cs typeface="Tahoma" panose="020B0604030504040204" pitchFamily="34" charset="0"/>
+              </a:rPr>
+              <a:t> </a:t>
+            </a:r>
+            <a:r>
+              <a:rPr lang="en-US" sz="1800" kern="100" dirty="0" err="1">
+                <a:effectLst/>
+                <a:latin typeface="Tahoma" panose="020B0604030504040204" pitchFamily="34" charset="0"/>
+                <a:ea typeface="Tahoma" panose="020B0604030504040204" pitchFamily="34" charset="0"/>
+                <a:cs typeface="Tahoma" panose="020B0604030504040204" pitchFamily="34" charset="0"/>
+              </a:rPr>
+              <a:t>thông</a:t>
+            </a:r>
+            <a:r>
+              <a:rPr lang="en-US" sz="1800" kern="100" dirty="0">
+                <a:effectLst/>
+                <a:latin typeface="Tahoma" panose="020B0604030504040204" pitchFamily="34" charset="0"/>
+                <a:ea typeface="Tahoma" panose="020B0604030504040204" pitchFamily="34" charset="0"/>
+                <a:cs typeface="Tahoma" panose="020B0604030504040204" pitchFamily="34" charset="0"/>
+              </a:rPr>
+              <a:t> tin </a:t>
+            </a:r>
+            <a:r>
+              <a:rPr lang="en-US" sz="1800" kern="100" dirty="0" err="1">
+                <a:effectLst/>
+                <a:latin typeface="Tahoma" panose="020B0604030504040204" pitchFamily="34" charset="0"/>
+                <a:ea typeface="Tahoma" panose="020B0604030504040204" pitchFamily="34" charset="0"/>
+                <a:cs typeface="Tahoma" panose="020B0604030504040204" pitchFamily="34" charset="0"/>
+              </a:rPr>
+              <a:t>về</a:t>
+            </a:r>
+            <a:r>
+              <a:rPr lang="en-US" sz="1800" kern="100" dirty="0">
+                <a:effectLst/>
+                <a:latin typeface="Tahoma" panose="020B0604030504040204" pitchFamily="34" charset="0"/>
+                <a:ea typeface="Tahoma" panose="020B0604030504040204" pitchFamily="34" charset="0"/>
+                <a:cs typeface="Tahoma" panose="020B0604030504040204" pitchFamily="34" charset="0"/>
+              </a:rPr>
+              <a:t> </a:t>
+            </a:r>
+            <a:r>
+              <a:rPr lang="en-US" sz="1800" kern="100" dirty="0" err="1">
+                <a:effectLst/>
+                <a:latin typeface="Tahoma" panose="020B0604030504040204" pitchFamily="34" charset="0"/>
+                <a:ea typeface="Tahoma" panose="020B0604030504040204" pitchFamily="34" charset="0"/>
+                <a:cs typeface="Tahoma" panose="020B0604030504040204" pitchFamily="34" charset="0"/>
+              </a:rPr>
+              <a:t>sản</a:t>
+            </a:r>
+            <a:r>
+              <a:rPr lang="en-US" sz="1800" kern="100" dirty="0">
+                <a:effectLst/>
+                <a:latin typeface="Tahoma" panose="020B0604030504040204" pitchFamily="34" charset="0"/>
+                <a:ea typeface="Tahoma" panose="020B0604030504040204" pitchFamily="34" charset="0"/>
+                <a:cs typeface="Tahoma" panose="020B0604030504040204" pitchFamily="34" charset="0"/>
+              </a:rPr>
+              <a:t> </a:t>
+            </a:r>
+            <a:r>
+              <a:rPr lang="en-US" sz="1800" kern="100" dirty="0" err="1">
+                <a:effectLst/>
+                <a:latin typeface="Tahoma" panose="020B0604030504040204" pitchFamily="34" charset="0"/>
+                <a:ea typeface="Tahoma" panose="020B0604030504040204" pitchFamily="34" charset="0"/>
+                <a:cs typeface="Tahoma" panose="020B0604030504040204" pitchFamily="34" charset="0"/>
+              </a:rPr>
+              <a:t>phẩm</a:t>
+            </a:r>
+            <a:r>
+              <a:rPr lang="en-US" sz="1800" kern="100" dirty="0">
+                <a:effectLst/>
+                <a:latin typeface="Tahoma" panose="020B0604030504040204" pitchFamily="34" charset="0"/>
+                <a:ea typeface="Tahoma" panose="020B0604030504040204" pitchFamily="34" charset="0"/>
+                <a:cs typeface="Tahoma" panose="020B0604030504040204" pitchFamily="34" charset="0"/>
+              </a:rPr>
+              <a:t> (</a:t>
+            </a:r>
+            <a:r>
+              <a:rPr lang="en-US" sz="1800" kern="100" dirty="0" err="1">
+                <a:effectLst/>
+                <a:latin typeface="Tahoma" panose="020B0604030504040204" pitchFamily="34" charset="0"/>
+                <a:ea typeface="Tahoma" panose="020B0604030504040204" pitchFamily="34" charset="0"/>
+                <a:cs typeface="Tahoma" panose="020B0604030504040204" pitchFamily="34" charset="0"/>
+              </a:rPr>
+              <a:t>tên</a:t>
+            </a:r>
+            <a:r>
+              <a:rPr lang="en-US" sz="1800" kern="100" dirty="0">
+                <a:effectLst/>
+                <a:latin typeface="Tahoma" panose="020B0604030504040204" pitchFamily="34" charset="0"/>
+                <a:ea typeface="Tahoma" panose="020B0604030504040204" pitchFamily="34" charset="0"/>
+                <a:cs typeface="Tahoma" panose="020B0604030504040204" pitchFamily="34" charset="0"/>
+              </a:rPr>
+              <a:t>, </a:t>
+            </a:r>
+            <a:r>
+              <a:rPr lang="en-US" sz="1800" kern="100" dirty="0" err="1">
+                <a:effectLst/>
+                <a:latin typeface="Tahoma" panose="020B0604030504040204" pitchFamily="34" charset="0"/>
+                <a:ea typeface="Tahoma" panose="020B0604030504040204" pitchFamily="34" charset="0"/>
+                <a:cs typeface="Tahoma" panose="020B0604030504040204" pitchFamily="34" charset="0"/>
+              </a:rPr>
+              <a:t>giá</a:t>
+            </a:r>
+            <a:r>
+              <a:rPr lang="en-US" sz="1800" kern="100" dirty="0">
+                <a:effectLst/>
+                <a:latin typeface="Tahoma" panose="020B0604030504040204" pitchFamily="34" charset="0"/>
+                <a:ea typeface="Tahoma" panose="020B0604030504040204" pitchFamily="34" charset="0"/>
+                <a:cs typeface="Tahoma" panose="020B0604030504040204" pitchFamily="34" charset="0"/>
+              </a:rPr>
+              <a:t>, </a:t>
+            </a:r>
+            <a:r>
+              <a:rPr lang="en-US" sz="1800" kern="100" dirty="0" err="1">
+                <a:effectLst/>
+                <a:latin typeface="Tahoma" panose="020B0604030504040204" pitchFamily="34" charset="0"/>
+                <a:ea typeface="Tahoma" panose="020B0604030504040204" pitchFamily="34" charset="0"/>
+                <a:cs typeface="Tahoma" panose="020B0604030504040204" pitchFamily="34" charset="0"/>
+              </a:rPr>
+              <a:t>mô</a:t>
+            </a:r>
+            <a:r>
+              <a:rPr lang="en-US" sz="1800" kern="100" dirty="0">
+                <a:effectLst/>
+                <a:latin typeface="Tahoma" panose="020B0604030504040204" pitchFamily="34" charset="0"/>
+                <a:ea typeface="Tahoma" panose="020B0604030504040204" pitchFamily="34" charset="0"/>
+                <a:cs typeface="Tahoma" panose="020B0604030504040204" pitchFamily="34" charset="0"/>
+              </a:rPr>
+              <a:t> </a:t>
+            </a:r>
+            <a:r>
+              <a:rPr lang="en-US" sz="1800" kern="100" dirty="0" err="1">
+                <a:effectLst/>
+                <a:latin typeface="Tahoma" panose="020B0604030504040204" pitchFamily="34" charset="0"/>
+                <a:ea typeface="Tahoma" panose="020B0604030504040204" pitchFamily="34" charset="0"/>
+                <a:cs typeface="Tahoma" panose="020B0604030504040204" pitchFamily="34" charset="0"/>
+              </a:rPr>
+              <a:t>tả</a:t>
+            </a:r>
+            <a:r>
+              <a:rPr lang="en-US" sz="1800" kern="100" dirty="0">
+                <a:effectLst/>
+                <a:latin typeface="Tahoma" panose="020B0604030504040204" pitchFamily="34" charset="0"/>
+                <a:ea typeface="Tahoma" panose="020B0604030504040204" pitchFamily="34" charset="0"/>
+                <a:cs typeface="Tahoma" panose="020B0604030504040204" pitchFamily="34" charset="0"/>
+              </a:rPr>
+              <a:t>, v.v.) </a:t>
+            </a:r>
+            <a:r>
+              <a:rPr lang="en-US" sz="1800" kern="100" dirty="0" err="1">
+                <a:effectLst/>
+                <a:latin typeface="Tahoma" panose="020B0604030504040204" pitchFamily="34" charset="0"/>
+                <a:ea typeface="Tahoma" panose="020B0604030504040204" pitchFamily="34" charset="0"/>
+                <a:cs typeface="Tahoma" panose="020B0604030504040204" pitchFamily="34" charset="0"/>
+              </a:rPr>
+              <a:t>và</a:t>
+            </a:r>
+            <a:r>
+              <a:rPr lang="en-US" sz="1800" kern="100" dirty="0">
+                <a:effectLst/>
+                <a:latin typeface="Tahoma" panose="020B0604030504040204" pitchFamily="34" charset="0"/>
+                <a:ea typeface="Tahoma" panose="020B0604030504040204" pitchFamily="34" charset="0"/>
+                <a:cs typeface="Tahoma" panose="020B0604030504040204" pitchFamily="34" charset="0"/>
+              </a:rPr>
+              <a:t> </a:t>
+            </a:r>
+            <a:r>
+              <a:rPr lang="en-US" sz="1800" kern="100" dirty="0" err="1">
+                <a:effectLst/>
+                <a:latin typeface="Tahoma" panose="020B0604030504040204" pitchFamily="34" charset="0"/>
+                <a:ea typeface="Tahoma" panose="020B0604030504040204" pitchFamily="34" charset="0"/>
+                <a:cs typeface="Tahoma" panose="020B0604030504040204" pitchFamily="34" charset="0"/>
+              </a:rPr>
+              <a:t>các</a:t>
+            </a:r>
+            <a:r>
+              <a:rPr lang="en-US" sz="1800" kern="100" dirty="0">
+                <a:effectLst/>
+                <a:latin typeface="Tahoma" panose="020B0604030504040204" pitchFamily="34" charset="0"/>
+                <a:ea typeface="Tahoma" panose="020B0604030504040204" pitchFamily="34" charset="0"/>
+                <a:cs typeface="Tahoma" panose="020B0604030504040204" pitchFamily="34" charset="0"/>
+              </a:rPr>
+              <a:t> </a:t>
+            </a:r>
+            <a:r>
+              <a:rPr lang="en-US" sz="1800" kern="100" dirty="0" err="1">
+                <a:effectLst/>
+                <a:latin typeface="Tahoma" panose="020B0604030504040204" pitchFamily="34" charset="0"/>
+                <a:ea typeface="Tahoma" panose="020B0604030504040204" pitchFamily="34" charset="0"/>
+                <a:cs typeface="Tahoma" panose="020B0604030504040204" pitchFamily="34" charset="0"/>
+              </a:rPr>
+              <a:t>phương</a:t>
+            </a:r>
+            <a:r>
+              <a:rPr lang="en-US" sz="1800" kern="100" dirty="0">
+                <a:effectLst/>
+                <a:latin typeface="Tahoma" panose="020B0604030504040204" pitchFamily="34" charset="0"/>
+                <a:ea typeface="Tahoma" panose="020B0604030504040204" pitchFamily="34" charset="0"/>
+                <a:cs typeface="Tahoma" panose="020B0604030504040204" pitchFamily="34" charset="0"/>
+              </a:rPr>
+              <a:t> </a:t>
+            </a:r>
+            <a:r>
+              <a:rPr lang="en-US" sz="1800" kern="100" dirty="0" err="1">
+                <a:effectLst/>
+                <a:latin typeface="Tahoma" panose="020B0604030504040204" pitchFamily="34" charset="0"/>
+                <a:ea typeface="Tahoma" panose="020B0604030504040204" pitchFamily="34" charset="0"/>
+                <a:cs typeface="Tahoma" panose="020B0604030504040204" pitchFamily="34" charset="0"/>
+              </a:rPr>
+              <a:t>thức</a:t>
+            </a:r>
+            <a:r>
+              <a:rPr lang="en-US" sz="1800" kern="100" dirty="0">
+                <a:effectLst/>
+                <a:latin typeface="Tahoma" panose="020B0604030504040204" pitchFamily="34" charset="0"/>
+                <a:ea typeface="Tahoma" panose="020B0604030504040204" pitchFamily="34" charset="0"/>
+                <a:cs typeface="Tahoma" panose="020B0604030504040204" pitchFamily="34" charset="0"/>
+              </a:rPr>
+              <a:t> </a:t>
+            </a:r>
+            <a:r>
+              <a:rPr lang="en-US" sz="1800" kern="100" dirty="0" err="1">
+                <a:effectLst/>
+                <a:latin typeface="Tahoma" panose="020B0604030504040204" pitchFamily="34" charset="0"/>
+                <a:ea typeface="Tahoma" panose="020B0604030504040204" pitchFamily="34" charset="0"/>
+                <a:cs typeface="Tahoma" panose="020B0604030504040204" pitchFamily="34" charset="0"/>
+              </a:rPr>
+              <a:t>để</a:t>
+            </a:r>
+            <a:r>
+              <a:rPr lang="en-US" sz="1800" kern="100" dirty="0">
+                <a:effectLst/>
+                <a:latin typeface="Tahoma" panose="020B0604030504040204" pitchFamily="34" charset="0"/>
+                <a:ea typeface="Tahoma" panose="020B0604030504040204" pitchFamily="34" charset="0"/>
+                <a:cs typeface="Tahoma" panose="020B0604030504040204" pitchFamily="34" charset="0"/>
+              </a:rPr>
+              <a:t> </a:t>
+            </a:r>
+            <a:r>
+              <a:rPr lang="en-US" sz="1800" kern="100" dirty="0" err="1">
+                <a:effectLst/>
+                <a:latin typeface="Tahoma" panose="020B0604030504040204" pitchFamily="34" charset="0"/>
+                <a:ea typeface="Tahoma" panose="020B0604030504040204" pitchFamily="34" charset="0"/>
+                <a:cs typeface="Tahoma" panose="020B0604030504040204" pitchFamily="34" charset="0"/>
+              </a:rPr>
+              <a:t>truy</a:t>
+            </a:r>
+            <a:r>
+              <a:rPr lang="en-US" sz="1800" kern="100" dirty="0">
+                <a:effectLst/>
+                <a:latin typeface="Tahoma" panose="020B0604030504040204" pitchFamily="34" charset="0"/>
+                <a:ea typeface="Tahoma" panose="020B0604030504040204" pitchFamily="34" charset="0"/>
+                <a:cs typeface="Tahoma" panose="020B0604030504040204" pitchFamily="34" charset="0"/>
+              </a:rPr>
+              <a:t> </a:t>
+            </a:r>
+            <a:r>
+              <a:rPr lang="en-US" sz="1800" kern="100" dirty="0" err="1">
+                <a:effectLst/>
+                <a:latin typeface="Tahoma" panose="020B0604030504040204" pitchFamily="34" charset="0"/>
+                <a:ea typeface="Tahoma" panose="020B0604030504040204" pitchFamily="34" charset="0"/>
+                <a:cs typeface="Tahoma" panose="020B0604030504040204" pitchFamily="34" charset="0"/>
+              </a:rPr>
+              <a:t>vấn</a:t>
+            </a:r>
+            <a:r>
+              <a:rPr lang="en-US" sz="1800" kern="100" dirty="0">
+                <a:effectLst/>
+                <a:latin typeface="Tahoma" panose="020B0604030504040204" pitchFamily="34" charset="0"/>
+                <a:ea typeface="Tahoma" panose="020B0604030504040204" pitchFamily="34" charset="0"/>
+                <a:cs typeface="Tahoma" panose="020B0604030504040204" pitchFamily="34" charset="0"/>
+              </a:rPr>
+              <a:t>, </a:t>
+            </a:r>
+            <a:r>
+              <a:rPr lang="en-US" sz="1800" kern="100" dirty="0" err="1">
+                <a:effectLst/>
+                <a:latin typeface="Tahoma" panose="020B0604030504040204" pitchFamily="34" charset="0"/>
+                <a:ea typeface="Tahoma" panose="020B0604030504040204" pitchFamily="34" charset="0"/>
+                <a:cs typeface="Tahoma" panose="020B0604030504040204" pitchFamily="34" charset="0"/>
+              </a:rPr>
+              <a:t>cập</a:t>
+            </a:r>
+            <a:r>
+              <a:rPr lang="en-US" sz="1800" kern="100" dirty="0">
+                <a:effectLst/>
+                <a:latin typeface="Tahoma" panose="020B0604030504040204" pitchFamily="34" charset="0"/>
+                <a:ea typeface="Tahoma" panose="020B0604030504040204" pitchFamily="34" charset="0"/>
+                <a:cs typeface="Tahoma" panose="020B0604030504040204" pitchFamily="34" charset="0"/>
+              </a:rPr>
+              <a:t> </a:t>
+            </a:r>
+            <a:r>
+              <a:rPr lang="en-US" sz="1800" kern="100" dirty="0" err="1">
+                <a:effectLst/>
+                <a:latin typeface="Tahoma" panose="020B0604030504040204" pitchFamily="34" charset="0"/>
+                <a:ea typeface="Tahoma" panose="020B0604030504040204" pitchFamily="34" charset="0"/>
+                <a:cs typeface="Tahoma" panose="020B0604030504040204" pitchFamily="34" charset="0"/>
+              </a:rPr>
+              <a:t>nhật</a:t>
+            </a:r>
+            <a:r>
+              <a:rPr lang="en-US" sz="1800" kern="100" dirty="0">
+                <a:effectLst/>
+                <a:latin typeface="Tahoma" panose="020B0604030504040204" pitchFamily="34" charset="0"/>
+                <a:ea typeface="Tahoma" panose="020B0604030504040204" pitchFamily="34" charset="0"/>
+                <a:cs typeface="Tahoma" panose="020B0604030504040204" pitchFamily="34" charset="0"/>
+              </a:rPr>
+              <a:t> </a:t>
+            </a:r>
+            <a:r>
+              <a:rPr lang="en-US" sz="1800" kern="100" dirty="0" err="1">
+                <a:effectLst/>
+                <a:latin typeface="Tahoma" panose="020B0604030504040204" pitchFamily="34" charset="0"/>
+                <a:ea typeface="Tahoma" panose="020B0604030504040204" pitchFamily="34" charset="0"/>
+                <a:cs typeface="Tahoma" panose="020B0604030504040204" pitchFamily="34" charset="0"/>
+              </a:rPr>
+              <a:t>dữ</a:t>
+            </a:r>
+            <a:r>
+              <a:rPr lang="en-US" sz="1800" kern="100" dirty="0">
+                <a:effectLst/>
+                <a:latin typeface="Tahoma" panose="020B0604030504040204" pitchFamily="34" charset="0"/>
+                <a:ea typeface="Tahoma" panose="020B0604030504040204" pitchFamily="34" charset="0"/>
+                <a:cs typeface="Tahoma" panose="020B0604030504040204" pitchFamily="34" charset="0"/>
+              </a:rPr>
+              <a:t> </a:t>
+            </a:r>
+            <a:r>
+              <a:rPr lang="en-US" sz="1800" kern="100" dirty="0" err="1">
+                <a:effectLst/>
+                <a:latin typeface="Tahoma" panose="020B0604030504040204" pitchFamily="34" charset="0"/>
+                <a:ea typeface="Tahoma" panose="020B0604030504040204" pitchFamily="34" charset="0"/>
+                <a:cs typeface="Tahoma" panose="020B0604030504040204" pitchFamily="34" charset="0"/>
+              </a:rPr>
+              <a:t>liệu</a:t>
+            </a:r>
+            <a:r>
+              <a:rPr lang="en-US" sz="1800" kern="100" dirty="0">
+                <a:effectLst/>
+                <a:latin typeface="Tahoma" panose="020B0604030504040204" pitchFamily="34" charset="0"/>
+                <a:ea typeface="Tahoma" panose="020B0604030504040204" pitchFamily="34" charset="0"/>
+                <a:cs typeface="Tahoma" panose="020B0604030504040204" pitchFamily="34" charset="0"/>
+              </a:rPr>
+              <a:t> </a:t>
+            </a:r>
+            <a:r>
+              <a:rPr lang="en-US" sz="1800" kern="100" dirty="0" err="1">
+                <a:effectLst/>
+                <a:latin typeface="Tahoma" panose="020B0604030504040204" pitchFamily="34" charset="0"/>
+                <a:ea typeface="Tahoma" panose="020B0604030504040204" pitchFamily="34" charset="0"/>
+                <a:cs typeface="Tahoma" panose="020B0604030504040204" pitchFamily="34" charset="0"/>
+              </a:rPr>
+              <a:t>sản</a:t>
+            </a:r>
+            <a:r>
+              <a:rPr lang="en-US" sz="1800" kern="100" dirty="0">
+                <a:effectLst/>
+                <a:latin typeface="Tahoma" panose="020B0604030504040204" pitchFamily="34" charset="0"/>
+                <a:ea typeface="Tahoma" panose="020B0604030504040204" pitchFamily="34" charset="0"/>
+                <a:cs typeface="Tahoma" panose="020B0604030504040204" pitchFamily="34" charset="0"/>
+              </a:rPr>
+              <a:t> </a:t>
+            </a:r>
+            <a:r>
+              <a:rPr lang="en-US" sz="1800" kern="100" dirty="0" err="1">
+                <a:effectLst/>
+                <a:latin typeface="Tahoma" panose="020B0604030504040204" pitchFamily="34" charset="0"/>
+                <a:ea typeface="Tahoma" panose="020B0604030504040204" pitchFamily="34" charset="0"/>
+                <a:cs typeface="Tahoma" panose="020B0604030504040204" pitchFamily="34" charset="0"/>
+              </a:rPr>
+              <a:t>phẩm</a:t>
+            </a:r>
+            <a:r>
+              <a:rPr lang="en-US" sz="1800" kern="100" dirty="0">
+                <a:effectLst/>
+                <a:latin typeface="Tahoma" panose="020B0604030504040204" pitchFamily="34" charset="0"/>
+                <a:ea typeface="Tahoma" panose="020B0604030504040204" pitchFamily="34" charset="0"/>
+                <a:cs typeface="Tahoma" panose="020B0604030504040204" pitchFamily="34" charset="0"/>
+              </a:rPr>
+              <a:t> </a:t>
+            </a:r>
+            <a:r>
+              <a:rPr lang="en-US" sz="1800" kern="100" dirty="0" err="1">
+                <a:effectLst/>
+                <a:latin typeface="Tahoma" panose="020B0604030504040204" pitchFamily="34" charset="0"/>
+                <a:ea typeface="Tahoma" panose="020B0604030504040204" pitchFamily="34" charset="0"/>
+                <a:cs typeface="Tahoma" panose="020B0604030504040204" pitchFamily="34" charset="0"/>
+              </a:rPr>
+              <a:t>từ</a:t>
+            </a:r>
+            <a:r>
+              <a:rPr lang="en-US" sz="1800" kern="100" dirty="0">
+                <a:effectLst/>
+                <a:latin typeface="Tahoma" panose="020B0604030504040204" pitchFamily="34" charset="0"/>
+                <a:ea typeface="Tahoma" panose="020B0604030504040204" pitchFamily="34" charset="0"/>
+                <a:cs typeface="Tahoma" panose="020B0604030504040204" pitchFamily="34" charset="0"/>
+              </a:rPr>
+              <a:t> </a:t>
+            </a:r>
+            <a:r>
+              <a:rPr lang="en-US" sz="1800" kern="100" dirty="0" err="1">
+                <a:effectLst/>
+                <a:latin typeface="Tahoma" panose="020B0604030504040204" pitchFamily="34" charset="0"/>
+                <a:ea typeface="Tahoma" panose="020B0604030504040204" pitchFamily="34" charset="0"/>
+                <a:cs typeface="Tahoma" panose="020B0604030504040204" pitchFamily="34" charset="0"/>
+              </a:rPr>
+              <a:t>cơ</a:t>
+            </a:r>
+            <a:r>
+              <a:rPr lang="en-US" sz="1800" kern="100" dirty="0">
+                <a:effectLst/>
+                <a:latin typeface="Tahoma" panose="020B0604030504040204" pitchFamily="34" charset="0"/>
+                <a:ea typeface="Tahoma" panose="020B0604030504040204" pitchFamily="34" charset="0"/>
+                <a:cs typeface="Tahoma" panose="020B0604030504040204" pitchFamily="34" charset="0"/>
+              </a:rPr>
+              <a:t> </a:t>
+            </a:r>
+            <a:r>
+              <a:rPr lang="en-US" sz="1800" kern="100" dirty="0" err="1">
+                <a:effectLst/>
+                <a:latin typeface="Tahoma" panose="020B0604030504040204" pitchFamily="34" charset="0"/>
+                <a:ea typeface="Tahoma" panose="020B0604030504040204" pitchFamily="34" charset="0"/>
+                <a:cs typeface="Tahoma" panose="020B0604030504040204" pitchFamily="34" charset="0"/>
+              </a:rPr>
+              <a:t>sở</a:t>
+            </a:r>
+            <a:r>
+              <a:rPr lang="en-US" sz="1800" kern="100" dirty="0">
+                <a:effectLst/>
+                <a:latin typeface="Tahoma" panose="020B0604030504040204" pitchFamily="34" charset="0"/>
+                <a:ea typeface="Tahoma" panose="020B0604030504040204" pitchFamily="34" charset="0"/>
+                <a:cs typeface="Tahoma" panose="020B0604030504040204" pitchFamily="34" charset="0"/>
+              </a:rPr>
+              <a:t> </a:t>
+            </a:r>
+            <a:r>
+              <a:rPr lang="en-US" sz="1800" kern="100" dirty="0" err="1">
+                <a:effectLst/>
+                <a:latin typeface="Tahoma" panose="020B0604030504040204" pitchFamily="34" charset="0"/>
+                <a:ea typeface="Tahoma" panose="020B0604030504040204" pitchFamily="34" charset="0"/>
+                <a:cs typeface="Tahoma" panose="020B0604030504040204" pitchFamily="34" charset="0"/>
+              </a:rPr>
+              <a:t>dữ</a:t>
+            </a:r>
+            <a:r>
+              <a:rPr lang="en-US" sz="1800" kern="100" dirty="0">
+                <a:effectLst/>
+                <a:latin typeface="Tahoma" panose="020B0604030504040204" pitchFamily="34" charset="0"/>
+                <a:ea typeface="Tahoma" panose="020B0604030504040204" pitchFamily="34" charset="0"/>
+                <a:cs typeface="Tahoma" panose="020B0604030504040204" pitchFamily="34" charset="0"/>
+              </a:rPr>
+              <a:t> </a:t>
+            </a:r>
+            <a:r>
+              <a:rPr lang="en-US" sz="1800" kern="100" dirty="0" err="1">
+                <a:effectLst/>
+                <a:latin typeface="Tahoma" panose="020B0604030504040204" pitchFamily="34" charset="0"/>
+                <a:ea typeface="Tahoma" panose="020B0604030504040204" pitchFamily="34" charset="0"/>
+                <a:cs typeface="Tahoma" panose="020B0604030504040204" pitchFamily="34" charset="0"/>
+              </a:rPr>
+              <a:t>liệu</a:t>
+            </a:r>
+            <a:r>
+              <a:rPr lang="en-US" sz="1800" kern="100" dirty="0">
+                <a:effectLst/>
+                <a:latin typeface="Tahoma" panose="020B0604030504040204" pitchFamily="34" charset="0"/>
+                <a:ea typeface="Tahoma" panose="020B0604030504040204" pitchFamily="34" charset="0"/>
+                <a:cs typeface="Tahoma" panose="020B0604030504040204" pitchFamily="34" charset="0"/>
+              </a:rPr>
+              <a:t>.</a:t>
+            </a:r>
+            <a:endParaRPr lang="en-US" sz="1400" kern="100" dirty="0">
+              <a:effectLst/>
+              <a:latin typeface="Tahoma" panose="020B0604030504040204" pitchFamily="34" charset="0"/>
+              <a:ea typeface="Tahoma" panose="020B0604030504040204" pitchFamily="34" charset="0"/>
+              <a:cs typeface="Tahoma" panose="020B0604030504040204" pitchFamily="34" charset="0"/>
+            </a:endParaRPr>
+          </a:p>
+          <a:p>
+            <a:pPr marL="342900" lvl="0" indent="-342900" algn="just">
+              <a:lnSpc>
+                <a:spcPct val="150000"/>
+              </a:lnSpc>
+              <a:spcAft>
+                <a:spcPts val="600"/>
+              </a:spcAft>
+              <a:buSzPts val="1000"/>
+              <a:buFont typeface="Symbol" panose="05050102010706020507" pitchFamily="18" charset="2"/>
+              <a:buChar char=""/>
+              <a:tabLst>
+                <a:tab pos="457200" algn="l"/>
+              </a:tabLst>
+            </a:pPr>
+            <a:r>
+              <a:rPr lang="en-US" sz="1800" b="1" kern="100" dirty="0">
+                <a:effectLst/>
+                <a:latin typeface="Tahoma" panose="020B0604030504040204" pitchFamily="34" charset="0"/>
+                <a:ea typeface="Tahoma" panose="020B0604030504040204" pitchFamily="34" charset="0"/>
+                <a:cs typeface="Tahoma" panose="020B0604030504040204" pitchFamily="34" charset="0"/>
+              </a:rPr>
+              <a:t>View (Giao </a:t>
+            </a:r>
+            <a:r>
+              <a:rPr lang="en-US" sz="1800" b="1" kern="100" dirty="0" err="1">
+                <a:effectLst/>
+                <a:latin typeface="Tahoma" panose="020B0604030504040204" pitchFamily="34" charset="0"/>
+                <a:ea typeface="Tahoma" panose="020B0604030504040204" pitchFamily="34" charset="0"/>
+                <a:cs typeface="Tahoma" panose="020B0604030504040204" pitchFamily="34" charset="0"/>
+              </a:rPr>
+              <a:t>diện</a:t>
+            </a:r>
+            <a:r>
+              <a:rPr lang="en-US" sz="1800" b="1" kern="100" dirty="0">
+                <a:effectLst/>
+                <a:latin typeface="Tahoma" panose="020B0604030504040204" pitchFamily="34" charset="0"/>
+                <a:ea typeface="Tahoma" panose="020B0604030504040204" pitchFamily="34" charset="0"/>
+                <a:cs typeface="Tahoma" panose="020B0604030504040204" pitchFamily="34" charset="0"/>
+              </a:rPr>
+              <a:t>):</a:t>
+            </a:r>
+            <a:r>
+              <a:rPr lang="en-US" sz="1800" kern="100" dirty="0">
+                <a:effectLst/>
+                <a:latin typeface="Tahoma" panose="020B0604030504040204" pitchFamily="34" charset="0"/>
+                <a:ea typeface="Tahoma" panose="020B0604030504040204" pitchFamily="34" charset="0"/>
+                <a:cs typeface="Tahoma" panose="020B0604030504040204" pitchFamily="34" charset="0"/>
+              </a:rPr>
+              <a:t> </a:t>
+            </a:r>
+            <a:r>
+              <a:rPr lang="en-US" sz="1800" kern="100" dirty="0" err="1">
+                <a:effectLst/>
+                <a:latin typeface="Tahoma" panose="020B0604030504040204" pitchFamily="34" charset="0"/>
+                <a:ea typeface="Tahoma" panose="020B0604030504040204" pitchFamily="34" charset="0"/>
+                <a:cs typeface="Tahoma" panose="020B0604030504040204" pitchFamily="34" charset="0"/>
+              </a:rPr>
+              <a:t>Hiển</a:t>
+            </a:r>
+            <a:r>
+              <a:rPr lang="en-US" sz="1800" kern="100" dirty="0">
+                <a:effectLst/>
+                <a:latin typeface="Tahoma" panose="020B0604030504040204" pitchFamily="34" charset="0"/>
+                <a:ea typeface="Tahoma" panose="020B0604030504040204" pitchFamily="34" charset="0"/>
+                <a:cs typeface="Tahoma" panose="020B0604030504040204" pitchFamily="34" charset="0"/>
+              </a:rPr>
+              <a:t> </a:t>
+            </a:r>
+            <a:r>
+              <a:rPr lang="en-US" sz="1800" kern="100" dirty="0" err="1">
+                <a:effectLst/>
+                <a:latin typeface="Tahoma" panose="020B0604030504040204" pitchFamily="34" charset="0"/>
+                <a:ea typeface="Tahoma" panose="020B0604030504040204" pitchFamily="34" charset="0"/>
+                <a:cs typeface="Tahoma" panose="020B0604030504040204" pitchFamily="34" charset="0"/>
+              </a:rPr>
+              <a:t>thị</a:t>
+            </a:r>
+            <a:r>
+              <a:rPr lang="en-US" sz="1800" kern="100" dirty="0">
+                <a:effectLst/>
+                <a:latin typeface="Tahoma" panose="020B0604030504040204" pitchFamily="34" charset="0"/>
+                <a:ea typeface="Tahoma" panose="020B0604030504040204" pitchFamily="34" charset="0"/>
+                <a:cs typeface="Tahoma" panose="020B0604030504040204" pitchFamily="34" charset="0"/>
+              </a:rPr>
+              <a:t> </a:t>
+            </a:r>
+            <a:r>
+              <a:rPr lang="en-US" sz="1800" kern="100" dirty="0" err="1">
+                <a:effectLst/>
+                <a:latin typeface="Tahoma" panose="020B0604030504040204" pitchFamily="34" charset="0"/>
+                <a:ea typeface="Tahoma" panose="020B0604030504040204" pitchFamily="34" charset="0"/>
+                <a:cs typeface="Tahoma" panose="020B0604030504040204" pitchFamily="34" charset="0"/>
+              </a:rPr>
+              <a:t>dữ</a:t>
+            </a:r>
+            <a:r>
+              <a:rPr lang="en-US" sz="1800" kern="100" dirty="0">
+                <a:effectLst/>
+                <a:latin typeface="Tahoma" panose="020B0604030504040204" pitchFamily="34" charset="0"/>
+                <a:ea typeface="Tahoma" panose="020B0604030504040204" pitchFamily="34" charset="0"/>
+                <a:cs typeface="Tahoma" panose="020B0604030504040204" pitchFamily="34" charset="0"/>
+              </a:rPr>
+              <a:t> </a:t>
+            </a:r>
+            <a:r>
+              <a:rPr lang="en-US" sz="1800" kern="100" dirty="0" err="1">
+                <a:effectLst/>
+                <a:latin typeface="Tahoma" panose="020B0604030504040204" pitchFamily="34" charset="0"/>
+                <a:ea typeface="Tahoma" panose="020B0604030504040204" pitchFamily="34" charset="0"/>
+                <a:cs typeface="Tahoma" panose="020B0604030504040204" pitchFamily="34" charset="0"/>
+              </a:rPr>
+              <a:t>liệu</a:t>
+            </a:r>
+            <a:r>
+              <a:rPr lang="en-US" sz="1800" kern="100" dirty="0">
+                <a:effectLst/>
+                <a:latin typeface="Tahoma" panose="020B0604030504040204" pitchFamily="34" charset="0"/>
+                <a:ea typeface="Tahoma" panose="020B0604030504040204" pitchFamily="34" charset="0"/>
+                <a:cs typeface="Tahoma" panose="020B0604030504040204" pitchFamily="34" charset="0"/>
+              </a:rPr>
+              <a:t> </a:t>
+            </a:r>
+            <a:r>
+              <a:rPr lang="en-US" sz="1800" kern="100" dirty="0" err="1">
+                <a:effectLst/>
+                <a:latin typeface="Tahoma" panose="020B0604030504040204" pitchFamily="34" charset="0"/>
+                <a:ea typeface="Tahoma" panose="020B0604030504040204" pitchFamily="34" charset="0"/>
+                <a:cs typeface="Tahoma" panose="020B0604030504040204" pitchFamily="34" charset="0"/>
+              </a:rPr>
+              <a:t>cho</a:t>
+            </a:r>
+            <a:r>
+              <a:rPr lang="en-US" sz="1800" kern="100" dirty="0">
+                <a:effectLst/>
+                <a:latin typeface="Tahoma" panose="020B0604030504040204" pitchFamily="34" charset="0"/>
+                <a:ea typeface="Tahoma" panose="020B0604030504040204" pitchFamily="34" charset="0"/>
+                <a:cs typeface="Tahoma" panose="020B0604030504040204" pitchFamily="34" charset="0"/>
+              </a:rPr>
+              <a:t> </a:t>
+            </a:r>
+            <a:r>
+              <a:rPr lang="en-US" sz="1800" kern="100" dirty="0" err="1">
+                <a:effectLst/>
+                <a:latin typeface="Tahoma" panose="020B0604030504040204" pitchFamily="34" charset="0"/>
+                <a:ea typeface="Tahoma" panose="020B0604030504040204" pitchFamily="34" charset="0"/>
+                <a:cs typeface="Tahoma" panose="020B0604030504040204" pitchFamily="34" charset="0"/>
+              </a:rPr>
+              <a:t>người</a:t>
+            </a:r>
+            <a:r>
+              <a:rPr lang="en-US" sz="1800" kern="100" dirty="0">
+                <a:effectLst/>
+                <a:latin typeface="Tahoma" panose="020B0604030504040204" pitchFamily="34" charset="0"/>
+                <a:ea typeface="Tahoma" panose="020B0604030504040204" pitchFamily="34" charset="0"/>
+                <a:cs typeface="Tahoma" panose="020B0604030504040204" pitchFamily="34" charset="0"/>
+              </a:rPr>
+              <a:t> </a:t>
+            </a:r>
+            <a:r>
+              <a:rPr lang="en-US" sz="1800" kern="100" dirty="0" err="1">
+                <a:effectLst/>
+                <a:latin typeface="Tahoma" panose="020B0604030504040204" pitchFamily="34" charset="0"/>
+                <a:ea typeface="Tahoma" panose="020B0604030504040204" pitchFamily="34" charset="0"/>
+                <a:cs typeface="Tahoma" panose="020B0604030504040204" pitchFamily="34" charset="0"/>
+              </a:rPr>
+              <a:t>dùng</a:t>
+            </a:r>
+            <a:r>
+              <a:rPr lang="en-US" sz="1800" kern="100" dirty="0">
+                <a:effectLst/>
+                <a:latin typeface="Tahoma" panose="020B0604030504040204" pitchFamily="34" charset="0"/>
+                <a:ea typeface="Tahoma" panose="020B0604030504040204" pitchFamily="34" charset="0"/>
+                <a:cs typeface="Tahoma" panose="020B0604030504040204" pitchFamily="34" charset="0"/>
+              </a:rPr>
+              <a:t> (</a:t>
+            </a:r>
+            <a:r>
+              <a:rPr lang="en-US" sz="1800" kern="100" dirty="0" err="1">
+                <a:effectLst/>
+                <a:latin typeface="Tahoma" panose="020B0604030504040204" pitchFamily="34" charset="0"/>
+                <a:ea typeface="Tahoma" panose="020B0604030504040204" pitchFamily="34" charset="0"/>
+                <a:cs typeface="Tahoma" panose="020B0604030504040204" pitchFamily="34" charset="0"/>
+              </a:rPr>
+              <a:t>ví</a:t>
+            </a:r>
+            <a:r>
+              <a:rPr lang="en-US" sz="1800" kern="100" dirty="0">
+                <a:effectLst/>
+                <a:latin typeface="Tahoma" panose="020B0604030504040204" pitchFamily="34" charset="0"/>
+                <a:ea typeface="Tahoma" panose="020B0604030504040204" pitchFamily="34" charset="0"/>
+                <a:cs typeface="Tahoma" panose="020B0604030504040204" pitchFamily="34" charset="0"/>
+              </a:rPr>
+              <a:t> </a:t>
+            </a:r>
+            <a:r>
+              <a:rPr lang="en-US" sz="1800" kern="100" dirty="0" err="1">
+                <a:effectLst/>
+                <a:latin typeface="Tahoma" panose="020B0604030504040204" pitchFamily="34" charset="0"/>
+                <a:ea typeface="Tahoma" panose="020B0604030504040204" pitchFamily="34" charset="0"/>
+                <a:cs typeface="Tahoma" panose="020B0604030504040204" pitchFamily="34" charset="0"/>
+              </a:rPr>
+              <a:t>dụ</a:t>
+            </a:r>
+            <a:r>
+              <a:rPr lang="en-US" sz="1800" kern="100" dirty="0">
+                <a:effectLst/>
+                <a:latin typeface="Tahoma" panose="020B0604030504040204" pitchFamily="34" charset="0"/>
+                <a:ea typeface="Tahoma" panose="020B0604030504040204" pitchFamily="34" charset="0"/>
+                <a:cs typeface="Tahoma" panose="020B0604030504040204" pitchFamily="34" charset="0"/>
+              </a:rPr>
+              <a:t>: HTML, JSON). View </a:t>
+            </a:r>
+            <a:r>
+              <a:rPr lang="en-US" sz="1800" kern="100" dirty="0" err="1">
+                <a:effectLst/>
+                <a:latin typeface="Tahoma" panose="020B0604030504040204" pitchFamily="34" charset="0"/>
+                <a:ea typeface="Tahoma" panose="020B0604030504040204" pitchFamily="34" charset="0"/>
+                <a:cs typeface="Tahoma" panose="020B0604030504040204" pitchFamily="34" charset="0"/>
+              </a:rPr>
+              <a:t>sẽ</a:t>
+            </a:r>
+            <a:r>
+              <a:rPr lang="en-US" sz="1800" kern="100" dirty="0">
+                <a:effectLst/>
+                <a:latin typeface="Tahoma" panose="020B0604030504040204" pitchFamily="34" charset="0"/>
+                <a:ea typeface="Tahoma" panose="020B0604030504040204" pitchFamily="34" charset="0"/>
+                <a:cs typeface="Tahoma" panose="020B0604030504040204" pitchFamily="34" charset="0"/>
+              </a:rPr>
+              <a:t> </a:t>
+            </a:r>
+            <a:r>
+              <a:rPr lang="en-US" sz="1800" kern="100" dirty="0" err="1">
+                <a:effectLst/>
+                <a:latin typeface="Tahoma" panose="020B0604030504040204" pitchFamily="34" charset="0"/>
+                <a:ea typeface="Tahoma" panose="020B0604030504040204" pitchFamily="34" charset="0"/>
+                <a:cs typeface="Tahoma" panose="020B0604030504040204" pitchFamily="34" charset="0"/>
+              </a:rPr>
+              <a:t>hiển</a:t>
+            </a:r>
+            <a:r>
+              <a:rPr lang="en-US" sz="1800" kern="100" dirty="0">
+                <a:effectLst/>
+                <a:latin typeface="Tahoma" panose="020B0604030504040204" pitchFamily="34" charset="0"/>
+                <a:ea typeface="Tahoma" panose="020B0604030504040204" pitchFamily="34" charset="0"/>
+                <a:cs typeface="Tahoma" panose="020B0604030504040204" pitchFamily="34" charset="0"/>
+              </a:rPr>
+              <a:t> </a:t>
+            </a:r>
+            <a:r>
+              <a:rPr lang="en-US" sz="1800" kern="100" dirty="0" err="1">
+                <a:effectLst/>
+                <a:latin typeface="Tahoma" panose="020B0604030504040204" pitchFamily="34" charset="0"/>
+                <a:ea typeface="Tahoma" panose="020B0604030504040204" pitchFamily="34" charset="0"/>
+                <a:cs typeface="Tahoma" panose="020B0604030504040204" pitchFamily="34" charset="0"/>
+              </a:rPr>
+              <a:t>thị</a:t>
+            </a:r>
+            <a:r>
+              <a:rPr lang="en-US" sz="1800" kern="100" dirty="0">
+                <a:effectLst/>
+                <a:latin typeface="Tahoma" panose="020B0604030504040204" pitchFamily="34" charset="0"/>
+                <a:ea typeface="Tahoma" panose="020B0604030504040204" pitchFamily="34" charset="0"/>
+                <a:cs typeface="Tahoma" panose="020B0604030504040204" pitchFamily="34" charset="0"/>
+              </a:rPr>
+              <a:t> </a:t>
+            </a:r>
+            <a:r>
+              <a:rPr lang="en-US" sz="1800" kern="100" dirty="0" err="1">
+                <a:effectLst/>
+                <a:latin typeface="Tahoma" panose="020B0604030504040204" pitchFamily="34" charset="0"/>
+                <a:ea typeface="Tahoma" panose="020B0604030504040204" pitchFamily="34" charset="0"/>
+                <a:cs typeface="Tahoma" panose="020B0604030504040204" pitchFamily="34" charset="0"/>
+              </a:rPr>
+              <a:t>danh</a:t>
+            </a:r>
+            <a:r>
+              <a:rPr lang="en-US" sz="1800" kern="100" dirty="0">
+                <a:effectLst/>
+                <a:latin typeface="Tahoma" panose="020B0604030504040204" pitchFamily="34" charset="0"/>
+                <a:ea typeface="Tahoma" panose="020B0604030504040204" pitchFamily="34" charset="0"/>
+                <a:cs typeface="Tahoma" panose="020B0604030504040204" pitchFamily="34" charset="0"/>
+              </a:rPr>
+              <a:t> </a:t>
+            </a:r>
+            <a:r>
+              <a:rPr lang="en-US" sz="1800" kern="100" dirty="0" err="1">
+                <a:effectLst/>
+                <a:latin typeface="Tahoma" panose="020B0604030504040204" pitchFamily="34" charset="0"/>
+                <a:ea typeface="Tahoma" panose="020B0604030504040204" pitchFamily="34" charset="0"/>
+                <a:cs typeface="Tahoma" panose="020B0604030504040204" pitchFamily="34" charset="0"/>
+              </a:rPr>
+              <a:t>sách</a:t>
+            </a:r>
+            <a:r>
+              <a:rPr lang="en-US" sz="1800" kern="100" dirty="0">
+                <a:effectLst/>
+                <a:latin typeface="Tahoma" panose="020B0604030504040204" pitchFamily="34" charset="0"/>
+                <a:ea typeface="Tahoma" panose="020B0604030504040204" pitchFamily="34" charset="0"/>
+                <a:cs typeface="Tahoma" panose="020B0604030504040204" pitchFamily="34" charset="0"/>
+              </a:rPr>
+              <a:t> </a:t>
+            </a:r>
+            <a:r>
+              <a:rPr lang="en-US" sz="1800" kern="100" dirty="0" err="1">
+                <a:effectLst/>
+                <a:latin typeface="Tahoma" panose="020B0604030504040204" pitchFamily="34" charset="0"/>
+                <a:ea typeface="Tahoma" panose="020B0604030504040204" pitchFamily="34" charset="0"/>
+                <a:cs typeface="Tahoma" panose="020B0604030504040204" pitchFamily="34" charset="0"/>
+              </a:rPr>
+              <a:t>sản</a:t>
+            </a:r>
+            <a:r>
+              <a:rPr lang="en-US" sz="1800" kern="100" dirty="0">
+                <a:effectLst/>
+                <a:latin typeface="Tahoma" panose="020B0604030504040204" pitchFamily="34" charset="0"/>
+                <a:ea typeface="Tahoma" panose="020B0604030504040204" pitchFamily="34" charset="0"/>
+                <a:cs typeface="Tahoma" panose="020B0604030504040204" pitchFamily="34" charset="0"/>
+              </a:rPr>
+              <a:t> </a:t>
+            </a:r>
+            <a:r>
+              <a:rPr lang="en-US" sz="1800" kern="100" dirty="0" err="1">
+                <a:effectLst/>
+                <a:latin typeface="Tahoma" panose="020B0604030504040204" pitchFamily="34" charset="0"/>
+                <a:ea typeface="Tahoma" panose="020B0604030504040204" pitchFamily="34" charset="0"/>
+                <a:cs typeface="Tahoma" panose="020B0604030504040204" pitchFamily="34" charset="0"/>
+              </a:rPr>
+              <a:t>phẩm</a:t>
+            </a:r>
+            <a:r>
+              <a:rPr lang="en-US" sz="1800" kern="100" dirty="0">
+                <a:effectLst/>
+                <a:latin typeface="Tahoma" panose="020B0604030504040204" pitchFamily="34" charset="0"/>
+                <a:ea typeface="Tahoma" panose="020B0604030504040204" pitchFamily="34" charset="0"/>
+                <a:cs typeface="Tahoma" panose="020B0604030504040204" pitchFamily="34" charset="0"/>
+              </a:rPr>
+              <a:t>, chi </a:t>
+            </a:r>
+            <a:r>
+              <a:rPr lang="en-US" sz="1800" kern="100" dirty="0" err="1">
+                <a:effectLst/>
+                <a:latin typeface="Tahoma" panose="020B0604030504040204" pitchFamily="34" charset="0"/>
+                <a:ea typeface="Tahoma" panose="020B0604030504040204" pitchFamily="34" charset="0"/>
+                <a:cs typeface="Tahoma" panose="020B0604030504040204" pitchFamily="34" charset="0"/>
+              </a:rPr>
+              <a:t>tiết</a:t>
+            </a:r>
+            <a:r>
+              <a:rPr lang="en-US" sz="1800" kern="100" dirty="0">
+                <a:effectLst/>
+                <a:latin typeface="Tahoma" panose="020B0604030504040204" pitchFamily="34" charset="0"/>
+                <a:ea typeface="Tahoma" panose="020B0604030504040204" pitchFamily="34" charset="0"/>
+                <a:cs typeface="Tahoma" panose="020B0604030504040204" pitchFamily="34" charset="0"/>
+              </a:rPr>
+              <a:t> </a:t>
+            </a:r>
+            <a:r>
+              <a:rPr lang="en-US" sz="1800" kern="100" dirty="0" err="1">
+                <a:effectLst/>
+                <a:latin typeface="Tahoma" panose="020B0604030504040204" pitchFamily="34" charset="0"/>
+                <a:ea typeface="Tahoma" panose="020B0604030504040204" pitchFamily="34" charset="0"/>
+                <a:cs typeface="Tahoma" panose="020B0604030504040204" pitchFamily="34" charset="0"/>
+              </a:rPr>
+              <a:t>sản</a:t>
+            </a:r>
+            <a:r>
+              <a:rPr lang="en-US" sz="1800" kern="100" dirty="0">
+                <a:effectLst/>
+                <a:latin typeface="Tahoma" panose="020B0604030504040204" pitchFamily="34" charset="0"/>
+                <a:ea typeface="Tahoma" panose="020B0604030504040204" pitchFamily="34" charset="0"/>
+                <a:cs typeface="Tahoma" panose="020B0604030504040204" pitchFamily="34" charset="0"/>
+              </a:rPr>
+              <a:t> </a:t>
+            </a:r>
+            <a:r>
+              <a:rPr lang="en-US" sz="1800" kern="100" dirty="0" err="1">
+                <a:effectLst/>
+                <a:latin typeface="Tahoma" panose="020B0604030504040204" pitchFamily="34" charset="0"/>
+                <a:ea typeface="Tahoma" panose="020B0604030504040204" pitchFamily="34" charset="0"/>
+                <a:cs typeface="Tahoma" panose="020B0604030504040204" pitchFamily="34" charset="0"/>
+              </a:rPr>
+              <a:t>phẩm</a:t>
+            </a:r>
+            <a:r>
+              <a:rPr lang="en-US" sz="1800" kern="100" dirty="0">
+                <a:effectLst/>
+                <a:latin typeface="Tahoma" panose="020B0604030504040204" pitchFamily="34" charset="0"/>
+                <a:ea typeface="Tahoma" panose="020B0604030504040204" pitchFamily="34" charset="0"/>
+                <a:cs typeface="Tahoma" panose="020B0604030504040204" pitchFamily="34" charset="0"/>
+              </a:rPr>
+              <a:t> </a:t>
+            </a:r>
+            <a:r>
+              <a:rPr lang="en-US" sz="1800" kern="100" dirty="0" err="1">
+                <a:effectLst/>
+                <a:latin typeface="Tahoma" panose="020B0604030504040204" pitchFamily="34" charset="0"/>
+                <a:ea typeface="Tahoma" panose="020B0604030504040204" pitchFamily="34" charset="0"/>
+                <a:cs typeface="Tahoma" panose="020B0604030504040204" pitchFamily="34" charset="0"/>
+              </a:rPr>
+              <a:t>trên</a:t>
+            </a:r>
+            <a:r>
+              <a:rPr lang="en-US" sz="1800" kern="100" dirty="0">
+                <a:effectLst/>
+                <a:latin typeface="Tahoma" panose="020B0604030504040204" pitchFamily="34" charset="0"/>
+                <a:ea typeface="Tahoma" panose="020B0604030504040204" pitchFamily="34" charset="0"/>
+                <a:cs typeface="Tahoma" panose="020B0604030504040204" pitchFamily="34" charset="0"/>
+              </a:rPr>
+              <a:t> </a:t>
+            </a:r>
+            <a:r>
+              <a:rPr lang="en-US" sz="1800" kern="100" dirty="0" err="1">
+                <a:effectLst/>
+                <a:latin typeface="Tahoma" panose="020B0604030504040204" pitchFamily="34" charset="0"/>
+                <a:ea typeface="Tahoma" panose="020B0604030504040204" pitchFamily="34" charset="0"/>
+                <a:cs typeface="Tahoma" panose="020B0604030504040204" pitchFamily="34" charset="0"/>
+              </a:rPr>
+              <a:t>trang</a:t>
+            </a:r>
+            <a:r>
+              <a:rPr lang="en-US" sz="1800" kern="100" dirty="0">
+                <a:effectLst/>
+                <a:latin typeface="Tahoma" panose="020B0604030504040204" pitchFamily="34" charset="0"/>
+                <a:ea typeface="Tahoma" panose="020B0604030504040204" pitchFamily="34" charset="0"/>
+                <a:cs typeface="Tahoma" panose="020B0604030504040204" pitchFamily="34" charset="0"/>
+              </a:rPr>
+              <a:t> web.</a:t>
+            </a:r>
+            <a:endParaRPr lang="en-US" sz="1400" kern="100" dirty="0">
+              <a:effectLst/>
+              <a:latin typeface="Tahoma" panose="020B0604030504040204" pitchFamily="34" charset="0"/>
+              <a:ea typeface="Tahoma" panose="020B0604030504040204" pitchFamily="34" charset="0"/>
+              <a:cs typeface="Tahoma" panose="020B0604030504040204" pitchFamily="34" charset="0"/>
+            </a:endParaRPr>
+          </a:p>
+          <a:p>
+            <a:pPr marL="342900" lvl="0" indent="-342900" algn="just">
+              <a:lnSpc>
+                <a:spcPct val="150000"/>
+              </a:lnSpc>
+              <a:spcAft>
+                <a:spcPts val="600"/>
+              </a:spcAft>
+              <a:buSzPts val="1000"/>
+              <a:buFont typeface="Symbol" panose="05050102010706020507" pitchFamily="18" charset="2"/>
+              <a:buChar char=""/>
+              <a:tabLst>
+                <a:tab pos="457200" algn="l"/>
+              </a:tabLst>
+            </a:pPr>
+            <a:r>
+              <a:rPr lang="en-US" sz="1800" b="1" kern="100" dirty="0">
+                <a:effectLst/>
+                <a:latin typeface="Tahoma" panose="020B0604030504040204" pitchFamily="34" charset="0"/>
+                <a:ea typeface="Tahoma" panose="020B0604030504040204" pitchFamily="34" charset="0"/>
+                <a:cs typeface="Tahoma" panose="020B0604030504040204" pitchFamily="34" charset="0"/>
+              </a:rPr>
+              <a:t>Controller (</a:t>
+            </a:r>
+            <a:r>
+              <a:rPr lang="en-US" sz="1800" b="1" kern="100" dirty="0" err="1">
+                <a:effectLst/>
+                <a:latin typeface="Tahoma" panose="020B0604030504040204" pitchFamily="34" charset="0"/>
+                <a:ea typeface="Tahoma" panose="020B0604030504040204" pitchFamily="34" charset="0"/>
+                <a:cs typeface="Tahoma" panose="020B0604030504040204" pitchFamily="34" charset="0"/>
+              </a:rPr>
+              <a:t>Bộ</a:t>
+            </a:r>
+            <a:r>
+              <a:rPr lang="en-US" sz="1800" b="1" kern="100" dirty="0">
+                <a:effectLst/>
+                <a:latin typeface="Tahoma" panose="020B0604030504040204" pitchFamily="34" charset="0"/>
+                <a:ea typeface="Tahoma" panose="020B0604030504040204" pitchFamily="34" charset="0"/>
+                <a:cs typeface="Tahoma" panose="020B0604030504040204" pitchFamily="34" charset="0"/>
+              </a:rPr>
+              <a:t> </a:t>
+            </a:r>
+            <a:r>
+              <a:rPr lang="en-US" sz="1800" b="1" kern="100" dirty="0" err="1">
+                <a:effectLst/>
+                <a:latin typeface="Tahoma" panose="020B0604030504040204" pitchFamily="34" charset="0"/>
+                <a:ea typeface="Tahoma" panose="020B0604030504040204" pitchFamily="34" charset="0"/>
+                <a:cs typeface="Tahoma" panose="020B0604030504040204" pitchFamily="34" charset="0"/>
+              </a:rPr>
+              <a:t>điều</a:t>
+            </a:r>
+            <a:r>
+              <a:rPr lang="en-US" sz="1800" b="1" kern="100" dirty="0">
+                <a:effectLst/>
+                <a:latin typeface="Tahoma" panose="020B0604030504040204" pitchFamily="34" charset="0"/>
+                <a:ea typeface="Tahoma" panose="020B0604030504040204" pitchFamily="34" charset="0"/>
+                <a:cs typeface="Tahoma" panose="020B0604030504040204" pitchFamily="34" charset="0"/>
+              </a:rPr>
+              <a:t> </a:t>
+            </a:r>
+            <a:r>
+              <a:rPr lang="en-US" sz="1800" b="1" kern="100" dirty="0" err="1">
+                <a:effectLst/>
+                <a:latin typeface="Tahoma" panose="020B0604030504040204" pitchFamily="34" charset="0"/>
+                <a:ea typeface="Tahoma" panose="020B0604030504040204" pitchFamily="34" charset="0"/>
+                <a:cs typeface="Tahoma" panose="020B0604030504040204" pitchFamily="34" charset="0"/>
+              </a:rPr>
+              <a:t>khiển</a:t>
+            </a:r>
+            <a:r>
+              <a:rPr lang="en-US" sz="1800" b="1" kern="100" dirty="0">
+                <a:effectLst/>
+                <a:latin typeface="Tahoma" panose="020B0604030504040204" pitchFamily="34" charset="0"/>
+                <a:ea typeface="Tahoma" panose="020B0604030504040204" pitchFamily="34" charset="0"/>
+                <a:cs typeface="Tahoma" panose="020B0604030504040204" pitchFamily="34" charset="0"/>
+              </a:rPr>
+              <a:t>):</a:t>
+            </a:r>
+            <a:r>
+              <a:rPr lang="en-US" sz="1800" kern="100" dirty="0">
+                <a:effectLst/>
+                <a:latin typeface="Tahoma" panose="020B0604030504040204" pitchFamily="34" charset="0"/>
+                <a:ea typeface="Tahoma" panose="020B0604030504040204" pitchFamily="34" charset="0"/>
+                <a:cs typeface="Tahoma" panose="020B0604030504040204" pitchFamily="34" charset="0"/>
+              </a:rPr>
+              <a:t> </a:t>
+            </a:r>
+            <a:r>
+              <a:rPr lang="en-US" sz="1800" kern="100" dirty="0" err="1">
+                <a:effectLst/>
+                <a:latin typeface="Tahoma" panose="020B0604030504040204" pitchFamily="34" charset="0"/>
+                <a:ea typeface="Tahoma" panose="020B0604030504040204" pitchFamily="34" charset="0"/>
+                <a:cs typeface="Tahoma" panose="020B0604030504040204" pitchFamily="34" charset="0"/>
+              </a:rPr>
+              <a:t>Hoạt</a:t>
+            </a:r>
+            <a:r>
+              <a:rPr lang="en-US" sz="1800" kern="100" dirty="0">
+                <a:effectLst/>
+                <a:latin typeface="Tahoma" panose="020B0604030504040204" pitchFamily="34" charset="0"/>
+                <a:ea typeface="Tahoma" panose="020B0604030504040204" pitchFamily="34" charset="0"/>
+                <a:cs typeface="Tahoma" panose="020B0604030504040204" pitchFamily="34" charset="0"/>
+              </a:rPr>
+              <a:t> </a:t>
+            </a:r>
+            <a:r>
+              <a:rPr lang="en-US" sz="1800" kern="100" dirty="0" err="1">
+                <a:effectLst/>
+                <a:latin typeface="Tahoma" panose="020B0604030504040204" pitchFamily="34" charset="0"/>
+                <a:ea typeface="Tahoma" panose="020B0604030504040204" pitchFamily="34" charset="0"/>
+                <a:cs typeface="Tahoma" panose="020B0604030504040204" pitchFamily="34" charset="0"/>
+              </a:rPr>
+              <a:t>động</a:t>
+            </a:r>
+            <a:r>
+              <a:rPr lang="en-US" sz="1800" kern="100" dirty="0">
+                <a:effectLst/>
+                <a:latin typeface="Tahoma" panose="020B0604030504040204" pitchFamily="34" charset="0"/>
+                <a:ea typeface="Tahoma" panose="020B0604030504040204" pitchFamily="34" charset="0"/>
+                <a:cs typeface="Tahoma" panose="020B0604030504040204" pitchFamily="34" charset="0"/>
+              </a:rPr>
+              <a:t> </a:t>
+            </a:r>
+            <a:r>
+              <a:rPr lang="en-US" sz="1800" kern="100" dirty="0" err="1">
+                <a:effectLst/>
+                <a:latin typeface="Tahoma" panose="020B0604030504040204" pitchFamily="34" charset="0"/>
+                <a:ea typeface="Tahoma" panose="020B0604030504040204" pitchFamily="34" charset="0"/>
+                <a:cs typeface="Tahoma" panose="020B0604030504040204" pitchFamily="34" charset="0"/>
+              </a:rPr>
+              <a:t>như</a:t>
+            </a:r>
+            <a:r>
+              <a:rPr lang="en-US" sz="1800" kern="100" dirty="0">
+                <a:effectLst/>
+                <a:latin typeface="Tahoma" panose="020B0604030504040204" pitchFamily="34" charset="0"/>
+                <a:ea typeface="Tahoma" panose="020B0604030504040204" pitchFamily="34" charset="0"/>
+                <a:cs typeface="Tahoma" panose="020B0604030504040204" pitchFamily="34" charset="0"/>
+              </a:rPr>
+              <a:t> </a:t>
+            </a:r>
+            <a:r>
+              <a:rPr lang="en-US" sz="1800" kern="100" dirty="0" err="1">
+                <a:effectLst/>
+                <a:latin typeface="Tahoma" panose="020B0604030504040204" pitchFamily="34" charset="0"/>
+                <a:ea typeface="Tahoma" panose="020B0604030504040204" pitchFamily="34" charset="0"/>
+                <a:cs typeface="Tahoma" panose="020B0604030504040204" pitchFamily="34" charset="0"/>
+              </a:rPr>
+              <a:t>một</a:t>
+            </a:r>
+            <a:r>
+              <a:rPr lang="en-US" sz="1800" kern="100" dirty="0">
+                <a:effectLst/>
+                <a:latin typeface="Tahoma" panose="020B0604030504040204" pitchFamily="34" charset="0"/>
+                <a:ea typeface="Tahoma" panose="020B0604030504040204" pitchFamily="34" charset="0"/>
+                <a:cs typeface="Tahoma" panose="020B0604030504040204" pitchFamily="34" charset="0"/>
+              </a:rPr>
+              <a:t> </a:t>
+            </a:r>
+            <a:r>
+              <a:rPr lang="en-US" sz="1800" kern="100" dirty="0" err="1">
+                <a:effectLst/>
+                <a:latin typeface="Tahoma" panose="020B0604030504040204" pitchFamily="34" charset="0"/>
+                <a:ea typeface="Tahoma" panose="020B0604030504040204" pitchFamily="34" charset="0"/>
+                <a:cs typeface="Tahoma" panose="020B0604030504040204" pitchFamily="34" charset="0"/>
+              </a:rPr>
+              <a:t>trung</a:t>
+            </a:r>
+            <a:r>
+              <a:rPr lang="en-US" sz="1800" kern="100" dirty="0">
+                <a:effectLst/>
+                <a:latin typeface="Tahoma" panose="020B0604030504040204" pitchFamily="34" charset="0"/>
+                <a:ea typeface="Tahoma" panose="020B0604030504040204" pitchFamily="34" charset="0"/>
+                <a:cs typeface="Tahoma" panose="020B0604030504040204" pitchFamily="34" charset="0"/>
+              </a:rPr>
+              <a:t> </a:t>
+            </a:r>
+            <a:r>
+              <a:rPr lang="en-US" sz="1800" kern="100" dirty="0" err="1">
+                <a:effectLst/>
+                <a:latin typeface="Tahoma" panose="020B0604030504040204" pitchFamily="34" charset="0"/>
+                <a:ea typeface="Tahoma" panose="020B0604030504040204" pitchFamily="34" charset="0"/>
+                <a:cs typeface="Tahoma" panose="020B0604030504040204" pitchFamily="34" charset="0"/>
+              </a:rPr>
+              <a:t>gian</a:t>
+            </a:r>
+            <a:r>
+              <a:rPr lang="en-US" sz="1800" kern="100" dirty="0">
+                <a:effectLst/>
+                <a:latin typeface="Tahoma" panose="020B0604030504040204" pitchFamily="34" charset="0"/>
+                <a:ea typeface="Tahoma" panose="020B0604030504040204" pitchFamily="34" charset="0"/>
+                <a:cs typeface="Tahoma" panose="020B0604030504040204" pitchFamily="34" charset="0"/>
+              </a:rPr>
+              <a:t> </a:t>
+            </a:r>
+            <a:r>
+              <a:rPr lang="en-US" sz="1800" kern="100" dirty="0" err="1">
+                <a:effectLst/>
+                <a:latin typeface="Tahoma" panose="020B0604030504040204" pitchFamily="34" charset="0"/>
+                <a:ea typeface="Tahoma" panose="020B0604030504040204" pitchFamily="34" charset="0"/>
+                <a:cs typeface="Tahoma" panose="020B0604030504040204" pitchFamily="34" charset="0"/>
+              </a:rPr>
+              <a:t>giữa</a:t>
+            </a:r>
+            <a:r>
+              <a:rPr lang="en-US" sz="1800" kern="100" dirty="0">
+                <a:effectLst/>
+                <a:latin typeface="Tahoma" panose="020B0604030504040204" pitchFamily="34" charset="0"/>
+                <a:ea typeface="Tahoma" panose="020B0604030504040204" pitchFamily="34" charset="0"/>
+                <a:cs typeface="Tahoma" panose="020B0604030504040204" pitchFamily="34" charset="0"/>
+              </a:rPr>
+              <a:t> Model </a:t>
+            </a:r>
+            <a:r>
+              <a:rPr lang="en-US" sz="1800" kern="100" dirty="0" err="1">
+                <a:effectLst/>
+                <a:latin typeface="Tahoma" panose="020B0604030504040204" pitchFamily="34" charset="0"/>
+                <a:ea typeface="Tahoma" panose="020B0604030504040204" pitchFamily="34" charset="0"/>
+                <a:cs typeface="Tahoma" panose="020B0604030504040204" pitchFamily="34" charset="0"/>
+              </a:rPr>
+              <a:t>và</a:t>
+            </a:r>
+            <a:r>
+              <a:rPr lang="en-US" sz="1800" kern="100" dirty="0">
+                <a:effectLst/>
+                <a:latin typeface="Tahoma" panose="020B0604030504040204" pitchFamily="34" charset="0"/>
+                <a:ea typeface="Tahoma" panose="020B0604030504040204" pitchFamily="34" charset="0"/>
+                <a:cs typeface="Tahoma" panose="020B0604030504040204" pitchFamily="34" charset="0"/>
+              </a:rPr>
+              <a:t> View. </a:t>
+            </a:r>
+            <a:endParaRPr lang="en-US" sz="1400" kern="100" dirty="0">
+              <a:effectLst/>
+              <a:latin typeface="Tahoma" panose="020B0604030504040204" pitchFamily="34" charset="0"/>
+              <a:ea typeface="Tahoma" panose="020B0604030504040204" pitchFamily="34" charset="0"/>
+              <a:cs typeface="Tahoma" panose="020B0604030504040204" pitchFamily="34" charset="0"/>
+            </a:endParaRPr>
+          </a:p>
+        </p:txBody>
+      </p:sp>
     </p:spTree>
     <p:extLst>
       <p:ext uri="{BB962C8B-B14F-4D97-AF65-F5344CB8AC3E}">
@@ -5564,9 +9704,17 @@
 </p:sld>
 </file>
 
-<file path=ppt/slides/slide4.xml><?xml version="1.0" encoding="utf-8"?>
+<file path=ppt/slides/slide6.xml><?xml version="1.0" encoding="utf-8"?>
 <p:sld xmlns:a="http://schemas.openxmlformats.org/drawingml/2006/main" xmlns:r="http://schemas.openxmlformats.org/officeDocument/2006/relationships" xmlns:p="http://schemas.openxmlformats.org/presentationml/2006/main">
   <p:cSld>
+    <p:bg>
+      <p:bgPr>
+        <a:solidFill>
+          <a:schemeClr val="bg1"/>
+        </a:solidFill>
+        <a:effectLst/>
+      </p:bgPr>
+    </p:bg>
     <p:spTree>
       <p:nvGrpSpPr>
         <p:cNvPr id="1" name=""/>
@@ -5581,12 +9729,88 @@
           <a:chExt cx="0" cy="0"/>
         </a:xfrm>
       </p:grpSpPr>
+      <p:sp useBgFill="1">
+        <p:nvSpPr>
+          <p:cNvPr id="14" name="Rectangle 13">
+            <a:extLst>
+              <a:ext uri="{FF2B5EF4-FFF2-40B4-BE49-F238E27FC236}">
+                <a16:creationId xmlns:a16="http://schemas.microsoft.com/office/drawing/2014/main" id="{0C614264-BA32-414F-95BE-0A30CC072E96}"/>
+              </a:ext>
+              <a:ext uri="{C183D7F6-B498-43B3-948B-1728B52AA6E4}">
+                <adec:decorative xmlns:adec="http://schemas.microsoft.com/office/drawing/2017/decorative" val="1"/>
+              </a:ext>
+            </a:extLst>
+          </p:cNvPr>
+          <p:cNvSpPr>
+            <a:spLocks noGrp="1" noRot="1" noChangeAspect="1" noMove="1" noResize="1" noEditPoints="1" noAdjustHandles="1" noChangeArrowheads="1" noChangeShapeType="1" noTextEdit="1"/>
+          </p:cNvSpPr>
+          <p:nvPr>
+            <p:extLst>
+              <p:ext uri="{386F3935-93C4-4BCD-93E2-E3B085C9AB24}">
+                <p16:designElem xmlns:p16="http://schemas.microsoft.com/office/powerpoint/2015/main" val="1"/>
+              </p:ext>
+            </p:extLst>
+          </p:nvPr>
+        </p:nvSpPr>
+        <p:spPr>
+          <a:xfrm>
+            <a:off x="0" y="0"/>
+            <a:ext cx="12192000" cy="6858000"/>
+          </a:xfrm>
+          <a:prstGeom prst="rect">
+            <a:avLst/>
+          </a:prstGeom>
+          <a:ln w="12700" cap="flat" cmpd="sng" algn="ctr">
+            <a:noFill/>
+            <a:prstDash val="solid"/>
+            <a:miter lim="800000"/>
+          </a:ln>
+          <a:effectLst/>
+          <a:extLst>
+            <a:ext uri="{91240B29-F687-4F45-9708-019B960494DF}">
+              <a14:hiddenLine xmlns:a14="http://schemas.microsoft.com/office/drawing/2010/main" w="12700" cap="flat" cmpd="sng" algn="ctr">
+                <a:solidFill>
+                  <a:schemeClr val="accent1">
+                    <a:shade val="50000"/>
+                  </a:schemeClr>
+                </a:solidFill>
+                <a:prstDash val="solid"/>
+                <a:miter lim="800000"/>
+              </a14:hiddenLine>
+            </a:ext>
+          </a:extLst>
+        </p:spPr>
+        <p:style>
+          <a:lnRef idx="2">
+            <a:schemeClr val="accent1">
+              <a:shade val="50000"/>
+            </a:schemeClr>
+          </a:lnRef>
+          <a:fillRef idx="1">
+            <a:schemeClr val="accent1"/>
+          </a:fillRef>
+          <a:effectRef idx="0">
+            <a:schemeClr val="accent1"/>
+          </a:effectRef>
+          <a:fontRef idx="minor">
+            <a:schemeClr val="lt1"/>
+          </a:fontRef>
+        </p:style>
+        <p:txBody>
+          <a:bodyPr rtlCol="0" anchor="ctr"/>
+          <a:lstStyle/>
+          <a:p>
+            <a:pPr algn="ctr"/>
+            <a:endParaRPr lang="en-US"/>
+          </a:p>
+        </p:txBody>
+      </p:sp>
       <p:sp>
         <p:nvSpPr>
           <p:cNvPr id="2" name="Title 1">
             <a:extLst>
               <a:ext uri="{FF2B5EF4-FFF2-40B4-BE49-F238E27FC236}">
-                <a16:creationId xmlns:a16="http://schemas.microsoft.com/office/drawing/2014/main" id="{49C35F7E-7CC4-5941-973D-65B65007F4C1}"/>
+                <a16:creationId xmlns:a16="http://schemas.microsoft.com/office/drawing/2014/main" id="{B85DE572-4E9C-F5CD-6438-75D17AE6BC79}"/>
               </a:ext>
             </a:extLst>
           </p:cNvPr>
@@ -5599,31 +9823,314 @@
         </p:nvSpPr>
         <p:spPr>
           <a:xfrm>
-            <a:off x="3493495" y="-149054"/>
-            <a:ext cx="10357666" cy="1438450"/>
+            <a:off x="366697" y="-23677"/>
+            <a:ext cx="6383684" cy="831692"/>
           </a:xfrm>
         </p:spPr>
         <p:txBody>
-          <a:bodyPr/>
+          <a:bodyPr>
+            <a:normAutofit/>
+          </a:bodyPr>
           <a:lstStyle/>
           <a:p>
             <a:r>
+              <a:rPr lang="en-US" dirty="0" err="1">
+                <a:latin typeface="Tahoma" panose="020B0604030504040204" pitchFamily="34" charset="0"/>
+                <a:ea typeface="Tahoma" panose="020B0604030504040204" pitchFamily="34" charset="0"/>
+                <a:cs typeface="Tahoma" panose="020B0604030504040204" pitchFamily="34" charset="0"/>
+              </a:rPr>
+              <a:t>Kết</a:t>
+            </a:r>
+            <a:r>
               <a:rPr lang="en-US" dirty="0">
                 <a:latin typeface="Tahoma" panose="020B0604030504040204" pitchFamily="34" charset="0"/>
                 <a:ea typeface="Tahoma" panose="020B0604030504040204" pitchFamily="34" charset="0"/>
                 <a:cs typeface="Tahoma" panose="020B0604030504040204" pitchFamily="34" charset="0"/>
               </a:rPr>
-              <a:t>CÁC THƯ MỤC CODE</a:t>
-            </a:r>
+              <a:t> </a:t>
+            </a:r>
+            <a:r>
+              <a:rPr lang="en-US" dirty="0" err="1">
+                <a:latin typeface="Tahoma" panose="020B0604030504040204" pitchFamily="34" charset="0"/>
+                <a:ea typeface="Tahoma" panose="020B0604030504040204" pitchFamily="34" charset="0"/>
+                <a:cs typeface="Tahoma" panose="020B0604030504040204" pitchFamily="34" charset="0"/>
+              </a:rPr>
+              <a:t>Quả</a:t>
+            </a:r>
+            <a:r>
+              <a:rPr lang="en-US" dirty="0">
+                <a:latin typeface="Tahoma" panose="020B0604030504040204" pitchFamily="34" charset="0"/>
+                <a:ea typeface="Tahoma" panose="020B0604030504040204" pitchFamily="34" charset="0"/>
+                <a:cs typeface="Tahoma" panose="020B0604030504040204" pitchFamily="34" charset="0"/>
+              </a:rPr>
+              <a:t> </a:t>
+            </a:r>
+            <a:r>
+              <a:rPr lang="en-US" dirty="0" err="1">
+                <a:latin typeface="Tahoma" panose="020B0604030504040204" pitchFamily="34" charset="0"/>
+                <a:ea typeface="Tahoma" panose="020B0604030504040204" pitchFamily="34" charset="0"/>
+                <a:cs typeface="Tahoma" panose="020B0604030504040204" pitchFamily="34" charset="0"/>
+              </a:rPr>
+              <a:t>của</a:t>
+            </a:r>
+            <a:r>
+              <a:rPr lang="en-US" dirty="0">
+                <a:latin typeface="Tahoma" panose="020B0604030504040204" pitchFamily="34" charset="0"/>
+                <a:ea typeface="Tahoma" panose="020B0604030504040204" pitchFamily="34" charset="0"/>
+                <a:cs typeface="Tahoma" panose="020B0604030504040204" pitchFamily="34" charset="0"/>
+              </a:rPr>
+              <a:t> </a:t>
+            </a:r>
+            <a:r>
+              <a:rPr lang="en-US" dirty="0" err="1">
+                <a:latin typeface="Tahoma" panose="020B0604030504040204" pitchFamily="34" charset="0"/>
+                <a:ea typeface="Tahoma" panose="020B0604030504040204" pitchFamily="34" charset="0"/>
+                <a:cs typeface="Tahoma" panose="020B0604030504040204" pitchFamily="34" charset="0"/>
+              </a:rPr>
+              <a:t>dự</a:t>
+            </a:r>
+            <a:r>
+              <a:rPr lang="en-US" dirty="0">
+                <a:latin typeface="Tahoma" panose="020B0604030504040204" pitchFamily="34" charset="0"/>
+                <a:ea typeface="Tahoma" panose="020B0604030504040204" pitchFamily="34" charset="0"/>
+                <a:cs typeface="Tahoma" panose="020B0604030504040204" pitchFamily="34" charset="0"/>
+              </a:rPr>
+              <a:t> </a:t>
+            </a:r>
+            <a:r>
+              <a:rPr lang="en-US" dirty="0" err="1">
+                <a:latin typeface="Tahoma" panose="020B0604030504040204" pitchFamily="34" charset="0"/>
+                <a:ea typeface="Tahoma" panose="020B0604030504040204" pitchFamily="34" charset="0"/>
+                <a:cs typeface="Tahoma" panose="020B0604030504040204" pitchFamily="34" charset="0"/>
+              </a:rPr>
+              <a:t>án</a:t>
+            </a:r>
+            <a:endParaRPr lang="en-US" dirty="0">
+              <a:latin typeface="Tahoma" panose="020B0604030504040204" pitchFamily="34" charset="0"/>
+              <a:ea typeface="Tahoma" panose="020B0604030504040204" pitchFamily="34" charset="0"/>
+              <a:cs typeface="Tahoma" panose="020B0604030504040204" pitchFamily="34" charset="0"/>
+            </a:endParaRPr>
+          </a:p>
+        </p:txBody>
+      </p:sp>
+      <p:sp>
+        <p:nvSpPr>
+          <p:cNvPr id="16" name="Rectangle 15">
+            <a:extLst>
+              <a:ext uri="{FF2B5EF4-FFF2-40B4-BE49-F238E27FC236}">
+                <a16:creationId xmlns:a16="http://schemas.microsoft.com/office/drawing/2014/main" id="{CBD70695-D4EF-489F-B2D8-F61EA5CD5DD6}"/>
+              </a:ext>
+              <a:ext uri="{C183D7F6-B498-43B3-948B-1728B52AA6E4}">
+                <adec:decorative xmlns:adec="http://schemas.microsoft.com/office/drawing/2017/decorative" val="1"/>
+              </a:ext>
+            </a:extLst>
+          </p:cNvPr>
+          <p:cNvSpPr>
+            <a:spLocks noGrp="1" noRot="1" noChangeAspect="1" noMove="1" noResize="1" noEditPoints="1" noAdjustHandles="1" noChangeArrowheads="1" noChangeShapeType="1" noTextEdit="1"/>
+          </p:cNvSpPr>
+          <p:nvPr>
+            <p:extLst>
+              <p:ext uri="{386F3935-93C4-4BCD-93E2-E3B085C9AB24}">
+                <p16:designElem xmlns:p16="http://schemas.microsoft.com/office/powerpoint/2015/main" val="1"/>
+              </p:ext>
+            </p:extLst>
+          </p:nvPr>
+        </p:nvSpPr>
+        <p:spPr>
+          <a:xfrm flipH="1">
+            <a:off x="8653787" y="1915886"/>
+            <a:ext cx="3538211" cy="4951056"/>
+          </a:xfrm>
+          <a:prstGeom prst="rect">
+            <a:avLst/>
+          </a:prstGeom>
+          <a:solidFill>
+            <a:schemeClr val="accent1">
+              <a:lumMod val="20000"/>
+              <a:lumOff val="80000"/>
+            </a:schemeClr>
+          </a:solidFill>
+          <a:ln>
+            <a:noFill/>
+          </a:ln>
+        </p:spPr>
+        <p:style>
+          <a:lnRef idx="2">
+            <a:schemeClr val="accent1">
+              <a:shade val="50000"/>
+            </a:schemeClr>
+          </a:lnRef>
+          <a:fillRef idx="1">
+            <a:schemeClr val="accent1"/>
+          </a:fillRef>
+          <a:effectRef idx="0">
+            <a:schemeClr val="accent1"/>
+          </a:effectRef>
+          <a:fontRef idx="minor">
+            <a:schemeClr val="lt1"/>
+          </a:fontRef>
+        </p:style>
+        <p:txBody>
+          <a:bodyPr rtlCol="0" anchor="ctr"/>
+          <a:lstStyle/>
+          <a:p>
+            <a:pPr algn="ctr"/>
+            <a:endParaRPr lang="en-US"/>
+          </a:p>
+        </p:txBody>
+      </p:sp>
+      <p:sp>
+        <p:nvSpPr>
+          <p:cNvPr id="18" name="Freeform: Shape 17">
+            <a:extLst>
+              <a:ext uri="{FF2B5EF4-FFF2-40B4-BE49-F238E27FC236}">
+                <a16:creationId xmlns:a16="http://schemas.microsoft.com/office/drawing/2014/main" id="{9A271658-CA48-4EC3-B484-C7DC7360F8EE}"/>
+              </a:ext>
+              <a:ext uri="{C183D7F6-B498-43B3-948B-1728B52AA6E4}">
+                <adec:decorative xmlns:adec="http://schemas.microsoft.com/office/drawing/2017/decorative" val="1"/>
+              </a:ext>
+            </a:extLst>
+          </p:cNvPr>
+          <p:cNvSpPr>
+            <a:spLocks noGrp="1" noRot="1" noChangeAspect="1" noMove="1" noResize="1" noEditPoints="1" noAdjustHandles="1" noChangeArrowheads="1" noChangeShapeType="1" noTextEdit="1"/>
+          </p:cNvSpPr>
+          <p:nvPr>
+            <p:extLst>
+              <p:ext uri="{386F3935-93C4-4BCD-93E2-E3B085C9AB24}">
+                <p16:designElem xmlns:p16="http://schemas.microsoft.com/office/powerpoint/2015/main" val="1"/>
+              </p:ext>
+            </p:extLst>
+          </p:nvPr>
+        </p:nvSpPr>
+        <p:spPr>
+          <a:xfrm rot="16200000" flipH="1" flipV="1">
+            <a:off x="8370349" y="1499446"/>
+            <a:ext cx="4811359" cy="2792182"/>
+          </a:xfrm>
+          <a:custGeom>
+            <a:avLst/>
+            <a:gdLst>
+              <a:gd name="connsiteX0" fmla="*/ 757287 w 757287"/>
+              <a:gd name="connsiteY0" fmla="*/ 3694096 h 3694096"/>
+              <a:gd name="connsiteX1" fmla="*/ 757287 w 757287"/>
+              <a:gd name="connsiteY1" fmla="*/ 0 h 3694096"/>
+              <a:gd name="connsiteX2" fmla="*/ 0 w 757287"/>
+              <a:gd name="connsiteY2" fmla="*/ 0 h 3694096"/>
+              <a:gd name="connsiteX3" fmla="*/ 0 w 757287"/>
+              <a:gd name="connsiteY3" fmla="*/ 3686094 h 3694096"/>
+            </a:gdLst>
+            <a:ahLst/>
+            <a:cxnLst>
+              <a:cxn ang="0">
+                <a:pos x="connsiteX0" y="connsiteY0"/>
+              </a:cxn>
+              <a:cxn ang="0">
+                <a:pos x="connsiteX1" y="connsiteY1"/>
+              </a:cxn>
+              <a:cxn ang="0">
+                <a:pos x="connsiteX2" y="connsiteY2"/>
+              </a:cxn>
+              <a:cxn ang="0">
+                <a:pos x="connsiteX3" y="connsiteY3"/>
+              </a:cxn>
+            </a:cxnLst>
+            <a:rect l="l" t="t" r="r" b="b"/>
+            <a:pathLst>
+              <a:path w="757287" h="3694096">
+                <a:moveTo>
+                  <a:pt x="757287" y="3694096"/>
+                </a:moveTo>
+                <a:lnTo>
+                  <a:pt x="757287" y="0"/>
+                </a:lnTo>
+                <a:lnTo>
+                  <a:pt x="0" y="0"/>
+                </a:lnTo>
+                <a:lnTo>
+                  <a:pt x="0" y="3686094"/>
+                </a:lnTo>
+                <a:close/>
+              </a:path>
+            </a:pathLst>
+          </a:custGeom>
+          <a:blipFill dpi="0" rotWithShape="1">
+            <a:blip r:embed="rId2">
+              <a:extLst>
+                <a:ext uri="{96DAC541-7B7A-43D3-8B79-37D633B846F1}">
+                  <asvg:svgBlip xmlns:asvg="http://schemas.microsoft.com/office/drawing/2016/SVG/main" r:embed="rId3"/>
+                </a:ext>
+              </a:extLst>
+            </a:blip>
+            <a:srcRect/>
+            <a:tile tx="0" ty="0" sx="6000" sy="6000" flip="none" algn="tl"/>
+          </a:blipFill>
+          <a:ln>
+            <a:noFill/>
+          </a:ln>
+        </p:spPr>
+        <p:style>
+          <a:lnRef idx="2">
+            <a:schemeClr val="accent1">
+              <a:shade val="50000"/>
+            </a:schemeClr>
+          </a:lnRef>
+          <a:fillRef idx="1">
+            <a:schemeClr val="accent1"/>
+          </a:fillRef>
+          <a:effectRef idx="0">
+            <a:schemeClr val="accent1"/>
+          </a:effectRef>
+          <a:fontRef idx="minor">
+            <a:schemeClr val="lt1"/>
+          </a:fontRef>
+        </p:style>
+        <p:txBody>
+          <a:bodyPr wrap="square" rtlCol="0" anchor="ctr">
+            <a:noAutofit/>
+          </a:bodyPr>
+          <a:lstStyle/>
+          <a:p>
+            <a:pPr algn="ctr"/>
+            <a:endParaRPr lang="en-US"/>
           </a:p>
         </p:txBody>
       </p:sp>
       <p:pic>
         <p:nvPicPr>
-          <p:cNvPr id="5" name="Content Placeholder 4">
-            <a:extLst>
-              <a:ext uri="{FF2B5EF4-FFF2-40B4-BE49-F238E27FC236}">
-                <a16:creationId xmlns:a16="http://schemas.microsoft.com/office/drawing/2014/main" id="{9A06C648-0C7E-065E-4517-CE62B7286289}"/>
+          <p:cNvPr id="7" name="Content Placeholder 6">
+            <a:extLst>
+              <a:ext uri="{FF2B5EF4-FFF2-40B4-BE49-F238E27FC236}">
+                <a16:creationId xmlns:a16="http://schemas.microsoft.com/office/drawing/2014/main" id="{C554F549-9886-B781-0B13-EF0292893F4B}"/>
+              </a:ext>
+            </a:extLst>
+          </p:cNvPr>
+          <p:cNvPicPr>
+            <a:picLocks noChangeAspect="1"/>
+          </p:cNvPicPr>
+          <p:nvPr/>
+        </p:nvPicPr>
+        <p:blipFill>
+          <a:blip r:embed="rId4"/>
+          <a:stretch>
+            <a:fillRect/>
+          </a:stretch>
+        </p:blipFill>
+        <p:spPr>
+          <a:xfrm>
+            <a:off x="599116" y="1133585"/>
+            <a:ext cx="5425975" cy="2699422"/>
+          </a:xfrm>
+          <a:prstGeom prst="rect">
+            <a:avLst/>
+          </a:prstGeom>
+        </p:spPr>
+      </p:pic>
+      <p:pic>
+        <p:nvPicPr>
+          <p:cNvPr id="8" name="Content Placeholder 7" descr="A screenshot of a chat&#10;&#10;Description automatically generated">
+            <a:extLst>
+              <a:ext uri="{FF2B5EF4-FFF2-40B4-BE49-F238E27FC236}">
+                <a16:creationId xmlns:a16="http://schemas.microsoft.com/office/drawing/2014/main" id="{CF0C8E57-7A2D-877A-1901-980B9200A113}"/>
               </a:ext>
             </a:extLst>
           </p:cNvPr>
@@ -5635,214 +10142,31 @@
           </p:nvPr>
         </p:nvPicPr>
         <p:blipFill>
-          <a:blip r:embed="rId2"/>
+          <a:blip r:embed="rId5" cstate="print">
+            <a:extLst>
+              <a:ext uri="{28A0092B-C50C-407E-A947-70E740481C1C}">
+                <a14:useLocalDpi xmlns:a14="http://schemas.microsoft.com/office/drawing/2010/main" val="0"/>
+              </a:ext>
+            </a:extLst>
+          </a:blip>
           <a:stretch>
             <a:fillRect/>
           </a:stretch>
         </p:blipFill>
         <p:spPr>
           <a:xfrm>
-            <a:off x="5073534" y="2071901"/>
-            <a:ext cx="1905266" cy="3010320"/>
+            <a:off x="6096000" y="3929588"/>
+            <a:ext cx="5982513" cy="2565553"/>
           </a:xfrm>
+          <a:prstGeom prst="rect">
+            <a:avLst/>
+          </a:prstGeom>
         </p:spPr>
       </p:pic>
     </p:spTree>
     <p:extLst>
       <p:ext uri="{BB962C8B-B14F-4D97-AF65-F5344CB8AC3E}">
-        <p14:creationId xmlns:p14="http://schemas.microsoft.com/office/powerpoint/2010/main" val="3641550585"/>
-      </p:ext>
-    </p:extLst>
-  </p:cSld>
-  <p:clrMapOvr>
-    <a:masterClrMapping/>
-  </p:clrMapOvr>
-</p:sld>
-</file>
-
-<file path=ppt/slides/slide5.xml><?xml version="1.0" encoding="utf-8"?>
-<p:sld xmlns:a="http://schemas.openxmlformats.org/drawingml/2006/main" xmlns:r="http://schemas.openxmlformats.org/officeDocument/2006/relationships" xmlns:p="http://schemas.openxmlformats.org/presentationml/2006/main">
-  <p:cSld>
-    <p:spTree>
-      <p:nvGrpSpPr>
-        <p:cNvPr id="1" name=""/>
-        <p:cNvGrpSpPr/>
-        <p:nvPr/>
-      </p:nvGrpSpPr>
-      <p:grpSpPr>
-        <a:xfrm>
-          <a:off x="0" y="0"/>
-          <a:ext cx="0" cy="0"/>
-          <a:chOff x="0" y="0"/>
-          <a:chExt cx="0" cy="0"/>
-        </a:xfrm>
-      </p:grpSpPr>
-      <p:sp>
-        <p:nvSpPr>
-          <p:cNvPr id="2" name="Title 1">
-            <a:extLst>
-              <a:ext uri="{FF2B5EF4-FFF2-40B4-BE49-F238E27FC236}">
-                <a16:creationId xmlns:a16="http://schemas.microsoft.com/office/drawing/2014/main" id="{DE9CA648-117B-2E92-68C5-EDB0B17E10B9}"/>
-              </a:ext>
-            </a:extLst>
-          </p:cNvPr>
-          <p:cNvSpPr>
-            <a:spLocks noGrp="1"/>
-          </p:cNvSpPr>
-          <p:nvPr>
-            <p:ph type="title"/>
-          </p:nvPr>
-        </p:nvSpPr>
-        <p:spPr>
-          <a:xfrm>
-            <a:off x="2121895" y="4675"/>
-            <a:ext cx="10357666" cy="1438450"/>
-          </a:xfrm>
-        </p:spPr>
-        <p:txBody>
-          <a:bodyPr/>
-          <a:lstStyle/>
-          <a:p>
-            <a:r>
-              <a:rPr lang="en-US" dirty="0">
-                <a:latin typeface="Tahoma" panose="020B0604030504040204" pitchFamily="34" charset="0"/>
-                <a:ea typeface="Tahoma" panose="020B0604030504040204" pitchFamily="34" charset="0"/>
-                <a:cs typeface="Tahoma" panose="020B0604030504040204" pitchFamily="34" charset="0"/>
-              </a:rPr>
-              <a:t>Transaction.java(model)</a:t>
-            </a:r>
-          </a:p>
-        </p:txBody>
-      </p:sp>
-      <p:pic>
-        <p:nvPicPr>
-          <p:cNvPr id="5" name="Content Placeholder 4">
-            <a:extLst>
-              <a:ext uri="{FF2B5EF4-FFF2-40B4-BE49-F238E27FC236}">
-                <a16:creationId xmlns:a16="http://schemas.microsoft.com/office/drawing/2014/main" id="{6D375DA5-AD98-D348-A59F-D8151170D59F}"/>
-              </a:ext>
-            </a:extLst>
-          </p:cNvPr>
-          <p:cNvPicPr>
-            <a:picLocks noGrp="1" noChangeAspect="1"/>
-          </p:cNvPicPr>
-          <p:nvPr>
-            <p:ph idx="1"/>
-          </p:nvPr>
-        </p:nvPicPr>
-        <p:blipFill>
-          <a:blip r:embed="rId2"/>
-          <a:stretch>
-            <a:fillRect/>
-          </a:stretch>
-        </p:blipFill>
-        <p:spPr>
-          <a:xfrm>
-            <a:off x="2494863" y="2019300"/>
-            <a:ext cx="6984786" cy="4114800"/>
-          </a:xfrm>
-        </p:spPr>
-      </p:pic>
-    </p:spTree>
-    <p:extLst>
-      <p:ext uri="{BB962C8B-B14F-4D97-AF65-F5344CB8AC3E}">
-        <p14:creationId xmlns:p14="http://schemas.microsoft.com/office/powerpoint/2010/main" val="564053491"/>
-      </p:ext>
-    </p:extLst>
-  </p:cSld>
-  <p:clrMapOvr>
-    <a:masterClrMapping/>
-  </p:clrMapOvr>
-</p:sld>
-</file>
-
-<file path=ppt/slides/slide6.xml><?xml version="1.0" encoding="utf-8"?>
-<p:sld xmlns:a="http://schemas.openxmlformats.org/drawingml/2006/main" xmlns:r="http://schemas.openxmlformats.org/officeDocument/2006/relationships" xmlns:p="http://schemas.openxmlformats.org/presentationml/2006/main">
-  <p:cSld>
-    <p:spTree>
-      <p:nvGrpSpPr>
-        <p:cNvPr id="1" name=""/>
-        <p:cNvGrpSpPr/>
-        <p:nvPr/>
-      </p:nvGrpSpPr>
-      <p:grpSpPr>
-        <a:xfrm>
-          <a:off x="0" y="0"/>
-          <a:ext cx="0" cy="0"/>
-          <a:chOff x="0" y="0"/>
-          <a:chExt cx="0" cy="0"/>
-        </a:xfrm>
-      </p:grpSpPr>
-      <p:sp>
-        <p:nvSpPr>
-          <p:cNvPr id="2" name="Title 1">
-            <a:extLst>
-              <a:ext uri="{FF2B5EF4-FFF2-40B4-BE49-F238E27FC236}">
-                <a16:creationId xmlns:a16="http://schemas.microsoft.com/office/drawing/2014/main" id="{4C001050-A7DF-EA9F-41DB-439C2FB5C48D}"/>
-              </a:ext>
-            </a:extLst>
-          </p:cNvPr>
-          <p:cNvSpPr>
-            <a:spLocks noGrp="1"/>
-          </p:cNvSpPr>
-          <p:nvPr>
-            <p:ph type="title"/>
-          </p:nvPr>
-        </p:nvSpPr>
-        <p:spPr>
-          <a:xfrm>
-            <a:off x="2082985" y="0"/>
-            <a:ext cx="10357666" cy="1438450"/>
-          </a:xfrm>
-        </p:spPr>
-        <p:txBody>
-          <a:bodyPr/>
-          <a:lstStyle/>
-          <a:p>
-            <a:r>
-              <a:rPr lang="en-US" dirty="0">
-                <a:latin typeface="Tahoma" panose="020B0604030504040204" pitchFamily="34" charset="0"/>
-                <a:ea typeface="Tahoma" panose="020B0604030504040204" pitchFamily="34" charset="0"/>
-                <a:cs typeface="Tahoma" panose="020B0604030504040204" pitchFamily="34" charset="0"/>
-              </a:rPr>
-              <a:t>Transactionservice.java</a:t>
-            </a:r>
-          </a:p>
-        </p:txBody>
-      </p:sp>
-      <p:pic>
-        <p:nvPicPr>
-          <p:cNvPr id="5" name="Content Placeholder 4">
-            <a:extLst>
-              <a:ext uri="{FF2B5EF4-FFF2-40B4-BE49-F238E27FC236}">
-                <a16:creationId xmlns:a16="http://schemas.microsoft.com/office/drawing/2014/main" id="{8462EB53-CF61-592D-EB2F-6814C4A754F2}"/>
-              </a:ext>
-            </a:extLst>
-          </p:cNvPr>
-          <p:cNvPicPr>
-            <a:picLocks noGrp="1" noChangeAspect="1"/>
-          </p:cNvPicPr>
-          <p:nvPr>
-            <p:ph idx="1"/>
-          </p:nvPr>
-        </p:nvPicPr>
-        <p:blipFill>
-          <a:blip r:embed="rId2"/>
-          <a:stretch>
-            <a:fillRect/>
-          </a:stretch>
-        </p:blipFill>
-        <p:spPr>
-          <a:xfrm>
-            <a:off x="2209059" y="2019300"/>
-            <a:ext cx="7556394" cy="4114800"/>
-          </a:xfrm>
-        </p:spPr>
-      </p:pic>
-    </p:spTree>
-    <p:extLst>
-      <p:ext uri="{BB962C8B-B14F-4D97-AF65-F5344CB8AC3E}">
-        <p14:creationId xmlns:p14="http://schemas.microsoft.com/office/powerpoint/2010/main" val="3304177505"/>
+        <p14:creationId xmlns:p14="http://schemas.microsoft.com/office/powerpoint/2010/main" val="1804879844"/>
       </p:ext>
     </p:extLst>
   </p:cSld>
@@ -5869,127 +10193,6 @@
           <a:chExt cx="0" cy="0"/>
         </a:xfrm>
       </p:grpSpPr>
-      <p:sp>
-        <p:nvSpPr>
-          <p:cNvPr id="2" name="Title 1">
-            <a:extLst>
-              <a:ext uri="{FF2B5EF4-FFF2-40B4-BE49-F238E27FC236}">
-                <a16:creationId xmlns:a16="http://schemas.microsoft.com/office/drawing/2014/main" id="{B85DE572-4E9C-F5CD-6438-75D17AE6BC79}"/>
-              </a:ext>
-            </a:extLst>
-          </p:cNvPr>
-          <p:cNvSpPr>
-            <a:spLocks noGrp="1"/>
-          </p:cNvSpPr>
-          <p:nvPr>
-            <p:ph type="title"/>
-          </p:nvPr>
-        </p:nvSpPr>
-        <p:spPr>
-          <a:xfrm>
-            <a:off x="1450686" y="4675"/>
-            <a:ext cx="10357666" cy="1438450"/>
-          </a:xfrm>
-        </p:spPr>
-        <p:txBody>
-          <a:bodyPr/>
-          <a:lstStyle/>
-          <a:p>
-            <a:r>
-              <a:rPr lang="en-US" dirty="0">
-                <a:latin typeface="Tahoma" panose="020B0604030504040204" pitchFamily="34" charset="0"/>
-                <a:ea typeface="Tahoma" panose="020B0604030504040204" pitchFamily="34" charset="0"/>
-                <a:cs typeface="Tahoma" panose="020B0604030504040204" pitchFamily="34" charset="0"/>
-              </a:rPr>
-              <a:t>Transactioncontroller.java</a:t>
-            </a:r>
-          </a:p>
-        </p:txBody>
-      </p:sp>
-      <p:pic>
-        <p:nvPicPr>
-          <p:cNvPr id="5" name="Content Placeholder 4">
-            <a:extLst>
-              <a:ext uri="{FF2B5EF4-FFF2-40B4-BE49-F238E27FC236}">
-                <a16:creationId xmlns:a16="http://schemas.microsoft.com/office/drawing/2014/main" id="{F859F12F-F7F0-50E9-137F-108F2719AE05}"/>
-              </a:ext>
-            </a:extLst>
-          </p:cNvPr>
-          <p:cNvPicPr>
-            <a:picLocks noGrp="1" noChangeAspect="1"/>
-          </p:cNvPicPr>
-          <p:nvPr>
-            <p:ph idx="1"/>
-          </p:nvPr>
-        </p:nvPicPr>
-        <p:blipFill>
-          <a:blip r:embed="rId2"/>
-          <a:stretch>
-            <a:fillRect/>
-          </a:stretch>
-        </p:blipFill>
-        <p:spPr>
-          <a:xfrm>
-            <a:off x="1265131" y="2019300"/>
-            <a:ext cx="9444250" cy="4114800"/>
-          </a:xfrm>
-        </p:spPr>
-      </p:pic>
-    </p:spTree>
-    <p:extLst>
-      <p:ext uri="{BB962C8B-B14F-4D97-AF65-F5344CB8AC3E}">
-        <p14:creationId xmlns:p14="http://schemas.microsoft.com/office/powerpoint/2010/main" val="1804879844"/>
-      </p:ext>
-    </p:extLst>
-  </p:cSld>
-  <p:clrMapOvr>
-    <a:masterClrMapping/>
-  </p:clrMapOvr>
-</p:sld>
-</file>
-
-<file path=ppt/slides/slide8.xml><?xml version="1.0" encoding="utf-8"?>
-<p:sld xmlns:a="http://schemas.openxmlformats.org/drawingml/2006/main" xmlns:r="http://schemas.openxmlformats.org/officeDocument/2006/relationships" xmlns:p="http://schemas.openxmlformats.org/presentationml/2006/main">
-  <p:cSld>
-    <p:spTree>
-      <p:nvGrpSpPr>
-        <p:cNvPr id="1" name=""/>
-        <p:cNvGrpSpPr/>
-        <p:nvPr/>
-      </p:nvGrpSpPr>
-      <p:grpSpPr>
-        <a:xfrm>
-          <a:off x="0" y="0"/>
-          <a:ext cx="0" cy="0"/>
-          <a:chOff x="0" y="0"/>
-          <a:chExt cx="0" cy="0"/>
-        </a:xfrm>
-      </p:grpSpPr>
-      <p:sp>
-        <p:nvSpPr>
-          <p:cNvPr id="2" name="Title 1">
-            <a:extLst>
-              <a:ext uri="{FF2B5EF4-FFF2-40B4-BE49-F238E27FC236}">
-                <a16:creationId xmlns:a16="http://schemas.microsoft.com/office/drawing/2014/main" id="{AC626B80-89D6-0DB9-EFE9-65D37338645A}"/>
-              </a:ext>
-            </a:extLst>
-          </p:cNvPr>
-          <p:cNvSpPr>
-            <a:spLocks noGrp="1"/>
-          </p:cNvSpPr>
-          <p:nvPr>
-            <p:ph type="title"/>
-          </p:nvPr>
-        </p:nvSpPr>
-        <p:spPr/>
-        <p:txBody>
-          <a:bodyPr/>
-          <a:lstStyle/>
-          <a:p>
-            <a:endParaRPr lang="en-US"/>
-          </a:p>
-        </p:txBody>
-      </p:sp>
       <p:sp>
         <p:nvSpPr>
           <p:cNvPr id="3" name="Content Placeholder 2">
